--- a/JeanPiaget/2019-2020/Cuarentena/Cuarto - Clases Remotas/Zoom3-Presentación-InterpretaciónDatos.pptx
+++ b/JeanPiaget/2019-2020/Cuarentena/Cuarto - Clases Remotas/Zoom3-Presentación-InterpretaciónDatos.pptx
@@ -243,7 +243,7 @@
           <a:p>
             <a:fld id="{A02F310C-FA43-4EE1-B477-F5B7346FF87F}" type="datetimeFigureOut">
               <a:rPr lang="es-MX" smtClean="0"/>
-              <a:t>22/03/2020</a:t>
+              <a:t>24/03/2020</a:t>
             </a:fld>
             <a:endParaRPr lang="es-MX"/>
           </a:p>
@@ -540,7 +540,7 @@
         </p:nvSpPr>
         <p:spPr>
           <a:xfrm>
-            <a:off x="381300" y="685800"/>
+            <a:off x="381000" y="685800"/>
             <a:ext cx="6096000" cy="3429000"/>
           </a:xfrm>
           <a:custGeom>
@@ -5211,7 +5211,7 @@
           <a:p>
             <a:fld id="{E6CC3237-8847-4343-A080-4AA6270D17F1}" type="datetimeFigureOut">
               <a:rPr lang="es-MX" smtClean="0"/>
-              <a:t>22/03/2020</a:t>
+              <a:t>24/03/2020</a:t>
             </a:fld>
             <a:endParaRPr lang="es-MX"/>
           </a:p>
@@ -5381,7 +5381,7 @@
           <a:p>
             <a:fld id="{E6CC3237-8847-4343-A080-4AA6270D17F1}" type="datetimeFigureOut">
               <a:rPr lang="es-MX" smtClean="0"/>
-              <a:t>22/03/2020</a:t>
+              <a:t>24/03/2020</a:t>
             </a:fld>
             <a:endParaRPr lang="es-MX"/>
           </a:p>
@@ -5561,7 +5561,7 @@
           <a:p>
             <a:fld id="{E6CC3237-8847-4343-A080-4AA6270D17F1}" type="datetimeFigureOut">
               <a:rPr lang="es-MX" smtClean="0"/>
-              <a:t>22/03/2020</a:t>
+              <a:t>24/03/2020</a:t>
             </a:fld>
             <a:endParaRPr lang="es-MX"/>
           </a:p>
@@ -8041,7 +8041,7 @@
           <a:p>
             <a:fld id="{E6CC3237-8847-4343-A080-4AA6270D17F1}" type="datetimeFigureOut">
               <a:rPr lang="es-MX" smtClean="0"/>
-              <a:t>22/03/2020</a:t>
+              <a:t>24/03/2020</a:t>
             </a:fld>
             <a:endParaRPr lang="es-MX"/>
           </a:p>
@@ -8287,7 +8287,7 @@
           <a:p>
             <a:fld id="{E6CC3237-8847-4343-A080-4AA6270D17F1}" type="datetimeFigureOut">
               <a:rPr lang="es-MX" smtClean="0"/>
-              <a:t>22/03/2020</a:t>
+              <a:t>24/03/2020</a:t>
             </a:fld>
             <a:endParaRPr lang="es-MX"/>
           </a:p>
@@ -8519,7 +8519,7 @@
           <a:p>
             <a:fld id="{E6CC3237-8847-4343-A080-4AA6270D17F1}" type="datetimeFigureOut">
               <a:rPr lang="es-MX" smtClean="0"/>
-              <a:t>22/03/2020</a:t>
+              <a:t>24/03/2020</a:t>
             </a:fld>
             <a:endParaRPr lang="es-MX"/>
           </a:p>
@@ -8886,7 +8886,7 @@
           <a:p>
             <a:fld id="{E6CC3237-8847-4343-A080-4AA6270D17F1}" type="datetimeFigureOut">
               <a:rPr lang="es-MX" smtClean="0"/>
-              <a:t>22/03/2020</a:t>
+              <a:t>24/03/2020</a:t>
             </a:fld>
             <a:endParaRPr lang="es-MX"/>
           </a:p>
@@ -9004,7 +9004,7 @@
           <a:p>
             <a:fld id="{E6CC3237-8847-4343-A080-4AA6270D17F1}" type="datetimeFigureOut">
               <a:rPr lang="es-MX" smtClean="0"/>
-              <a:t>22/03/2020</a:t>
+              <a:t>24/03/2020</a:t>
             </a:fld>
             <a:endParaRPr lang="es-MX"/>
           </a:p>
@@ -9099,7 +9099,7 @@
           <a:p>
             <a:fld id="{E6CC3237-8847-4343-A080-4AA6270D17F1}" type="datetimeFigureOut">
               <a:rPr lang="es-MX" smtClean="0"/>
-              <a:t>22/03/2020</a:t>
+              <a:t>24/03/2020</a:t>
             </a:fld>
             <a:endParaRPr lang="es-MX"/>
           </a:p>
@@ -9376,7 +9376,7 @@
           <a:p>
             <a:fld id="{E6CC3237-8847-4343-A080-4AA6270D17F1}" type="datetimeFigureOut">
               <a:rPr lang="es-MX" smtClean="0"/>
-              <a:t>22/03/2020</a:t>
+              <a:t>24/03/2020</a:t>
             </a:fld>
             <a:endParaRPr lang="es-MX"/>
           </a:p>
@@ -9629,7 +9629,7 @@
           <a:p>
             <a:fld id="{E6CC3237-8847-4343-A080-4AA6270D17F1}" type="datetimeFigureOut">
               <a:rPr lang="es-MX" smtClean="0"/>
-              <a:t>22/03/2020</a:t>
+              <a:t>24/03/2020</a:t>
             </a:fld>
             <a:endParaRPr lang="es-MX"/>
           </a:p>
@@ -9842,7 +9842,7 @@
           <a:p>
             <a:fld id="{E6CC3237-8847-4343-A080-4AA6270D17F1}" type="datetimeFigureOut">
               <a:rPr lang="es-MX" smtClean="0"/>
-              <a:t>22/03/2020</a:t>
+              <a:t>24/03/2020</a:t>
             </a:fld>
             <a:endParaRPr lang="es-MX"/>
           </a:p>
@@ -12080,34 +12080,6 @@
           </a:p>
         </p:txBody>
       </p:sp>
-      <p:pic>
-        <p:nvPicPr>
-          <p:cNvPr id="160" name="Google Shape;160;p26"/>
-          <p:cNvPicPr preferRelativeResize="0"/>
-          <p:nvPr/>
-        </p:nvPicPr>
-        <p:blipFill>
-          <a:blip r:embed="rId3">
-            <a:alphaModFix amt="31000"/>
-          </a:blip>
-          <a:stretch>
-            <a:fillRect/>
-          </a:stretch>
-        </p:blipFill>
-        <p:spPr>
-          <a:xfrm>
-            <a:off x="-1" y="5067800"/>
-            <a:ext cx="2267200" cy="1790200"/>
-          </a:xfrm>
-          <a:prstGeom prst="rect">
-            <a:avLst/>
-          </a:prstGeom>
-          <a:noFill/>
-          <a:ln>
-            <a:noFill/>
-          </a:ln>
-        </p:spPr>
-      </p:pic>
     </p:spTree>
     <p:extLst>
       <p:ext uri="{BB962C8B-B14F-4D97-AF65-F5344CB8AC3E}">
@@ -15046,27 +15018,27 @@
               <a:buSzPts val="1800"/>
             </a:pPr>
             <a:r>
-              <a:rPr lang="es" sz="2400"/>
+              <a:rPr lang="es" sz="2400" dirty="0"/>
               <a:t>Se utilizan para representar </a:t>
             </a:r>
             <a:r>
-              <a:rPr lang="es" sz="2400" b="1"/>
+              <a:rPr lang="es" sz="2400" b="1" dirty="0"/>
               <a:t>porcentajes (proporciones).</a:t>
             </a:r>
             <a:br>
-              <a:rPr lang="es" sz="2400" b="1"/>
+              <a:rPr lang="es" sz="2400" b="1" dirty="0"/>
             </a:br>
-            <a:endParaRPr sz="2400" b="1"/>
+            <a:endParaRPr sz="2400" b="1" dirty="0"/>
           </a:p>
           <a:p>
             <a:pPr indent="-457189" algn="just">
               <a:buSzPts val="1800"/>
             </a:pPr>
             <a:r>
-              <a:rPr lang="es" sz="2400"/>
+              <a:rPr lang="es" sz="2400" dirty="0"/>
               <a:t>Deben sumar 1.</a:t>
             </a:r>
-            <a:endParaRPr sz="2400"/>
+            <a:endParaRPr sz="2400" dirty="0"/>
           </a:p>
           <a:p>
             <a:pPr lvl="1" algn="just">
@@ -15075,10 +15047,10 @@
               </a:spcBef>
             </a:pPr>
             <a:r>
-              <a:rPr lang="es"/>
+              <a:rPr lang="es" dirty="0"/>
               <a:t>La suma de las partes no puede ser más ni menos que el TOTAL.</a:t>
             </a:r>
-            <a:endParaRPr/>
+            <a:endParaRPr dirty="0"/>
           </a:p>
         </p:txBody>
       </p:sp>
@@ -15583,10 +15555,10 @@
               <a:buNone/>
             </a:pPr>
             <a:r>
-              <a:rPr lang="es" b="1"/>
+              <a:rPr lang="es" b="1" dirty="0"/>
               <a:t>Gráfica de Barras</a:t>
             </a:r>
-            <a:endParaRPr b="1"/>
+            <a:endParaRPr b="1" dirty="0"/>
           </a:p>
           <a:p>
             <a:pPr marL="0" indent="0">
@@ -15596,10 +15568,10 @@
               <a:buNone/>
             </a:pPr>
             <a:r>
-              <a:rPr lang="es"/>
+              <a:rPr lang="es" dirty="0"/>
               <a:t>X = Variable categórica</a:t>
             </a:r>
-            <a:endParaRPr/>
+            <a:endParaRPr dirty="0"/>
           </a:p>
           <a:p>
             <a:pPr marL="0" indent="0">
@@ -15612,10 +15584,10 @@
               <a:buNone/>
             </a:pPr>
             <a:r>
-              <a:rPr lang="es"/>
+              <a:rPr lang="es" dirty="0"/>
               <a:t>Y = Variable contínua</a:t>
             </a:r>
-            <a:endParaRPr/>
+            <a:endParaRPr dirty="0"/>
           </a:p>
         </p:txBody>
       </p:sp>

--- a/JeanPiaget/2019-2020/Cuarentena/Cuarto - Clases Remotas/Zoom3-Presentación-InterpretaciónDatos.pptx
+++ b/JeanPiaget/2019-2020/Cuarentena/Cuarto - Clases Remotas/Zoom3-Presentación-InterpretaciónDatos.pptx
@@ -5,45 +5,49 @@
     <p:sldMasterId id="2147483648" r:id="rId1"/>
   </p:sldMasterIdLst>
   <p:notesMasterIdLst>
-    <p:notesMasterId r:id="rId38"/>
+    <p:notesMasterId r:id="rId42"/>
   </p:notesMasterIdLst>
   <p:sldIdLst>
     <p:sldId id="288" r:id="rId2"/>
     <p:sldId id="301" r:id="rId3"/>
     <p:sldId id="302" r:id="rId4"/>
     <p:sldId id="305" r:id="rId5"/>
-    <p:sldId id="306" r:id="rId6"/>
-    <p:sldId id="308" r:id="rId7"/>
-    <p:sldId id="307" r:id="rId8"/>
-    <p:sldId id="309" r:id="rId9"/>
-    <p:sldId id="310" r:id="rId10"/>
-    <p:sldId id="311" r:id="rId11"/>
-    <p:sldId id="322" r:id="rId12"/>
-    <p:sldId id="323" r:id="rId13"/>
-    <p:sldId id="363" r:id="rId14"/>
-    <p:sldId id="324" r:id="rId15"/>
-    <p:sldId id="325" r:id="rId16"/>
-    <p:sldId id="326" r:id="rId17"/>
-    <p:sldId id="327" r:id="rId18"/>
-    <p:sldId id="328" r:id="rId19"/>
-    <p:sldId id="329" r:id="rId20"/>
-    <p:sldId id="330" r:id="rId21"/>
-    <p:sldId id="331" r:id="rId22"/>
-    <p:sldId id="332" r:id="rId23"/>
-    <p:sldId id="333" r:id="rId24"/>
-    <p:sldId id="334" r:id="rId25"/>
-    <p:sldId id="335" r:id="rId26"/>
-    <p:sldId id="336" r:id="rId27"/>
-    <p:sldId id="337" r:id="rId28"/>
-    <p:sldId id="338" r:id="rId29"/>
-    <p:sldId id="339" r:id="rId30"/>
-    <p:sldId id="340" r:id="rId31"/>
-    <p:sldId id="342" r:id="rId32"/>
-    <p:sldId id="343" r:id="rId33"/>
-    <p:sldId id="353" r:id="rId34"/>
-    <p:sldId id="354" r:id="rId35"/>
-    <p:sldId id="355" r:id="rId36"/>
-    <p:sldId id="360" r:id="rId37"/>
+    <p:sldId id="259" r:id="rId6"/>
+    <p:sldId id="261" r:id="rId7"/>
+    <p:sldId id="262" r:id="rId8"/>
+    <p:sldId id="260" r:id="rId9"/>
+    <p:sldId id="264" r:id="rId10"/>
+    <p:sldId id="306" r:id="rId11"/>
+    <p:sldId id="308" r:id="rId12"/>
+    <p:sldId id="307" r:id="rId13"/>
+    <p:sldId id="309" r:id="rId14"/>
+    <p:sldId id="310" r:id="rId15"/>
+    <p:sldId id="311" r:id="rId16"/>
+    <p:sldId id="322" r:id="rId17"/>
+    <p:sldId id="323" r:id="rId18"/>
+    <p:sldId id="363" r:id="rId19"/>
+    <p:sldId id="324" r:id="rId20"/>
+    <p:sldId id="331" r:id="rId21"/>
+    <p:sldId id="332" r:id="rId22"/>
+    <p:sldId id="326" r:id="rId23"/>
+    <p:sldId id="327" r:id="rId24"/>
+    <p:sldId id="328" r:id="rId25"/>
+    <p:sldId id="329" r:id="rId26"/>
+    <p:sldId id="330" r:id="rId27"/>
+    <p:sldId id="333" r:id="rId28"/>
+    <p:sldId id="334" r:id="rId29"/>
+    <p:sldId id="335" r:id="rId30"/>
+    <p:sldId id="336" r:id="rId31"/>
+    <p:sldId id="337" r:id="rId32"/>
+    <p:sldId id="338" r:id="rId33"/>
+    <p:sldId id="339" r:id="rId34"/>
+    <p:sldId id="340" r:id="rId35"/>
+    <p:sldId id="342" r:id="rId36"/>
+    <p:sldId id="343" r:id="rId37"/>
+    <p:sldId id="353" r:id="rId38"/>
+    <p:sldId id="354" r:id="rId39"/>
+    <p:sldId id="355" r:id="rId40"/>
+    <p:sldId id="360" r:id="rId41"/>
   </p:sldIdLst>
   <p:sldSz cx="12192000" cy="6858000"/>
   <p:notesSz cx="6858000" cy="9144000"/>
@@ -243,7 +247,7 @@
           <a:p>
             <a:fld id="{A02F310C-FA43-4EE1-B477-F5B7346FF87F}" type="datetimeFigureOut">
               <a:rPr lang="es-MX" smtClean="0"/>
-              <a:t>24/03/2020</a:t>
+              <a:t>25/03/2020</a:t>
             </a:fld>
             <a:endParaRPr lang="es-MX"/>
           </a:p>
@@ -1159,7 +1163,7 @@
   <p:cSld>
     <p:spTree>
       <p:nvGrpSpPr>
-        <p:cNvPr id="1" name="Shape 222"/>
+        <p:cNvPr id="1" name="Shape 262"/>
         <p:cNvGrpSpPr/>
         <p:nvPr/>
       </p:nvGrpSpPr>
@@ -1173,7 +1177,7 @@
       </p:grpSpPr>
       <p:sp>
         <p:nvSpPr>
-          <p:cNvPr id="223" name="Google Shape;223;g2294d7368a_0_106:notes"/>
+          <p:cNvPr id="263" name="Google Shape;263;g229b69b509_0_0:notes"/>
           <p:cNvSpPr>
             <a:spLocks noGrp="1" noRot="1" noChangeAspect="1"/>
           </p:cNvSpPr>
@@ -1214,7 +1218,7 @@
       </p:sp>
       <p:sp>
         <p:nvSpPr>
-          <p:cNvPr id="224" name="Google Shape;224;g2294d7368a_0_106:notes"/>
+          <p:cNvPr id="264" name="Google Shape;264;g229b69b509_0_0:notes"/>
           <p:cNvSpPr txBox="1">
             <a:spLocks noGrp="1"/>
           </p:cNvSpPr>
@@ -1246,141 +1250,16 @@
               </a:spcAft>
               <a:buNone/>
             </a:pPr>
-            <a:r>
-              <a:rPr lang="es"/>
-              <a:t>El eje de las ‘Y’ no parte de 0, sino que comienza en 34; la diferencia no es tan grande (o al menos, no 4x)</a:t>
-            </a:r>
             <a:endParaRPr/>
           </a:p>
-          <a:p>
-            <a:pPr marL="0" lvl="0" indent="0" algn="l" rtl="0">
-              <a:spcBef>
-                <a:spcPts val="0"/>
-              </a:spcBef>
-              <a:spcAft>
-                <a:spcPts val="0"/>
-              </a:spcAft>
-              <a:buNone/>
-            </a:pPr>
-            <a:endParaRPr/>
-          </a:p>
-          <a:p>
-            <a:pPr marL="0" lvl="0" indent="0" algn="l" rtl="0">
-              <a:spcBef>
-                <a:spcPts val="0"/>
-              </a:spcBef>
-              <a:spcAft>
-                <a:spcPts val="0"/>
-              </a:spcAft>
-              <a:buNone/>
-            </a:pPr>
-            <a:r>
-              <a:rPr lang="es" sz="1050">
-                <a:solidFill>
-                  <a:srgbClr val="222222"/>
-                </a:solidFill>
-                <a:highlight>
-                  <a:srgbClr val="FFFFFF"/>
-                </a:highlight>
-              </a:rPr>
-              <a:t>*The phrase </a:t>
-            </a:r>
-            <a:r>
-              <a:rPr lang="es" sz="1050" b="1">
-                <a:solidFill>
-                  <a:srgbClr val="222222"/>
-                </a:solidFill>
-                <a:highlight>
-                  <a:srgbClr val="FFFFFF"/>
-                </a:highlight>
-              </a:rPr>
-              <a:t>Bush tax cuts</a:t>
-            </a:r>
-            <a:r>
-              <a:rPr lang="es" sz="1050">
-                <a:solidFill>
-                  <a:srgbClr val="222222"/>
-                </a:solidFill>
-                <a:highlight>
-                  <a:srgbClr val="FFFFFF"/>
-                </a:highlight>
-              </a:rPr>
-              <a:t> refers to changes to the United States tax code passed originally during the </a:t>
-            </a:r>
-            <a:r>
-              <a:rPr lang="es" sz="1050" u="sng">
-                <a:solidFill>
-                  <a:srgbClr val="0B0080"/>
-                </a:solidFill>
-                <a:highlight>
-                  <a:srgbClr val="FFFFFF"/>
-                </a:highlight>
-                <a:hlinkClick r:id="rId3"/>
-              </a:rPr>
-              <a:t>presidency of George W. Bush</a:t>
-            </a:r>
-            <a:r>
-              <a:rPr lang="es" sz="1050">
-                <a:solidFill>
-                  <a:srgbClr val="222222"/>
-                </a:solidFill>
-                <a:highlight>
-                  <a:srgbClr val="FFFFFF"/>
-                </a:highlight>
-              </a:rPr>
-              <a:t> and extended during the </a:t>
-            </a:r>
-            <a:r>
-              <a:rPr lang="es" sz="1050" u="sng">
-                <a:solidFill>
-                  <a:srgbClr val="0B0080"/>
-                </a:solidFill>
-                <a:highlight>
-                  <a:srgbClr val="FFFFFF"/>
-                </a:highlight>
-                <a:hlinkClick r:id="rId4"/>
-              </a:rPr>
-              <a:t>presidency of Barack Obama</a:t>
-            </a:r>
-            <a:r>
-              <a:rPr lang="es" sz="1050">
-                <a:solidFill>
-                  <a:srgbClr val="222222"/>
-                </a:solidFill>
-                <a:highlight>
-                  <a:srgbClr val="FFFFFF"/>
-                </a:highlight>
-              </a:rPr>
-              <a:t>, through (</a:t>
-            </a:r>
-            <a:r>
-              <a:rPr lang="es" sz="1050" u="sng">
-                <a:solidFill>
-                  <a:schemeClr val="hlink"/>
-                </a:solidFill>
-                <a:highlight>
-                  <a:srgbClr val="FFFFFF"/>
-                </a:highlight>
-                <a:hlinkClick r:id="rId5"/>
-              </a:rPr>
-              <a:t>https://en.wikipedia.org/wiki/Bush_tax_cuts</a:t>
-            </a:r>
-            <a:r>
-              <a:rPr lang="es" sz="1050">
-                <a:solidFill>
-                  <a:srgbClr val="222222"/>
-                </a:solidFill>
-                <a:highlight>
-                  <a:srgbClr val="FFFFFF"/>
-                </a:highlight>
-              </a:rPr>
-              <a:t> )</a:t>
-            </a:r>
-            <a:endParaRPr/>
-          </a:p>
         </p:txBody>
       </p:sp>
     </p:spTree>
+    <p:extLst>
+      <p:ext uri="{BB962C8B-B14F-4D97-AF65-F5344CB8AC3E}">
+        <p14:creationId xmlns:p14="http://schemas.microsoft.com/office/powerpoint/2010/main" val="1590330225"/>
+      </p:ext>
+    </p:extLst>
   </p:cSld>
   <p:clrMapOvr>
     <a:masterClrMapping/>
@@ -1393,7 +1272,7 @@
   <p:cSld>
     <p:spTree>
       <p:nvGrpSpPr>
-        <p:cNvPr id="1" name="Shape 229"/>
+        <p:cNvPr id="1" name="Shape 269"/>
         <p:cNvGrpSpPr/>
         <p:nvPr/>
       </p:nvGrpSpPr>
@@ -1407,7 +1286,7 @@
       </p:grpSpPr>
       <p:sp>
         <p:nvSpPr>
-          <p:cNvPr id="230" name="Google Shape;230;g2294d7368a_0_166:notes"/>
+          <p:cNvPr id="270" name="Google Shape;270;g229b69b509_0_11:notes"/>
           <p:cNvSpPr>
             <a:spLocks noGrp="1" noRot="1" noChangeAspect="1"/>
           </p:cNvSpPr>
@@ -1417,7 +1296,7 @@
         </p:nvSpPr>
         <p:spPr>
           <a:xfrm>
-            <a:off x="381300" y="685800"/>
+            <a:off x="381000" y="685800"/>
             <a:ext cx="6096000" cy="3429000"/>
           </a:xfrm>
           <a:custGeom>
@@ -1448,7 +1327,7 @@
       </p:sp>
       <p:sp>
         <p:nvSpPr>
-          <p:cNvPr id="231" name="Google Shape;231;g2294d7368a_0_166:notes"/>
+          <p:cNvPr id="271" name="Google Shape;271;g229b69b509_0_11:notes"/>
           <p:cNvSpPr txBox="1">
             <a:spLocks noGrp="1"/>
           </p:cNvSpPr>
@@ -1481,14 +1360,28 @@
               <a:buNone/>
             </a:pPr>
             <a:r>
+              <a:rPr lang="es" u="sng">
+                <a:solidFill>
+                  <a:schemeClr val="hlink"/>
+                </a:solidFill>
+                <a:hlinkClick r:id="rId3"/>
+              </a:rPr>
+              <a:t>http://callingbullshit.org/tools/tools_misleading_axes.html</a:t>
+            </a:r>
+            <a:r>
               <a:rPr lang="es"/>
-              <a:t>¡No saltemos a conclusiones a partir de un ejemplo! Como siempre, la respuesta es “depende…”</a:t>
+              <a:t> </a:t>
             </a:r>
             <a:endParaRPr/>
           </a:p>
         </p:txBody>
       </p:sp>
     </p:spTree>
+    <p:extLst>
+      <p:ext uri="{BB962C8B-B14F-4D97-AF65-F5344CB8AC3E}">
+        <p14:creationId xmlns:p14="http://schemas.microsoft.com/office/powerpoint/2010/main" val="3186524646"/>
+      </p:ext>
+    </p:extLst>
   </p:cSld>
   <p:clrMapOvr>
     <a:masterClrMapping/>
@@ -1501,7 +1394,7 @@
   <p:cSld>
     <p:spTree>
       <p:nvGrpSpPr>
-        <p:cNvPr id="1" name="Shape 235"/>
+        <p:cNvPr id="1" name="Shape 229"/>
         <p:cNvGrpSpPr/>
         <p:nvPr/>
       </p:nvGrpSpPr>
@@ -1515,7 +1408,7 @@
       </p:grpSpPr>
       <p:sp>
         <p:nvSpPr>
-          <p:cNvPr id="236" name="Google Shape;236;g2294d7368a_0_181:notes"/>
+          <p:cNvPr id="230" name="Google Shape;230;g2294d7368a_0_166:notes"/>
           <p:cNvSpPr>
             <a:spLocks noGrp="1" noRot="1" noChangeAspect="1"/>
           </p:cNvSpPr>
@@ -1556,7 +1449,7 @@
       </p:sp>
       <p:sp>
         <p:nvSpPr>
-          <p:cNvPr id="237" name="Google Shape;237;g2294d7368a_0_181:notes"/>
+          <p:cNvPr id="231" name="Google Shape;231;g2294d7368a_0_166:notes"/>
           <p:cNvSpPr txBox="1">
             <a:spLocks noGrp="1"/>
           </p:cNvSpPr>
@@ -1590,35 +1483,7 @@
             </a:pPr>
             <a:r>
               <a:rPr lang="es"/>
-              <a:t>Ejemplo de gráfica bonita y bien hecha que omite los valores 0</a:t>
-            </a:r>
-            <a:endParaRPr/>
-          </a:p>
-          <a:p>
-            <a:pPr marL="0" lvl="0" indent="0" algn="l" rtl="0">
-              <a:spcBef>
-                <a:spcPts val="0"/>
-              </a:spcBef>
-              <a:spcAft>
-                <a:spcPts val="0"/>
-              </a:spcAft>
-              <a:buNone/>
-            </a:pPr>
-            <a:endParaRPr/>
-          </a:p>
-          <a:p>
-            <a:pPr marL="0" lvl="0" indent="0" algn="l" rtl="0">
-              <a:spcBef>
-                <a:spcPts val="0"/>
-              </a:spcBef>
-              <a:spcAft>
-                <a:spcPts val="0"/>
-              </a:spcAft>
-              <a:buNone/>
-            </a:pPr>
-            <a:r>
-              <a:rPr lang="es"/>
-              <a:t>¿Por qué no es importante? Porque lo importante no es ver si hay o no un cambio en los valores absolutos (cada punto en cada línea a lo largo del eje x), sino porque lo que interesa es ver la tendencia que tienen ambos grupos a comaprar a lo largo de X.</a:t>
+              <a:t>¡No saltemos a conclusiones a partir de un ejemplo! Como siempre, la respuesta es “depende…”</a:t>
             </a:r>
             <a:endParaRPr/>
           </a:p>
@@ -1637,7 +1502,7 @@
   <p:cSld>
     <p:spTree>
       <p:nvGrpSpPr>
-        <p:cNvPr id="1" name="Shape 242"/>
+        <p:cNvPr id="1" name="Shape 235"/>
         <p:cNvGrpSpPr/>
         <p:nvPr/>
       </p:nvGrpSpPr>
@@ -1651,7 +1516,7 @@
       </p:grpSpPr>
       <p:sp>
         <p:nvSpPr>
-          <p:cNvPr id="243" name="Google Shape;243;g2294d7368a_0_171:notes"/>
+          <p:cNvPr id="236" name="Google Shape;236;g2294d7368a_0_181:notes"/>
           <p:cNvSpPr>
             <a:spLocks noGrp="1" noRot="1" noChangeAspect="1"/>
           </p:cNvSpPr>
@@ -1692,7 +1557,7 @@
       </p:sp>
       <p:sp>
         <p:nvSpPr>
-          <p:cNvPr id="244" name="Google Shape;244;g2294d7368a_0_171:notes"/>
+          <p:cNvPr id="237" name="Google Shape;237;g2294d7368a_0_181:notes"/>
           <p:cNvSpPr txBox="1">
             <a:spLocks noGrp="1"/>
           </p:cNvSpPr>
@@ -1726,7 +1591,35 @@
             </a:pPr>
             <a:r>
               <a:rPr lang="es"/>
-              <a:t>La idea es que es malo saltarse le 0 cuando se enfatizan diferencias en cantidades absolutas (barras e histogramas, etc); pero no es necesariamente malo cuando el punto del grafico es mostrar el cambio gradual en Y como función de x (lineales, scatter, etc)</a:t>
+              <a:t>Ejemplo de gráfica bonita y bien hecha que omite los valores 0</a:t>
+            </a:r>
+            <a:endParaRPr/>
+          </a:p>
+          <a:p>
+            <a:pPr marL="0" lvl="0" indent="0" algn="l" rtl="0">
+              <a:spcBef>
+                <a:spcPts val="0"/>
+              </a:spcBef>
+              <a:spcAft>
+                <a:spcPts val="0"/>
+              </a:spcAft>
+              <a:buNone/>
+            </a:pPr>
+            <a:endParaRPr/>
+          </a:p>
+          <a:p>
+            <a:pPr marL="0" lvl="0" indent="0" algn="l" rtl="0">
+              <a:spcBef>
+                <a:spcPts val="0"/>
+              </a:spcBef>
+              <a:spcAft>
+                <a:spcPts val="0"/>
+              </a:spcAft>
+              <a:buNone/>
+            </a:pPr>
+            <a:r>
+              <a:rPr lang="es"/>
+              <a:t>¿Por qué no es importante? Porque lo importante no es ver si hay o no un cambio en los valores absolutos (cada punto en cada línea a lo largo del eje x), sino porque lo que interesa es ver la tendencia que tienen ambos grupos a comaprar a lo largo de X.</a:t>
             </a:r>
             <a:endParaRPr/>
           </a:p>
@@ -1745,7 +1638,7 @@
   <p:cSld>
     <p:spTree>
       <p:nvGrpSpPr>
-        <p:cNvPr id="1" name="Shape 248"/>
+        <p:cNvPr id="1" name="Shape 242"/>
         <p:cNvGrpSpPr/>
         <p:nvPr/>
       </p:nvGrpSpPr>
@@ -1759,7 +1652,7 @@
       </p:grpSpPr>
       <p:sp>
         <p:nvSpPr>
-          <p:cNvPr id="249" name="Google Shape;249;g2294d7368a_0_150:notes"/>
+          <p:cNvPr id="243" name="Google Shape;243;g2294d7368a_0_171:notes"/>
           <p:cNvSpPr>
             <a:spLocks noGrp="1" noRot="1" noChangeAspect="1"/>
           </p:cNvSpPr>
@@ -1769,7 +1662,7 @@
         </p:nvSpPr>
         <p:spPr>
           <a:xfrm>
-            <a:off x="381000" y="685800"/>
+            <a:off x="381300" y="685800"/>
             <a:ext cx="6096000" cy="3429000"/>
           </a:xfrm>
           <a:custGeom>
@@ -1800,7 +1693,7 @@
       </p:sp>
       <p:sp>
         <p:nvSpPr>
-          <p:cNvPr id="250" name="Google Shape;250;g2294d7368a_0_150:notes"/>
+          <p:cNvPr id="244" name="Google Shape;244;g2294d7368a_0_171:notes"/>
           <p:cNvSpPr txBox="1">
             <a:spLocks noGrp="1"/>
           </p:cNvSpPr>
@@ -1834,7 +1727,7 @@
             </a:pPr>
             <a:r>
               <a:rPr lang="es"/>
-              <a:t>Es otra instancia de tu ejemplo anterior, no crees que es redundante?</a:t>
+              <a:t>La idea es que es malo saltarse le 0 cuando se enfatizan diferencias en cantidades absolutas (barras e histogramas, etc); pero no es necesariamente malo cuando el punto del grafico es mostrar el cambio gradual en Y como función de x (lineales, scatter, etc)</a:t>
             </a:r>
             <a:endParaRPr/>
           </a:p>
@@ -1853,7 +1746,7 @@
   <p:cSld>
     <p:spTree>
       <p:nvGrpSpPr>
-        <p:cNvPr id="1" name="Shape 255"/>
+        <p:cNvPr id="1" name="Shape 248"/>
         <p:cNvGrpSpPr/>
         <p:nvPr/>
       </p:nvGrpSpPr>
@@ -1867,7 +1760,7 @@
       </p:grpSpPr>
       <p:sp>
         <p:nvSpPr>
-          <p:cNvPr id="256" name="Google Shape;256;g2294d7368a_0_156:notes"/>
+          <p:cNvPr id="249" name="Google Shape;249;g2294d7368a_0_150:notes"/>
           <p:cNvSpPr>
             <a:spLocks noGrp="1" noRot="1" noChangeAspect="1"/>
           </p:cNvSpPr>
@@ -1908,7 +1801,7 @@
       </p:sp>
       <p:sp>
         <p:nvSpPr>
-          <p:cNvPr id="257" name="Google Shape;257;g2294d7368a_0_156:notes"/>
+          <p:cNvPr id="250" name="Google Shape;250;g2294d7368a_0_150:notes"/>
           <p:cNvSpPr txBox="1">
             <a:spLocks noGrp="1"/>
           </p:cNvSpPr>
@@ -1931,129 +1824,18 @@
           </a:bodyPr>
           <a:lstStyle/>
           <a:p>
-            <a:pPr marL="457200" lvl="0" indent="-295275" algn="l" rtl="0">
-              <a:spcBef>
-                <a:spcPts val="0"/>
-              </a:spcBef>
-              <a:spcAft>
-                <a:spcPts val="0"/>
-              </a:spcAft>
-              <a:buSzPts val="1050"/>
-              <a:buChar char="●"/>
+            <a:pPr marL="0" lvl="0" indent="0" algn="l" rtl="0">
+              <a:spcBef>
+                <a:spcPts val="0"/>
+              </a:spcBef>
+              <a:spcAft>
+                <a:spcPts val="0"/>
+              </a:spcAft>
+              <a:buNone/>
             </a:pPr>
             <a:r>
-              <a:rPr lang="es" sz="1050" b="1">
-                <a:solidFill>
-                  <a:srgbClr val="222222"/>
-                </a:solidFill>
-                <a:highlight>
-                  <a:srgbClr val="FFFFFF"/>
-                </a:highlight>
-              </a:rPr>
-              <a:t>Welfare</a:t>
-            </a:r>
-            <a:r>
-              <a:rPr lang="es" sz="1050">
-                <a:solidFill>
-                  <a:srgbClr val="222222"/>
-                </a:solidFill>
-                <a:highlight>
-                  <a:srgbClr val="FFFFFF"/>
-                </a:highlight>
-              </a:rPr>
-              <a:t> is the provision of a minimal level of </a:t>
-            </a:r>
-            <a:r>
-              <a:rPr lang="es" sz="1050" u="sng">
-                <a:solidFill>
-                  <a:srgbClr val="0B0080"/>
-                </a:solidFill>
-                <a:highlight>
-                  <a:srgbClr val="FFFFFF"/>
-                </a:highlight>
-                <a:hlinkClick r:id="rId3"/>
-              </a:rPr>
-              <a:t>well-being</a:t>
-            </a:r>
-            <a:r>
-              <a:rPr lang="es" sz="1050">
-                <a:solidFill>
-                  <a:srgbClr val="222222"/>
-                </a:solidFill>
-                <a:highlight>
-                  <a:srgbClr val="FFFFFF"/>
-                </a:highlight>
-              </a:rPr>
-              <a:t> and </a:t>
-            </a:r>
-            <a:r>
-              <a:rPr lang="es" sz="1050" u="sng">
-                <a:solidFill>
-                  <a:srgbClr val="0B0080"/>
-                </a:solidFill>
-                <a:highlight>
-                  <a:srgbClr val="FFFFFF"/>
-                </a:highlight>
-                <a:hlinkClick r:id="rId4"/>
-              </a:rPr>
-              <a:t>social support</a:t>
-            </a:r>
-            <a:r>
-              <a:rPr lang="es" sz="1050">
-                <a:solidFill>
-                  <a:srgbClr val="222222"/>
-                </a:solidFill>
-                <a:highlight>
-                  <a:srgbClr val="FFFFFF"/>
-                </a:highlight>
-              </a:rPr>
-              <a:t> for citizens without current means to support basic needs. In most developed countries, welfare is largely provided by the government from tax income, and to a lesser extent by </a:t>
-            </a:r>
-            <a:r>
-              <a:rPr lang="es" sz="1050" u="sng">
-                <a:solidFill>
-                  <a:srgbClr val="0B0080"/>
-                </a:solidFill>
-                <a:highlight>
-                  <a:srgbClr val="FFFFFF"/>
-                </a:highlight>
-                <a:hlinkClick r:id="rId5"/>
-              </a:rPr>
-              <a:t>charities</a:t>
-            </a:r>
-            <a:r>
-              <a:rPr lang="es" sz="1050">
-                <a:solidFill>
-                  <a:srgbClr val="222222"/>
-                </a:solidFill>
-                <a:highlight>
-                  <a:srgbClr val="FFFFFF"/>
-                </a:highlight>
-              </a:rPr>
-              <a:t>, informal social groups, religious groups, and inter-governmental organizations. (</a:t>
-            </a:r>
-            <a:r>
-              <a:rPr lang="es" sz="1050" u="sng">
-                <a:solidFill>
-                  <a:schemeClr val="accent5"/>
-                </a:solidFill>
-                <a:highlight>
-                  <a:srgbClr val="FFFFFF"/>
-                </a:highlight>
-                <a:hlinkClick r:id="rId6"/>
-              </a:rPr>
-              <a:t>https://en.wikipedia.org/wiki/Welfare</a:t>
-            </a:r>
-            <a:r>
-              <a:rPr lang="es" sz="1050">
-                <a:solidFill>
-                  <a:srgbClr val="222222"/>
-                </a:solidFill>
-                <a:highlight>
-                  <a:srgbClr val="FFFFFF"/>
-                </a:highlight>
-              </a:rPr>
-              <a:t> )</a:t>
+              <a:rPr lang="es"/>
+              <a:t>Es otra instancia de tu ejemplo anterior, no crees que es redundante?</a:t>
             </a:r>
             <a:endParaRPr/>
           </a:p>
@@ -2313,7 +2095,7 @@
   <p:cSld>
     <p:spTree>
       <p:nvGrpSpPr>
-        <p:cNvPr id="1" name="Shape 262"/>
+        <p:cNvPr id="1" name="Shape 255"/>
         <p:cNvGrpSpPr/>
         <p:nvPr/>
       </p:nvGrpSpPr>
@@ -2327,7 +2109,7 @@
       </p:grpSpPr>
       <p:sp>
         <p:nvSpPr>
-          <p:cNvPr id="263" name="Google Shape;263;g229b69b509_0_0:notes"/>
+          <p:cNvPr id="256" name="Google Shape;256;g2294d7368a_0_156:notes"/>
           <p:cNvSpPr>
             <a:spLocks noGrp="1" noRot="1" noChangeAspect="1"/>
           </p:cNvSpPr>
@@ -2368,7 +2150,7 @@
       </p:sp>
       <p:sp>
         <p:nvSpPr>
-          <p:cNvPr id="264" name="Google Shape;264;g229b69b509_0_0:notes"/>
+          <p:cNvPr id="257" name="Google Shape;257;g2294d7368a_0_156:notes"/>
           <p:cNvSpPr txBox="1">
             <a:spLocks noGrp="1"/>
           </p:cNvSpPr>
@@ -2391,15 +2173,130 @@
           </a:bodyPr>
           <a:lstStyle/>
           <a:p>
-            <a:pPr marL="0" lvl="0" indent="0" algn="l" rtl="0">
-              <a:spcBef>
-                <a:spcPts val="0"/>
-              </a:spcBef>
-              <a:spcAft>
-                <a:spcPts val="0"/>
-              </a:spcAft>
-              <a:buNone/>
+            <a:pPr marL="457200" lvl="0" indent="-295275" algn="l" rtl="0">
+              <a:spcBef>
+                <a:spcPts val="0"/>
+              </a:spcBef>
+              <a:spcAft>
+                <a:spcPts val="0"/>
+              </a:spcAft>
+              <a:buSzPts val="1050"/>
+              <a:buChar char="●"/>
             </a:pPr>
+            <a:r>
+              <a:rPr lang="es" sz="1050" b="1">
+                <a:solidFill>
+                  <a:srgbClr val="222222"/>
+                </a:solidFill>
+                <a:highlight>
+                  <a:srgbClr val="FFFFFF"/>
+                </a:highlight>
+              </a:rPr>
+              <a:t>Welfare</a:t>
+            </a:r>
+            <a:r>
+              <a:rPr lang="es" sz="1050">
+                <a:solidFill>
+                  <a:srgbClr val="222222"/>
+                </a:solidFill>
+                <a:highlight>
+                  <a:srgbClr val="FFFFFF"/>
+                </a:highlight>
+              </a:rPr>
+              <a:t> is the provision of a minimal level of </a:t>
+            </a:r>
+            <a:r>
+              <a:rPr lang="es" sz="1050" u="sng">
+                <a:solidFill>
+                  <a:srgbClr val="0B0080"/>
+                </a:solidFill>
+                <a:highlight>
+                  <a:srgbClr val="FFFFFF"/>
+                </a:highlight>
+                <a:hlinkClick r:id="rId3"/>
+              </a:rPr>
+              <a:t>well-being</a:t>
+            </a:r>
+            <a:r>
+              <a:rPr lang="es" sz="1050">
+                <a:solidFill>
+                  <a:srgbClr val="222222"/>
+                </a:solidFill>
+                <a:highlight>
+                  <a:srgbClr val="FFFFFF"/>
+                </a:highlight>
+              </a:rPr>
+              <a:t> and </a:t>
+            </a:r>
+            <a:r>
+              <a:rPr lang="es" sz="1050" u="sng">
+                <a:solidFill>
+                  <a:srgbClr val="0B0080"/>
+                </a:solidFill>
+                <a:highlight>
+                  <a:srgbClr val="FFFFFF"/>
+                </a:highlight>
+                <a:hlinkClick r:id="rId4"/>
+              </a:rPr>
+              <a:t>social support</a:t>
+            </a:r>
+            <a:r>
+              <a:rPr lang="es" sz="1050">
+                <a:solidFill>
+                  <a:srgbClr val="222222"/>
+                </a:solidFill>
+                <a:highlight>
+                  <a:srgbClr val="FFFFFF"/>
+                </a:highlight>
+              </a:rPr>
+              <a:t> for citizens without current means to support basic needs. In most developed countries, welfare is largely provided by the government from tax income, and to a lesser extent by </a:t>
+            </a:r>
+            <a:r>
+              <a:rPr lang="es" sz="1050" u="sng">
+                <a:solidFill>
+                  <a:srgbClr val="0B0080"/>
+                </a:solidFill>
+                <a:highlight>
+                  <a:srgbClr val="FFFFFF"/>
+                </a:highlight>
+                <a:hlinkClick r:id="rId5"/>
+              </a:rPr>
+              <a:t>charities</a:t>
+            </a:r>
+            <a:r>
+              <a:rPr lang="es" sz="1050">
+                <a:solidFill>
+                  <a:srgbClr val="222222"/>
+                </a:solidFill>
+                <a:highlight>
+                  <a:srgbClr val="FFFFFF"/>
+                </a:highlight>
+              </a:rPr>
+              <a:t>, informal social groups, religious groups, and inter-governmental organizations. (</a:t>
+            </a:r>
+            <a:r>
+              <a:rPr lang="es" sz="1050" u="sng">
+                <a:solidFill>
+                  <a:schemeClr val="accent5"/>
+                </a:solidFill>
+                <a:highlight>
+                  <a:srgbClr val="FFFFFF"/>
+                </a:highlight>
+                <a:hlinkClick r:id="rId6"/>
+              </a:rPr>
+              <a:t>https://en.wikipedia.org/wiki/Welfare</a:t>
+            </a:r>
+            <a:r>
+              <a:rPr lang="es" sz="1050">
+                <a:solidFill>
+                  <a:srgbClr val="222222"/>
+                </a:solidFill>
+                <a:highlight>
+                  <a:srgbClr val="FFFFFF"/>
+                </a:highlight>
+              </a:rPr>
+              <a:t> )</a:t>
+            </a:r>
             <a:endParaRPr/>
           </a:p>
         </p:txBody>
@@ -2417,7 +2314,7 @@
   <p:cSld>
     <p:spTree>
       <p:nvGrpSpPr>
-        <p:cNvPr id="1" name="Shape 269"/>
+        <p:cNvPr id="1" name="Shape 276"/>
         <p:cNvGrpSpPr/>
         <p:nvPr/>
       </p:nvGrpSpPr>
@@ -2431,7 +2328,7 @@
       </p:grpSpPr>
       <p:sp>
         <p:nvSpPr>
-          <p:cNvPr id="270" name="Google Shape;270;g229b69b509_0_11:notes"/>
+          <p:cNvPr id="277" name="Google Shape;277;g2294d7368a_0_81:notes"/>
           <p:cNvSpPr>
             <a:spLocks noGrp="1" noRot="1" noChangeAspect="1"/>
           </p:cNvSpPr>
@@ -2441,7 +2338,7 @@
         </p:nvSpPr>
         <p:spPr>
           <a:xfrm>
-            <a:off x="381000" y="685800"/>
+            <a:off x="381300" y="685800"/>
             <a:ext cx="6096000" cy="3429000"/>
           </a:xfrm>
           <a:custGeom>
@@ -2472,7 +2369,7 @@
       </p:sp>
       <p:sp>
         <p:nvSpPr>
-          <p:cNvPr id="271" name="Google Shape;271;g229b69b509_0_11:notes"/>
+          <p:cNvPr id="278" name="Google Shape;278;g2294d7368a_0_81:notes"/>
           <p:cNvSpPr txBox="1">
             <a:spLocks noGrp="1"/>
           </p:cNvSpPr>
@@ -2505,17 +2402,8 @@
               <a:buNone/>
             </a:pPr>
             <a:r>
-              <a:rPr lang="es" u="sng">
-                <a:solidFill>
-                  <a:schemeClr val="hlink"/>
-                </a:solidFill>
-                <a:hlinkClick r:id="rId3"/>
-              </a:rPr>
-              <a:t>http://callingbullshit.org/tools/tools_misleading_axes.html</a:t>
-            </a:r>
-            <a:r>
               <a:rPr lang="es"/>
-              <a:t> </a:t>
+              <a:t>“En todas estas gráficas (las anteriores), parece claro por qué es malo omitir el valor 0: porque se acentúa la diferencia (absoluta) en cierta variable (en y) entre varios grupos (una variable categórica - x en una gráfica de barras) ; sin embargo, cuando lo que estamos interesados en observar son cambios en la variable (y) a lo largo de diferentes VALORES de nuestra variable independiente.  Es decir… cuando NO hacemos gráficas de barras, histogramas o pictogramas!</a:t>
             </a:r>
             <a:endParaRPr/>
           </a:p>
@@ -2534,7 +2422,7 @@
   <p:cSld>
     <p:spTree>
       <p:nvGrpSpPr>
-        <p:cNvPr id="1" name="Shape 276"/>
+        <p:cNvPr id="1" name="Shape 284"/>
         <p:cNvGrpSpPr/>
         <p:nvPr/>
       </p:nvGrpSpPr>
@@ -2548,7 +2436,7 @@
       </p:grpSpPr>
       <p:sp>
         <p:nvSpPr>
-          <p:cNvPr id="277" name="Google Shape;277;g2294d7368a_0_81:notes"/>
+          <p:cNvPr id="285" name="Google Shape;285;g22aa3e32b9_0_9:notes"/>
           <p:cNvSpPr>
             <a:spLocks noGrp="1" noRot="1" noChangeAspect="1"/>
           </p:cNvSpPr>
@@ -2589,7 +2477,7 @@
       </p:sp>
       <p:sp>
         <p:nvSpPr>
-          <p:cNvPr id="278" name="Google Shape;278;g2294d7368a_0_81:notes"/>
+          <p:cNvPr id="286" name="Google Shape;286;g22aa3e32b9_0_9:notes"/>
           <p:cNvSpPr txBox="1">
             <a:spLocks noGrp="1"/>
           </p:cNvSpPr>
@@ -2623,7 +2511,7 @@
             </a:pPr>
             <a:r>
               <a:rPr lang="es"/>
-              <a:t>“En todas estas gráficas (las anteriores), parece claro por qué es malo omitir el valor 0: porque se acentúa la diferencia (absoluta) en cierta variable (en y) entre varios grupos (una variable categórica - x en una gráfica de barras) ; sin embargo, cuando lo que estamos interesados en observar son cambios en la variable (y) a lo largo de diferentes VALORES de nuestra variable independiente.  Es decir… cuando NO hacemos gráficas de barras, histogramas o pictogramas!</a:t>
+              <a:t>La idea es que es malo saltarse le 0 cuando se enfatizan diferencias en cantidades absolutas (barras e histogramas, etc); pero no es necesariamente malo cuando el punto del grafico es mostrar el cambio gradual en Y como función de x (lineales, scatter, etc)</a:t>
             </a:r>
             <a:endParaRPr/>
           </a:p>
@@ -2642,7 +2530,7 @@
   <p:cSld>
     <p:spTree>
       <p:nvGrpSpPr>
-        <p:cNvPr id="1" name="Shape 284"/>
+        <p:cNvPr id="1" name="Shape 291"/>
         <p:cNvGrpSpPr/>
         <p:nvPr/>
       </p:nvGrpSpPr>
@@ -2656,7 +2544,7 @@
       </p:grpSpPr>
       <p:sp>
         <p:nvSpPr>
-          <p:cNvPr id="285" name="Google Shape;285;g22aa3e32b9_0_9:notes"/>
+          <p:cNvPr id="292" name="Google Shape;292;g2294d7368a_0_356:notes"/>
           <p:cNvSpPr>
             <a:spLocks noGrp="1" noRot="1" noChangeAspect="1"/>
           </p:cNvSpPr>
@@ -2697,7 +2585,7 @@
       </p:sp>
       <p:sp>
         <p:nvSpPr>
-          <p:cNvPr id="286" name="Google Shape;286;g22aa3e32b9_0_9:notes"/>
+          <p:cNvPr id="293" name="Google Shape;293;g2294d7368a_0_356:notes"/>
           <p:cNvSpPr txBox="1">
             <a:spLocks noGrp="1"/>
           </p:cNvSpPr>
@@ -2731,7 +2619,7 @@
             </a:pPr>
             <a:r>
               <a:rPr lang="es"/>
-              <a:t>La idea es que es malo saltarse le 0 cuando se enfatizan diferencias en cantidades absolutas (barras e histogramas, etc); pero no es necesariamente malo cuando el punto del grafico es mostrar el cambio gradual en Y como función de x (lineales, scatter, etc)</a:t>
+              <a:t>¡De hecho! En ocasiones, cuando los valores en Y que estamos observando, y cuyo cambio interesa detectar, incluir el valor 0 puede ser un gran problema porque amplía ‘más de lo necesario’ la escala que estamos usando para evaluar los datos… Esto nos lleva a nuestro segundo gran problema.</a:t>
             </a:r>
             <a:endParaRPr/>
           </a:p>
@@ -2750,7 +2638,7 @@
   <p:cSld>
     <p:spTree>
       <p:nvGrpSpPr>
-        <p:cNvPr id="1" name="Shape 291"/>
+        <p:cNvPr id="1" name="Shape 296"/>
         <p:cNvGrpSpPr/>
         <p:nvPr/>
       </p:nvGrpSpPr>
@@ -2764,7 +2652,7 @@
       </p:grpSpPr>
       <p:sp>
         <p:nvSpPr>
-          <p:cNvPr id="292" name="Google Shape;292;g2294d7368a_0_356:notes"/>
+          <p:cNvPr id="297" name="Google Shape;297;g2294d7368a_0_87:notes"/>
           <p:cNvSpPr>
             <a:spLocks noGrp="1" noRot="1" noChangeAspect="1"/>
           </p:cNvSpPr>
@@ -2805,7 +2693,7 @@
       </p:sp>
       <p:sp>
         <p:nvSpPr>
-          <p:cNvPr id="293" name="Google Shape;293;g2294d7368a_0_356:notes"/>
+          <p:cNvPr id="298" name="Google Shape;298;g2294d7368a_0_87:notes"/>
           <p:cNvSpPr txBox="1">
             <a:spLocks noGrp="1"/>
           </p:cNvSpPr>
@@ -2837,10 +2725,6 @@
               </a:spcAft>
               <a:buNone/>
             </a:pPr>
-            <a:r>
-              <a:rPr lang="es"/>
-              <a:t>¡De hecho! En ocasiones, cuando los valores en Y que estamos observando, y cuyo cambio interesa detectar, incluir el valor 0 puede ser un gran problema porque amplía ‘más de lo necesario’ la escala que estamos usando para evaluar los datos… Esto nos lleva a nuestro segundo gran problema.</a:t>
-            </a:r>
             <a:endParaRPr/>
           </a:p>
         </p:txBody>
@@ -2858,7 +2742,7 @@
   <p:cSld>
     <p:spTree>
       <p:nvGrpSpPr>
-        <p:cNvPr id="1" name="Shape 296"/>
+        <p:cNvPr id="1" name="Shape 301"/>
         <p:cNvGrpSpPr/>
         <p:nvPr/>
       </p:nvGrpSpPr>
@@ -2872,7 +2756,7 @@
       </p:grpSpPr>
       <p:sp>
         <p:nvSpPr>
-          <p:cNvPr id="297" name="Google Shape;297;g2294d7368a_0_87:notes"/>
+          <p:cNvPr id="302" name="Google Shape;302;g2294d7368a_0_93:notes"/>
           <p:cNvSpPr>
             <a:spLocks noGrp="1" noRot="1" noChangeAspect="1"/>
           </p:cNvSpPr>
@@ -2913,7 +2797,7 @@
       </p:sp>
       <p:sp>
         <p:nvSpPr>
-          <p:cNvPr id="298" name="Google Shape;298;g2294d7368a_0_87:notes"/>
+          <p:cNvPr id="303" name="Google Shape;303;g2294d7368a_0_93:notes"/>
           <p:cNvSpPr txBox="1">
             <a:spLocks noGrp="1"/>
           </p:cNvSpPr>
@@ -2945,6 +2829,10 @@
               </a:spcAft>
               <a:buNone/>
             </a:pPr>
+            <a:r>
+              <a:rPr lang="es"/>
+              <a:t>Los mismos datos, extraídos de la base de datos de la NASA, ploteados con distintas escalas ilustran la importancia de hacer gráficos no-tendenciosos</a:t>
+            </a:r>
             <a:endParaRPr/>
           </a:p>
         </p:txBody>
@@ -2962,7 +2850,7 @@
   <p:cSld>
     <p:spTree>
       <p:nvGrpSpPr>
-        <p:cNvPr id="1" name="Shape 301"/>
+        <p:cNvPr id="1" name="Shape 308"/>
         <p:cNvGrpSpPr/>
         <p:nvPr/>
       </p:nvGrpSpPr>
@@ -2976,7 +2864,7 @@
       </p:grpSpPr>
       <p:sp>
         <p:nvSpPr>
-          <p:cNvPr id="302" name="Google Shape;302;g2294d7368a_0_93:notes"/>
+          <p:cNvPr id="309" name="Google Shape;309;g2294d7368a_0_361:notes"/>
           <p:cNvSpPr>
             <a:spLocks noGrp="1" noRot="1" noChangeAspect="1"/>
           </p:cNvSpPr>
@@ -2986,7 +2874,7 @@
         </p:nvSpPr>
         <p:spPr>
           <a:xfrm>
-            <a:off x="381300" y="685800"/>
+            <a:off x="381000" y="685800"/>
             <a:ext cx="6096000" cy="3429000"/>
           </a:xfrm>
           <a:custGeom>
@@ -3017,7 +2905,7 @@
       </p:sp>
       <p:sp>
         <p:nvSpPr>
-          <p:cNvPr id="303" name="Google Shape;303;g2294d7368a_0_93:notes"/>
+          <p:cNvPr id="310" name="Google Shape;310;g2294d7368a_0_361:notes"/>
           <p:cNvSpPr txBox="1">
             <a:spLocks noGrp="1"/>
           </p:cNvSpPr>
@@ -3049,10 +2937,6 @@
               </a:spcAft>
               <a:buNone/>
             </a:pPr>
-            <a:r>
-              <a:rPr lang="es"/>
-              <a:t>Los mismos datos, extraídos de la base de datos de la NASA, ploteados con distintas escalas ilustran la importancia de hacer gráficos no-tendenciosos</a:t>
-            </a:r>
             <a:endParaRPr/>
           </a:p>
         </p:txBody>
@@ -3070,7 +2954,7 @@
   <p:cSld>
     <p:spTree>
       <p:nvGrpSpPr>
-        <p:cNvPr id="1" name="Shape 308"/>
+        <p:cNvPr id="1" name="Shape 313"/>
         <p:cNvGrpSpPr/>
         <p:nvPr/>
       </p:nvGrpSpPr>
@@ -3084,7 +2968,7 @@
       </p:grpSpPr>
       <p:sp>
         <p:nvSpPr>
-          <p:cNvPr id="309" name="Google Shape;309;g2294d7368a_0_361:notes"/>
+          <p:cNvPr id="314" name="Google Shape;314;g2294d7368a_0_329:notes"/>
           <p:cNvSpPr>
             <a:spLocks noGrp="1" noRot="1" noChangeAspect="1"/>
           </p:cNvSpPr>
@@ -3125,7 +3009,7 @@
       </p:sp>
       <p:sp>
         <p:nvSpPr>
-          <p:cNvPr id="310" name="Google Shape;310;g2294d7368a_0_361:notes"/>
+          <p:cNvPr id="315" name="Google Shape;315;g2294d7368a_0_329:notes"/>
           <p:cNvSpPr txBox="1">
             <a:spLocks noGrp="1"/>
           </p:cNvSpPr>
@@ -3147,6 +3031,27 @@
             <a:noAutofit/>
           </a:bodyPr>
           <a:lstStyle/>
+          <a:p>
+            <a:pPr marL="0" lvl="0" indent="0" algn="l" rtl="0">
+              <a:spcBef>
+                <a:spcPts val="0"/>
+              </a:spcBef>
+              <a:spcAft>
+                <a:spcPts val="0"/>
+              </a:spcAft>
+              <a:buNone/>
+            </a:pPr>
+            <a:r>
+              <a:rPr lang="es" u="sng">
+                <a:solidFill>
+                  <a:schemeClr val="hlink"/>
+                </a:solidFill>
+                <a:hlinkClick r:id="rId3"/>
+              </a:rPr>
+              <a:t>https://www.forbes.com/sites/naomirobbins/2012/02/16/misleading-graphs-figures-not-drawn-to-scale/#39053d1b15ef</a:t>
+            </a:r>
+            <a:endParaRPr/>
+          </a:p>
           <a:p>
             <a:pPr marL="0" lvl="0" indent="0" algn="l" rtl="0">
               <a:spcBef>
@@ -3174,7 +3079,7 @@
   <p:cSld>
     <p:spTree>
       <p:nvGrpSpPr>
-        <p:cNvPr id="1" name="Shape 313"/>
+        <p:cNvPr id="1" name="Shape 321"/>
         <p:cNvGrpSpPr/>
         <p:nvPr/>
       </p:nvGrpSpPr>
@@ -3188,7 +3093,7 @@
       </p:grpSpPr>
       <p:sp>
         <p:nvSpPr>
-          <p:cNvPr id="314" name="Google Shape;314;g2294d7368a_0_329:notes"/>
+          <p:cNvPr id="322" name="Google Shape;322;g22a99b2c88_0_27:notes"/>
           <p:cNvSpPr>
             <a:spLocks noGrp="1" noRot="1" noChangeAspect="1"/>
           </p:cNvSpPr>
@@ -3229,7 +3134,7 @@
       </p:sp>
       <p:sp>
         <p:nvSpPr>
-          <p:cNvPr id="315" name="Google Shape;315;g2294d7368a_0_329:notes"/>
+          <p:cNvPr id="323" name="Google Shape;323;g22a99b2c88_0_27:notes"/>
           <p:cNvSpPr txBox="1">
             <a:spLocks noGrp="1"/>
           </p:cNvSpPr>
@@ -3268,7 +3173,7 @@
                 </a:solidFill>
                 <a:hlinkClick r:id="rId3"/>
               </a:rPr>
-              <a:t>https://www.forbes.com/sites/naomirobbins/2012/02/16/misleading-graphs-figures-not-drawn-to-scale/#39053d1b15ef</a:t>
+              <a:t>https://www.forbes.com/sites/naomirobbins/2013/01/03/deceptive-donut-chart/#48f8879c598e</a:t>
             </a:r>
             <a:endParaRPr/>
           </a:p>
@@ -3299,7 +3204,7 @@
   <p:cSld>
     <p:spTree>
       <p:nvGrpSpPr>
-        <p:cNvPr id="1" name="Shape 321"/>
+        <p:cNvPr id="1" name="Shape 338"/>
         <p:cNvGrpSpPr/>
         <p:nvPr/>
       </p:nvGrpSpPr>
@@ -3313,7 +3218,7 @@
       </p:grpSpPr>
       <p:sp>
         <p:nvSpPr>
-          <p:cNvPr id="322" name="Google Shape;322;g22a99b2c88_0_27:notes"/>
+          <p:cNvPr id="339" name="Google Shape;339;g2294d7368a_0_132:notes"/>
           <p:cNvSpPr>
             <a:spLocks noGrp="1" noRot="1" noChangeAspect="1"/>
           </p:cNvSpPr>
@@ -3354,7 +3259,7 @@
       </p:sp>
       <p:sp>
         <p:nvSpPr>
-          <p:cNvPr id="323" name="Google Shape;323;g22a99b2c88_0_27:notes"/>
+          <p:cNvPr id="340" name="Google Shape;340;g2294d7368a_0_132:notes"/>
           <p:cNvSpPr txBox="1">
             <a:spLocks noGrp="1"/>
           </p:cNvSpPr>
@@ -3376,27 +3281,6 @@
             <a:noAutofit/>
           </a:bodyPr>
           <a:lstStyle/>
-          <a:p>
-            <a:pPr marL="0" lvl="0" indent="0" algn="l" rtl="0">
-              <a:spcBef>
-                <a:spcPts val="0"/>
-              </a:spcBef>
-              <a:spcAft>
-                <a:spcPts val="0"/>
-              </a:spcAft>
-              <a:buNone/>
-            </a:pPr>
-            <a:r>
-              <a:rPr lang="es" u="sng">
-                <a:solidFill>
-                  <a:schemeClr val="hlink"/>
-                </a:solidFill>
-                <a:hlinkClick r:id="rId3"/>
-              </a:rPr>
-              <a:t>https://www.forbes.com/sites/naomirobbins/2013/01/03/deceptive-donut-chart/#48f8879c598e</a:t>
-            </a:r>
-            <a:endParaRPr/>
-          </a:p>
           <a:p>
             <a:pPr marL="0" lvl="0" indent="0" algn="l" rtl="0">
               <a:spcBef>
@@ -3556,7 +3440,7 @@
   <p:cSld>
     <p:spTree>
       <p:nvGrpSpPr>
-        <p:cNvPr id="1" name="Shape 338"/>
+        <p:cNvPr id="1" name="Shape 343"/>
         <p:cNvGrpSpPr/>
         <p:nvPr/>
       </p:nvGrpSpPr>
@@ -3570,7 +3454,7 @@
       </p:grpSpPr>
       <p:sp>
         <p:nvSpPr>
-          <p:cNvPr id="339" name="Google Shape;339;g2294d7368a_0_132:notes"/>
+          <p:cNvPr id="344" name="Google Shape;344;g22aa3e32b9_0_15:notes"/>
           <p:cNvSpPr>
             <a:spLocks noGrp="1" noRot="1" noChangeAspect="1"/>
           </p:cNvSpPr>
@@ -3580,7 +3464,7 @@
         </p:nvSpPr>
         <p:spPr>
           <a:xfrm>
-            <a:off x="381300" y="685800"/>
+            <a:off x="381000" y="685800"/>
             <a:ext cx="6096000" cy="3429000"/>
           </a:xfrm>
           <a:custGeom>
@@ -3611,7 +3495,7 @@
       </p:sp>
       <p:sp>
         <p:nvSpPr>
-          <p:cNvPr id="340" name="Google Shape;340;g2294d7368a_0_132:notes"/>
+          <p:cNvPr id="345" name="Google Shape;345;g22aa3e32b9_0_15:notes"/>
           <p:cNvSpPr txBox="1">
             <a:spLocks noGrp="1"/>
           </p:cNvSpPr>
@@ -3660,7 +3544,7 @@
   <p:cSld>
     <p:spTree>
       <p:nvGrpSpPr>
-        <p:cNvPr id="1" name="Shape 343"/>
+        <p:cNvPr id="1" name="Shape 408"/>
         <p:cNvGrpSpPr/>
         <p:nvPr/>
       </p:nvGrpSpPr>
@@ -3674,7 +3558,7 @@
       </p:grpSpPr>
       <p:sp>
         <p:nvSpPr>
-          <p:cNvPr id="344" name="Google Shape;344;g22aa3e32b9_0_15:notes"/>
+          <p:cNvPr id="409" name="Google Shape;409;g2294d7368a_0_302:notes"/>
           <p:cNvSpPr>
             <a:spLocks noGrp="1" noRot="1" noChangeAspect="1"/>
           </p:cNvSpPr>
@@ -3715,7 +3599,7 @@
       </p:sp>
       <p:sp>
         <p:nvSpPr>
-          <p:cNvPr id="345" name="Google Shape;345;g22aa3e32b9_0_15:notes"/>
+          <p:cNvPr id="410" name="Google Shape;410;g2294d7368a_0_302:notes"/>
           <p:cNvSpPr txBox="1">
             <a:spLocks noGrp="1"/>
           </p:cNvSpPr>
@@ -3764,7 +3648,7 @@
   <p:cSld>
     <p:spTree>
       <p:nvGrpSpPr>
-        <p:cNvPr id="1" name="Shape 408"/>
+        <p:cNvPr id="1" name="Shape 413"/>
         <p:cNvGrpSpPr/>
         <p:nvPr/>
       </p:nvGrpSpPr>
@@ -3778,7 +3662,7 @@
       </p:grpSpPr>
       <p:sp>
         <p:nvSpPr>
-          <p:cNvPr id="409" name="Google Shape;409;g2294d7368a_0_302:notes"/>
+          <p:cNvPr id="414" name="Google Shape;414;g229b69b7bb_0_95:notes"/>
           <p:cNvSpPr>
             <a:spLocks noGrp="1" noRot="1" noChangeAspect="1"/>
           </p:cNvSpPr>
@@ -3788,7 +3672,7 @@
         </p:nvSpPr>
         <p:spPr>
           <a:xfrm>
-            <a:off x="381000" y="685800"/>
+            <a:off x="381300" y="685800"/>
             <a:ext cx="6096000" cy="3429000"/>
           </a:xfrm>
           <a:custGeom>
@@ -3819,7 +3703,7 @@
       </p:sp>
       <p:sp>
         <p:nvSpPr>
-          <p:cNvPr id="410" name="Google Shape;410;g2294d7368a_0_302:notes"/>
+          <p:cNvPr id="415" name="Google Shape;415;g229b69b7bb_0_95:notes"/>
           <p:cNvSpPr txBox="1">
             <a:spLocks noGrp="1"/>
           </p:cNvSpPr>
@@ -3841,6 +3725,71 @@
             <a:noAutofit/>
           </a:bodyPr>
           <a:lstStyle/>
+          <a:p>
+            <a:pPr marL="0" lvl="0" indent="0" algn="l" rtl="0">
+              <a:spcBef>
+                <a:spcPts val="0"/>
+              </a:spcBef>
+              <a:spcAft>
+                <a:spcPts val="0"/>
+              </a:spcAft>
+              <a:buNone/>
+            </a:pPr>
+            <a:r>
+              <a:rPr lang="es"/>
+              <a:t>Cómo funciona el ejemplo:</a:t>
+            </a:r>
+            <a:endParaRPr/>
+          </a:p>
+          <a:p>
+            <a:pPr marL="0" lvl="0" indent="0" algn="l" rtl="0">
+              <a:spcBef>
+                <a:spcPts val="0"/>
+              </a:spcBef>
+              <a:spcAft>
+                <a:spcPts val="0"/>
+              </a:spcAft>
+              <a:buNone/>
+            </a:pPr>
+            <a:r>
+              <a:rPr lang="es"/>
+              <a:t>En este histograma masivo se muestra a lo largo de los años (X) la proporción de hombres y mujeres (Eje Y pa’ rriba y pa’ bajo, respectivamente) con ‘n’ nombre (cada una de las areas sombreadas, distinguidas en colores diferentes)  ¡Esta gráfica tiene demasiada información!</a:t>
+            </a:r>
+            <a:endParaRPr/>
+          </a:p>
+          <a:p>
+            <a:pPr marL="0" lvl="0" indent="0" algn="l" rtl="0">
+              <a:spcBef>
+                <a:spcPts val="0"/>
+              </a:spcBef>
+              <a:spcAft>
+                <a:spcPts val="0"/>
+              </a:spcAft>
+              <a:buNone/>
+            </a:pPr>
+            <a:endParaRPr/>
+          </a:p>
+          <a:p>
+            <a:pPr marL="0" lvl="0" indent="0" algn="l" rtl="0">
+              <a:spcBef>
+                <a:spcPts val="0"/>
+              </a:spcBef>
+              <a:spcAft>
+                <a:spcPts val="0"/>
+              </a:spcAft>
+              <a:buNone/>
+            </a:pPr>
+            <a:r>
+              <a:rPr lang="es" u="sng">
+                <a:solidFill>
+                  <a:schemeClr val="hlink"/>
+                </a:solidFill>
+                <a:hlinkClick r:id="rId3"/>
+              </a:rPr>
+              <a:t>https://flowingdata.com/2013/09/25/the-most-unisex-names-in-us-history/</a:t>
+            </a:r>
+            <a:endParaRPr/>
+          </a:p>
           <a:p>
             <a:pPr marL="0" lvl="0" indent="0" algn="l" rtl="0">
               <a:spcBef>
@@ -3868,7 +3817,7 @@
   <p:cSld>
     <p:spTree>
       <p:nvGrpSpPr>
-        <p:cNvPr id="1" name="Shape 413"/>
+        <p:cNvPr id="1" name="Shape 418"/>
         <p:cNvGrpSpPr/>
         <p:nvPr/>
       </p:nvGrpSpPr>
@@ -3882,7 +3831,7 @@
       </p:grpSpPr>
       <p:sp>
         <p:nvSpPr>
-          <p:cNvPr id="414" name="Google Shape;414;g229b69b7bb_0_95:notes"/>
+          <p:cNvPr id="419" name="Google Shape;419;g229b69b7bb_0_89:notes"/>
           <p:cNvSpPr>
             <a:spLocks noGrp="1" noRot="1" noChangeAspect="1"/>
           </p:cNvSpPr>
@@ -3923,7 +3872,7 @@
       </p:sp>
       <p:sp>
         <p:nvSpPr>
-          <p:cNvPr id="415" name="Google Shape;415;g229b69b7bb_0_95:notes"/>
+          <p:cNvPr id="420" name="Google Shape;420;g229b69b7bb_0_89:notes"/>
           <p:cNvSpPr txBox="1">
             <a:spLocks noGrp="1"/>
           </p:cNvSpPr>
@@ -3957,23 +3906,7 @@
             </a:pPr>
             <a:r>
               <a:rPr lang="es"/>
-              <a:t>Cómo funciona el ejemplo:</a:t>
-            </a:r>
-            <a:endParaRPr/>
-          </a:p>
-          <a:p>
-            <a:pPr marL="0" lvl="0" indent="0" algn="l" rtl="0">
-              <a:spcBef>
-                <a:spcPts val="0"/>
-              </a:spcBef>
-              <a:spcAft>
-                <a:spcPts val="0"/>
-              </a:spcAft>
-              <a:buNone/>
-            </a:pPr>
-            <a:r>
-              <a:rPr lang="es"/>
-              <a:t>En este histograma masivo se muestra a lo largo de los años (X) la proporción de hombres y mujeres (Eje Y pa’ rriba y pa’ bajo, respectivamente) con ‘n’ nombre (cada una de las areas sombreadas, distinguidas en colores diferentes)  ¡Esta gráfica tiene demasiada información!</a:t>
+              <a:t>Para recuperar la mayor información, lo ideal sería tener un histograma por cada ‘n’.</a:t>
             </a:r>
             <a:endParaRPr/>
           </a:p>
@@ -4033,159 +3966,6 @@
 </file>
 
 <file path=ppt/notesSlides/notesSlide34.xml><?xml version="1.0" encoding="utf-8"?>
-<p:notes xmlns:a="http://schemas.openxmlformats.org/drawingml/2006/main" xmlns:r="http://schemas.openxmlformats.org/officeDocument/2006/relationships" xmlns:p="http://schemas.openxmlformats.org/presentationml/2006/main" showMasterSp="0" showMasterPhAnim="0">
-  <p:cSld>
-    <p:spTree>
-      <p:nvGrpSpPr>
-        <p:cNvPr id="1" name="Shape 418"/>
-        <p:cNvGrpSpPr/>
-        <p:nvPr/>
-      </p:nvGrpSpPr>
-      <p:grpSpPr>
-        <a:xfrm>
-          <a:off x="0" y="0"/>
-          <a:ext cx="0" cy="0"/>
-          <a:chOff x="0" y="0"/>
-          <a:chExt cx="0" cy="0"/>
-        </a:xfrm>
-      </p:grpSpPr>
-      <p:sp>
-        <p:nvSpPr>
-          <p:cNvPr id="419" name="Google Shape;419;g229b69b7bb_0_89:notes"/>
-          <p:cNvSpPr>
-            <a:spLocks noGrp="1" noRot="1" noChangeAspect="1"/>
-          </p:cNvSpPr>
-          <p:nvPr>
-            <p:ph type="sldImg" idx="2"/>
-          </p:nvPr>
-        </p:nvSpPr>
-        <p:spPr>
-          <a:xfrm>
-            <a:off x="381300" y="685800"/>
-            <a:ext cx="6096000" cy="3429000"/>
-          </a:xfrm>
-          <a:custGeom>
-            <a:avLst/>
-            <a:gdLst/>
-            <a:ahLst/>
-            <a:cxnLst/>
-            <a:rect l="l" t="t" r="r" b="b"/>
-            <a:pathLst>
-              <a:path w="120000" h="120000" extrusionOk="0">
-                <a:moveTo>
-                  <a:pt x="0" y="0"/>
-                </a:moveTo>
-                <a:lnTo>
-                  <a:pt x="120000" y="0"/>
-                </a:lnTo>
-                <a:lnTo>
-                  <a:pt x="120000" y="120000"/>
-                </a:lnTo>
-                <a:lnTo>
-                  <a:pt x="0" y="120000"/>
-                </a:lnTo>
-                <a:close/>
-              </a:path>
-            </a:pathLst>
-          </a:custGeom>
-        </p:spPr>
-      </p:sp>
-      <p:sp>
-        <p:nvSpPr>
-          <p:cNvPr id="420" name="Google Shape;420;g229b69b7bb_0_89:notes"/>
-          <p:cNvSpPr txBox="1">
-            <a:spLocks noGrp="1"/>
-          </p:cNvSpPr>
-          <p:nvPr>
-            <p:ph type="body" idx="1"/>
-          </p:nvPr>
-        </p:nvSpPr>
-        <p:spPr>
-          <a:xfrm>
-            <a:off x="685800" y="4343400"/>
-            <a:ext cx="5486400" cy="4114800"/>
-          </a:xfrm>
-          <a:prstGeom prst="rect">
-            <a:avLst/>
-          </a:prstGeom>
-        </p:spPr>
-        <p:txBody>
-          <a:bodyPr spcFirstLastPara="1" wrap="square" lIns="91425" tIns="91425" rIns="91425" bIns="91425" anchor="t" anchorCtr="0">
-            <a:noAutofit/>
-          </a:bodyPr>
-          <a:lstStyle/>
-          <a:p>
-            <a:pPr marL="0" lvl="0" indent="0" algn="l" rtl="0">
-              <a:spcBef>
-                <a:spcPts val="0"/>
-              </a:spcBef>
-              <a:spcAft>
-                <a:spcPts val="0"/>
-              </a:spcAft>
-              <a:buNone/>
-            </a:pPr>
-            <a:r>
-              <a:rPr lang="es"/>
-              <a:t>Para recuperar la mayor información, lo ideal sería tener un histograma por cada ‘n’.</a:t>
-            </a:r>
-            <a:endParaRPr/>
-          </a:p>
-          <a:p>
-            <a:pPr marL="0" lvl="0" indent="0" algn="l" rtl="0">
-              <a:spcBef>
-                <a:spcPts val="0"/>
-              </a:spcBef>
-              <a:spcAft>
-                <a:spcPts val="0"/>
-              </a:spcAft>
-              <a:buNone/>
-            </a:pPr>
-            <a:endParaRPr/>
-          </a:p>
-          <a:p>
-            <a:pPr marL="0" lvl="0" indent="0" algn="l" rtl="0">
-              <a:spcBef>
-                <a:spcPts val="0"/>
-              </a:spcBef>
-              <a:spcAft>
-                <a:spcPts val="0"/>
-              </a:spcAft>
-              <a:buNone/>
-            </a:pPr>
-            <a:r>
-              <a:rPr lang="es" u="sng">
-                <a:solidFill>
-                  <a:schemeClr val="hlink"/>
-                </a:solidFill>
-                <a:hlinkClick r:id="rId3"/>
-              </a:rPr>
-              <a:t>https://flowingdata.com/2013/09/25/the-most-unisex-names-in-us-history/</a:t>
-            </a:r>
-            <a:endParaRPr/>
-          </a:p>
-          <a:p>
-            <a:pPr marL="0" lvl="0" indent="0" algn="l" rtl="0">
-              <a:spcBef>
-                <a:spcPts val="0"/>
-              </a:spcBef>
-              <a:spcAft>
-                <a:spcPts val="0"/>
-              </a:spcAft>
-              <a:buNone/>
-            </a:pPr>
-            <a:endParaRPr/>
-          </a:p>
-        </p:txBody>
-      </p:sp>
-    </p:spTree>
-  </p:cSld>
-  <p:clrMapOvr>
-    <a:masterClrMapping/>
-  </p:clrMapOvr>
-</p:notes>
-</file>
-
-<file path=ppt/notesSlides/notesSlide35.xml><?xml version="1.0" encoding="utf-8"?>
 <p:notes xmlns:a="http://schemas.openxmlformats.org/drawingml/2006/main" xmlns:r="http://schemas.openxmlformats.org/officeDocument/2006/relationships" xmlns:p="http://schemas.openxmlformats.org/presentationml/2006/main" showMasterSp="0" showMasterPhAnim="0">
   <p:cSld>
     <p:spTree>
@@ -5211,7 +4991,7 @@
           <a:p>
             <a:fld id="{E6CC3237-8847-4343-A080-4AA6270D17F1}" type="datetimeFigureOut">
               <a:rPr lang="es-MX" smtClean="0"/>
-              <a:t>24/03/2020</a:t>
+              <a:t>25/03/2020</a:t>
             </a:fld>
             <a:endParaRPr lang="es-MX"/>
           </a:p>
@@ -5381,7 +5161,7 @@
           <a:p>
             <a:fld id="{E6CC3237-8847-4343-A080-4AA6270D17F1}" type="datetimeFigureOut">
               <a:rPr lang="es-MX" smtClean="0"/>
-              <a:t>24/03/2020</a:t>
+              <a:t>25/03/2020</a:t>
             </a:fld>
             <a:endParaRPr lang="es-MX"/>
           </a:p>
@@ -5561,7 +5341,7 @@
           <a:p>
             <a:fld id="{E6CC3237-8847-4343-A080-4AA6270D17F1}" type="datetimeFigureOut">
               <a:rPr lang="es-MX" smtClean="0"/>
-              <a:t>24/03/2020</a:t>
+              <a:t>25/03/2020</a:t>
             </a:fld>
             <a:endParaRPr lang="es-MX"/>
           </a:p>
@@ -8041,7 +7821,7 @@
           <a:p>
             <a:fld id="{E6CC3237-8847-4343-A080-4AA6270D17F1}" type="datetimeFigureOut">
               <a:rPr lang="es-MX" smtClean="0"/>
-              <a:t>24/03/2020</a:t>
+              <a:t>25/03/2020</a:t>
             </a:fld>
             <a:endParaRPr lang="es-MX"/>
           </a:p>
@@ -8287,7 +8067,7 @@
           <a:p>
             <a:fld id="{E6CC3237-8847-4343-A080-4AA6270D17F1}" type="datetimeFigureOut">
               <a:rPr lang="es-MX" smtClean="0"/>
-              <a:t>24/03/2020</a:t>
+              <a:t>25/03/2020</a:t>
             </a:fld>
             <a:endParaRPr lang="es-MX"/>
           </a:p>
@@ -8519,7 +8299,7 @@
           <a:p>
             <a:fld id="{E6CC3237-8847-4343-A080-4AA6270D17F1}" type="datetimeFigureOut">
               <a:rPr lang="es-MX" smtClean="0"/>
-              <a:t>24/03/2020</a:t>
+              <a:t>25/03/2020</a:t>
             </a:fld>
             <a:endParaRPr lang="es-MX"/>
           </a:p>
@@ -8886,7 +8666,7 @@
           <a:p>
             <a:fld id="{E6CC3237-8847-4343-A080-4AA6270D17F1}" type="datetimeFigureOut">
               <a:rPr lang="es-MX" smtClean="0"/>
-              <a:t>24/03/2020</a:t>
+              <a:t>25/03/2020</a:t>
             </a:fld>
             <a:endParaRPr lang="es-MX"/>
           </a:p>
@@ -9004,7 +8784,7 @@
           <a:p>
             <a:fld id="{E6CC3237-8847-4343-A080-4AA6270D17F1}" type="datetimeFigureOut">
               <a:rPr lang="es-MX" smtClean="0"/>
-              <a:t>24/03/2020</a:t>
+              <a:t>25/03/2020</a:t>
             </a:fld>
             <a:endParaRPr lang="es-MX"/>
           </a:p>
@@ -9099,7 +8879,7 @@
           <a:p>
             <a:fld id="{E6CC3237-8847-4343-A080-4AA6270D17F1}" type="datetimeFigureOut">
               <a:rPr lang="es-MX" smtClean="0"/>
-              <a:t>24/03/2020</a:t>
+              <a:t>25/03/2020</a:t>
             </a:fld>
             <a:endParaRPr lang="es-MX"/>
           </a:p>
@@ -9376,7 +9156,7 @@
           <a:p>
             <a:fld id="{E6CC3237-8847-4343-A080-4AA6270D17F1}" type="datetimeFigureOut">
               <a:rPr lang="es-MX" smtClean="0"/>
-              <a:t>24/03/2020</a:t>
+              <a:t>25/03/2020</a:t>
             </a:fld>
             <a:endParaRPr lang="es-MX"/>
           </a:p>
@@ -9629,7 +9409,7 @@
           <a:p>
             <a:fld id="{E6CC3237-8847-4343-A080-4AA6270D17F1}" type="datetimeFigureOut">
               <a:rPr lang="es-MX" smtClean="0"/>
-              <a:t>24/03/2020</a:t>
+              <a:t>25/03/2020</a:t>
             </a:fld>
             <a:endParaRPr lang="es-MX"/>
           </a:p>
@@ -9842,7 +9622,7 @@
           <a:p>
             <a:fld id="{E6CC3237-8847-4343-A080-4AA6270D17F1}" type="datetimeFigureOut">
               <a:rPr lang="es-MX" smtClean="0"/>
-              <a:t>24/03/2020</a:t>
+              <a:t>25/03/2020</a:t>
             </a:fld>
             <a:endParaRPr lang="es-MX"/>
           </a:p>
@@ -10376,6 +10156,1149 @@
   <p:cSld>
     <p:spTree>
       <p:nvGrpSpPr>
+        <p:cNvPr id="1" name="Shape 89"/>
+        <p:cNvGrpSpPr/>
+        <p:nvPr/>
+      </p:nvGrpSpPr>
+      <p:grpSpPr>
+        <a:xfrm>
+          <a:off x="0" y="0"/>
+          <a:ext cx="0" cy="0"/>
+          <a:chOff x="0" y="0"/>
+          <a:chExt cx="0" cy="0"/>
+        </a:xfrm>
+      </p:grpSpPr>
+      <p:sp>
+        <p:nvSpPr>
+          <p:cNvPr id="90" name="Google Shape;90;p17"/>
+          <p:cNvSpPr txBox="1">
+            <a:spLocks noGrp="1"/>
+          </p:cNvSpPr>
+          <p:nvPr>
+            <p:ph type="title"/>
+          </p:nvPr>
+        </p:nvSpPr>
+        <p:spPr>
+          <a:xfrm>
+            <a:off x="415600" y="496667"/>
+            <a:ext cx="11360800" cy="978000"/>
+          </a:xfrm>
+          <a:prstGeom prst="rect">
+            <a:avLst/>
+          </a:prstGeom>
+        </p:spPr>
+        <p:txBody>
+          <a:bodyPr spcFirstLastPara="1" wrap="square" lIns="121897" tIns="121897" rIns="121897" bIns="121897" anchor="b" anchorCtr="0">
+            <a:noAutofit/>
+          </a:bodyPr>
+          <a:lstStyle/>
+          <a:p>
+            <a:r>
+              <a:rPr lang="es"/>
+              <a:t>Tipos de Gráficas</a:t>
+            </a:r>
+            <a:endParaRPr/>
+          </a:p>
+        </p:txBody>
+      </p:sp>
+      <p:sp>
+        <p:nvSpPr>
+          <p:cNvPr id="91" name="Google Shape;91;p17"/>
+          <p:cNvSpPr txBox="1">
+            <a:spLocks noGrp="1"/>
+          </p:cNvSpPr>
+          <p:nvPr>
+            <p:ph type="body" idx="1"/>
+          </p:nvPr>
+        </p:nvSpPr>
+        <p:spPr>
+          <a:xfrm>
+            <a:off x="415600" y="1728167"/>
+            <a:ext cx="11360800" cy="4133200"/>
+          </a:xfrm>
+          <a:prstGeom prst="rect">
+            <a:avLst/>
+          </a:prstGeom>
+        </p:spPr>
+        <p:txBody>
+          <a:bodyPr spcFirstLastPara="1" wrap="square" lIns="121897" tIns="121897" rIns="121897" bIns="121897" anchor="t" anchorCtr="0">
+            <a:noAutofit/>
+          </a:bodyPr>
+          <a:lstStyle/>
+          <a:p>
+            <a:r>
+              <a:rPr lang="es"/>
+              <a:t>Gráfica de Pastel</a:t>
+            </a:r>
+            <a:br>
+              <a:rPr lang="es"/>
+            </a:br>
+            <a:endParaRPr/>
+          </a:p>
+          <a:p>
+            <a:r>
+              <a:rPr lang="es"/>
+              <a:t>Gráfica de Barras</a:t>
+            </a:r>
+            <a:br>
+              <a:rPr lang="es"/>
+            </a:br>
+            <a:endParaRPr/>
+          </a:p>
+          <a:p>
+            <a:r>
+              <a:rPr lang="es"/>
+              <a:t>Histograma</a:t>
+            </a:r>
+            <a:br>
+              <a:rPr lang="es"/>
+            </a:br>
+            <a:endParaRPr/>
+          </a:p>
+          <a:p>
+            <a:r>
+              <a:rPr lang="es"/>
+              <a:t>Gráficas lineales</a:t>
+            </a:r>
+            <a:br>
+              <a:rPr lang="es"/>
+            </a:br>
+            <a:endParaRPr/>
+          </a:p>
+          <a:p>
+            <a:r>
+              <a:rPr lang="es"/>
+              <a:t>Polígono de frecuencia</a:t>
+            </a:r>
+            <a:endParaRPr/>
+          </a:p>
+          <a:p>
+            <a:pPr marL="0" indent="0">
+              <a:spcBef>
+                <a:spcPts val="2133"/>
+              </a:spcBef>
+              <a:spcAft>
+                <a:spcPts val="2133"/>
+              </a:spcAft>
+              <a:buNone/>
+            </a:pPr>
+            <a:endParaRPr/>
+          </a:p>
+        </p:txBody>
+      </p:sp>
+    </p:spTree>
+    <p:extLst>
+      <p:ext uri="{BB962C8B-B14F-4D97-AF65-F5344CB8AC3E}">
+        <p14:creationId xmlns:p14="http://schemas.microsoft.com/office/powerpoint/2010/main" val="3574841340"/>
+      </p:ext>
+    </p:extLst>
+  </p:cSld>
+  <p:clrMapOvr>
+    <a:masterClrMapping/>
+  </p:clrMapOvr>
+</p:sld>
+</file>
+
+<file path=ppt/slides/slide11.xml><?xml version="1.0" encoding="utf-8"?>
+<p:sld xmlns:a="http://schemas.openxmlformats.org/drawingml/2006/main" xmlns:r="http://schemas.openxmlformats.org/officeDocument/2006/relationships" xmlns:p="http://schemas.openxmlformats.org/presentationml/2006/main">
+  <p:cSld>
+    <p:spTree>
+      <p:nvGrpSpPr>
+        <p:cNvPr id="1" name="Shape 129"/>
+        <p:cNvGrpSpPr/>
+        <p:nvPr/>
+      </p:nvGrpSpPr>
+      <p:grpSpPr>
+        <a:xfrm>
+          <a:off x="0" y="0"/>
+          <a:ext cx="0" cy="0"/>
+          <a:chOff x="0" y="0"/>
+          <a:chExt cx="0" cy="0"/>
+        </a:xfrm>
+      </p:grpSpPr>
+      <p:sp>
+        <p:nvSpPr>
+          <p:cNvPr id="130" name="Google Shape;130;p22"/>
+          <p:cNvSpPr txBox="1">
+            <a:spLocks noGrp="1"/>
+          </p:cNvSpPr>
+          <p:nvPr>
+            <p:ph type="title"/>
+          </p:nvPr>
+        </p:nvSpPr>
+        <p:spPr>
+          <a:xfrm>
+            <a:off x="415600" y="496667"/>
+            <a:ext cx="11360800" cy="978000"/>
+          </a:xfrm>
+          <a:prstGeom prst="rect">
+            <a:avLst/>
+          </a:prstGeom>
+        </p:spPr>
+        <p:txBody>
+          <a:bodyPr spcFirstLastPara="1" wrap="square" lIns="121897" tIns="121897" rIns="121897" bIns="121897" anchor="b" anchorCtr="0">
+            <a:noAutofit/>
+          </a:bodyPr>
+          <a:lstStyle/>
+          <a:p>
+            <a:r>
+              <a:rPr lang="es"/>
+              <a:t>Gráficas de Pastel</a:t>
+            </a:r>
+            <a:endParaRPr/>
+          </a:p>
+        </p:txBody>
+      </p:sp>
+      <p:sp>
+        <p:nvSpPr>
+          <p:cNvPr id="131" name="Google Shape;131;p22"/>
+          <p:cNvSpPr txBox="1">
+            <a:spLocks noGrp="1"/>
+          </p:cNvSpPr>
+          <p:nvPr>
+            <p:ph type="body" idx="1"/>
+          </p:nvPr>
+        </p:nvSpPr>
+        <p:spPr>
+          <a:xfrm>
+            <a:off x="415600" y="1958433"/>
+            <a:ext cx="5333200" cy="4133200"/>
+          </a:xfrm>
+          <a:prstGeom prst="rect">
+            <a:avLst/>
+          </a:prstGeom>
+        </p:spPr>
+        <p:txBody>
+          <a:bodyPr spcFirstLastPara="1" wrap="square" lIns="121897" tIns="121897" rIns="121897" bIns="121897" anchor="t" anchorCtr="0">
+            <a:noAutofit/>
+          </a:bodyPr>
+          <a:lstStyle/>
+          <a:p>
+            <a:pPr indent="-457189" algn="just">
+              <a:buSzPts val="1800"/>
+            </a:pPr>
+            <a:r>
+              <a:rPr lang="es" sz="2400" dirty="0"/>
+              <a:t>Se utilizan para representar </a:t>
+            </a:r>
+            <a:r>
+              <a:rPr lang="es" sz="2400" b="1" dirty="0"/>
+              <a:t>porcentajes (proporciones).</a:t>
+            </a:r>
+            <a:br>
+              <a:rPr lang="es" sz="2400" b="1" dirty="0"/>
+            </a:br>
+            <a:endParaRPr sz="2400" b="1" dirty="0"/>
+          </a:p>
+          <a:p>
+            <a:pPr indent="-457189" algn="just">
+              <a:buSzPts val="1800"/>
+            </a:pPr>
+            <a:r>
+              <a:rPr lang="es" sz="2400" dirty="0"/>
+              <a:t>Deben sumar 1.</a:t>
+            </a:r>
+            <a:endParaRPr sz="2400" dirty="0"/>
+          </a:p>
+          <a:p>
+            <a:pPr lvl="1" algn="just">
+              <a:spcBef>
+                <a:spcPts val="0"/>
+              </a:spcBef>
+            </a:pPr>
+            <a:r>
+              <a:rPr lang="es" dirty="0"/>
+              <a:t>La suma de las partes no puede ser más ni menos que el TOTAL.</a:t>
+            </a:r>
+            <a:endParaRPr dirty="0"/>
+          </a:p>
+        </p:txBody>
+      </p:sp>
+      <p:sp>
+        <p:nvSpPr>
+          <p:cNvPr id="132" name="Google Shape;132;p22"/>
+          <p:cNvSpPr txBox="1">
+            <a:spLocks noGrp="1"/>
+          </p:cNvSpPr>
+          <p:nvPr>
+            <p:ph type="body" idx="2"/>
+          </p:nvPr>
+        </p:nvSpPr>
+        <p:spPr>
+          <a:xfrm>
+            <a:off x="6443200" y="1958433"/>
+            <a:ext cx="5333200" cy="4133200"/>
+          </a:xfrm>
+          <a:prstGeom prst="rect">
+            <a:avLst/>
+          </a:prstGeom>
+        </p:spPr>
+        <p:txBody>
+          <a:bodyPr spcFirstLastPara="1" wrap="square" lIns="121897" tIns="121897" rIns="121897" bIns="121897" anchor="t" anchorCtr="0">
+            <a:noAutofit/>
+          </a:bodyPr>
+          <a:lstStyle/>
+          <a:p>
+            <a:pPr marL="0" indent="0">
+              <a:spcAft>
+                <a:spcPts val="2133"/>
+              </a:spcAft>
+              <a:buNone/>
+            </a:pPr>
+            <a:endParaRPr/>
+          </a:p>
+        </p:txBody>
+      </p:sp>
+      <p:pic>
+        <p:nvPicPr>
+          <p:cNvPr id="133" name="Google Shape;133;p22"/>
+          <p:cNvPicPr preferRelativeResize="0"/>
+          <p:nvPr/>
+        </p:nvPicPr>
+        <p:blipFill>
+          <a:blip r:embed="rId3">
+            <a:alphaModFix/>
+          </a:blip>
+          <a:stretch>
+            <a:fillRect/>
+          </a:stretch>
+        </p:blipFill>
+        <p:spPr>
+          <a:xfrm>
+            <a:off x="6315467" y="496670"/>
+            <a:ext cx="5277695" cy="5798033"/>
+          </a:xfrm>
+          <a:prstGeom prst="rect">
+            <a:avLst/>
+          </a:prstGeom>
+          <a:noFill/>
+          <a:ln>
+            <a:noFill/>
+          </a:ln>
+        </p:spPr>
+      </p:pic>
+    </p:spTree>
+    <p:extLst>
+      <p:ext uri="{BB962C8B-B14F-4D97-AF65-F5344CB8AC3E}">
+        <p14:creationId xmlns:p14="http://schemas.microsoft.com/office/powerpoint/2010/main" val="249720532"/>
+      </p:ext>
+    </p:extLst>
+  </p:cSld>
+  <p:clrMapOvr>
+    <a:masterClrMapping/>
+  </p:clrMapOvr>
+</p:sld>
+</file>
+
+<file path=ppt/slides/slide12.xml><?xml version="1.0" encoding="utf-8"?>
+<p:sld xmlns:a="http://schemas.openxmlformats.org/drawingml/2006/main" xmlns:r="http://schemas.openxmlformats.org/officeDocument/2006/relationships" xmlns:p="http://schemas.openxmlformats.org/presentationml/2006/main">
+  <p:cSld>
+    <p:spTree>
+      <p:nvGrpSpPr>
+        <p:cNvPr id="1" name="Shape 120"/>
+        <p:cNvGrpSpPr/>
+        <p:nvPr/>
+      </p:nvGrpSpPr>
+      <p:grpSpPr>
+        <a:xfrm>
+          <a:off x="0" y="0"/>
+          <a:ext cx="0" cy="0"/>
+          <a:chOff x="0" y="0"/>
+          <a:chExt cx="0" cy="0"/>
+        </a:xfrm>
+      </p:grpSpPr>
+      <p:sp>
+        <p:nvSpPr>
+          <p:cNvPr id="121" name="Google Shape;121;p21"/>
+          <p:cNvSpPr txBox="1">
+            <a:spLocks noGrp="1"/>
+          </p:cNvSpPr>
+          <p:nvPr>
+            <p:ph type="title"/>
+          </p:nvPr>
+        </p:nvSpPr>
+        <p:spPr>
+          <a:xfrm>
+            <a:off x="454067" y="65700"/>
+            <a:ext cx="11360800" cy="978000"/>
+          </a:xfrm>
+          <a:prstGeom prst="rect">
+            <a:avLst/>
+          </a:prstGeom>
+        </p:spPr>
+        <p:txBody>
+          <a:bodyPr spcFirstLastPara="1" wrap="square" lIns="121897" tIns="121897" rIns="121897" bIns="121897" anchor="b" anchorCtr="0">
+            <a:noAutofit/>
+          </a:bodyPr>
+          <a:lstStyle/>
+          <a:p>
+            <a:r>
+              <a:rPr lang="es" dirty="0"/>
+              <a:t>Gráficas de Barras </a:t>
+            </a:r>
+            <a:endParaRPr dirty="0"/>
+          </a:p>
+        </p:txBody>
+      </p:sp>
+      <p:sp>
+        <p:nvSpPr>
+          <p:cNvPr id="122" name="Google Shape;122;p21"/>
+          <p:cNvSpPr txBox="1">
+            <a:spLocks noGrp="1"/>
+          </p:cNvSpPr>
+          <p:nvPr>
+            <p:ph type="body" idx="1"/>
+          </p:nvPr>
+        </p:nvSpPr>
+        <p:spPr>
+          <a:xfrm>
+            <a:off x="415600" y="1958433"/>
+            <a:ext cx="3696000" cy="4133200"/>
+          </a:xfrm>
+          <a:prstGeom prst="rect">
+            <a:avLst/>
+          </a:prstGeom>
+        </p:spPr>
+        <p:txBody>
+          <a:bodyPr spcFirstLastPara="1" wrap="square" lIns="121897" tIns="121897" rIns="121897" bIns="121897" anchor="t" anchorCtr="0">
+            <a:noAutofit/>
+          </a:bodyPr>
+          <a:lstStyle/>
+          <a:p>
+            <a:pPr marL="0" indent="0" algn="just">
+              <a:buNone/>
+            </a:pPr>
+            <a:r>
+              <a:rPr lang="es" sz="2400">
+                <a:solidFill>
+                  <a:srgbClr val="000000"/>
+                </a:solidFill>
+                <a:highlight>
+                  <a:srgbClr val="FFFFFF"/>
+                </a:highlight>
+                <a:latin typeface="Calibri"/>
+                <a:ea typeface="Calibri"/>
+                <a:cs typeface="Calibri"/>
+                <a:sym typeface="Calibri"/>
+              </a:rPr>
+              <a:t>Presenta los valores absolutos de cierta variable (y) en diferentes grupos o categorías (x).</a:t>
+            </a:r>
+            <a:endParaRPr sz="2400">
+              <a:solidFill>
+                <a:srgbClr val="000000"/>
+              </a:solidFill>
+              <a:highlight>
+                <a:srgbClr val="FFFFFF"/>
+              </a:highlight>
+              <a:latin typeface="Calibri"/>
+              <a:ea typeface="Calibri"/>
+              <a:cs typeface="Calibri"/>
+              <a:sym typeface="Calibri"/>
+            </a:endParaRPr>
+          </a:p>
+          <a:p>
+            <a:pPr marL="0" indent="0">
+              <a:spcBef>
+                <a:spcPts val="2133"/>
+              </a:spcBef>
+              <a:buNone/>
+            </a:pPr>
+            <a:br>
+              <a:rPr lang="es" sz="2400">
+                <a:solidFill>
+                  <a:srgbClr val="000000"/>
+                </a:solidFill>
+                <a:highlight>
+                  <a:srgbClr val="FFFFFF"/>
+                </a:highlight>
+                <a:latin typeface="Calibri"/>
+                <a:ea typeface="Calibri"/>
+                <a:cs typeface="Calibri"/>
+                <a:sym typeface="Calibri"/>
+              </a:rPr>
+            </a:br>
+            <a:endParaRPr sz="2400">
+              <a:solidFill>
+                <a:srgbClr val="000000"/>
+              </a:solidFill>
+              <a:highlight>
+                <a:srgbClr val="FFFFFF"/>
+              </a:highlight>
+              <a:latin typeface="Calibri"/>
+              <a:ea typeface="Calibri"/>
+              <a:cs typeface="Calibri"/>
+              <a:sym typeface="Calibri"/>
+            </a:endParaRPr>
+          </a:p>
+          <a:p>
+            <a:pPr marL="0" indent="0">
+              <a:spcBef>
+                <a:spcPts val="2133"/>
+              </a:spcBef>
+              <a:buNone/>
+            </a:pPr>
+            <a:r>
+              <a:rPr lang="es" sz="2400">
+                <a:solidFill>
+                  <a:srgbClr val="000000"/>
+                </a:solidFill>
+                <a:highlight>
+                  <a:srgbClr val="FFFFFF"/>
+                </a:highlight>
+                <a:latin typeface="Calibri"/>
+                <a:ea typeface="Calibri"/>
+                <a:cs typeface="Calibri"/>
+                <a:sym typeface="Calibri"/>
+              </a:rPr>
+              <a:t>X = Variable categórica</a:t>
+            </a:r>
+            <a:endParaRPr sz="2400">
+              <a:solidFill>
+                <a:srgbClr val="000000"/>
+              </a:solidFill>
+              <a:highlight>
+                <a:srgbClr val="FFFFFF"/>
+              </a:highlight>
+              <a:latin typeface="Calibri"/>
+              <a:ea typeface="Calibri"/>
+              <a:cs typeface="Calibri"/>
+              <a:sym typeface="Calibri"/>
+            </a:endParaRPr>
+          </a:p>
+          <a:p>
+            <a:pPr marL="0" indent="0">
+              <a:spcBef>
+                <a:spcPts val="2133"/>
+              </a:spcBef>
+              <a:spcAft>
+                <a:spcPts val="2133"/>
+              </a:spcAft>
+              <a:buNone/>
+            </a:pPr>
+            <a:r>
+              <a:rPr lang="es" sz="2400">
+                <a:solidFill>
+                  <a:srgbClr val="000000"/>
+                </a:solidFill>
+                <a:highlight>
+                  <a:srgbClr val="FFFFFF"/>
+                </a:highlight>
+                <a:latin typeface="Calibri"/>
+                <a:ea typeface="Calibri"/>
+                <a:cs typeface="Calibri"/>
+                <a:sym typeface="Calibri"/>
+              </a:rPr>
+              <a:t>Y = Variable numérica</a:t>
+            </a:r>
+            <a:endParaRPr sz="2400">
+              <a:solidFill>
+                <a:srgbClr val="000000"/>
+              </a:solidFill>
+              <a:highlight>
+                <a:srgbClr val="FFFFFF"/>
+              </a:highlight>
+              <a:latin typeface="Calibri"/>
+              <a:ea typeface="Calibri"/>
+              <a:cs typeface="Calibri"/>
+              <a:sym typeface="Calibri"/>
+            </a:endParaRPr>
+          </a:p>
+        </p:txBody>
+      </p:sp>
+      <p:sp>
+        <p:nvSpPr>
+          <p:cNvPr id="123" name="Google Shape;123;p21"/>
+          <p:cNvSpPr txBox="1">
+            <a:spLocks noGrp="1"/>
+          </p:cNvSpPr>
+          <p:nvPr>
+            <p:ph type="body" idx="2"/>
+          </p:nvPr>
+        </p:nvSpPr>
+        <p:spPr>
+          <a:xfrm>
+            <a:off x="6443200" y="1958433"/>
+            <a:ext cx="5333200" cy="4133200"/>
+          </a:xfrm>
+          <a:prstGeom prst="rect">
+            <a:avLst/>
+          </a:prstGeom>
+        </p:spPr>
+        <p:txBody>
+          <a:bodyPr spcFirstLastPara="1" wrap="square" lIns="121897" tIns="121897" rIns="121897" bIns="121897" anchor="t" anchorCtr="0">
+            <a:noAutofit/>
+          </a:bodyPr>
+          <a:lstStyle/>
+          <a:p>
+            <a:pPr marL="0" indent="0">
+              <a:spcAft>
+                <a:spcPts val="2133"/>
+              </a:spcAft>
+              <a:buNone/>
+            </a:pPr>
+            <a:endParaRPr/>
+          </a:p>
+        </p:txBody>
+      </p:sp>
+      <p:pic>
+        <p:nvPicPr>
+          <p:cNvPr id="124" name="Google Shape;124;p21"/>
+          <p:cNvPicPr preferRelativeResize="0"/>
+          <p:nvPr/>
+        </p:nvPicPr>
+        <p:blipFill>
+          <a:blip r:embed="rId3">
+            <a:alphaModFix/>
+          </a:blip>
+          <a:stretch>
+            <a:fillRect/>
+          </a:stretch>
+        </p:blipFill>
+        <p:spPr>
+          <a:xfrm>
+            <a:off x="4111600" y="988928"/>
+            <a:ext cx="7907400" cy="5102689"/>
+          </a:xfrm>
+          <a:prstGeom prst="rect">
+            <a:avLst/>
+          </a:prstGeom>
+          <a:noFill/>
+          <a:ln>
+            <a:noFill/>
+          </a:ln>
+        </p:spPr>
+      </p:pic>
+      <p:sp>
+        <p:nvSpPr>
+          <p:cNvPr id="125" name="Google Shape;125;p21"/>
+          <p:cNvSpPr txBox="1"/>
+          <p:nvPr/>
+        </p:nvSpPr>
+        <p:spPr>
+          <a:xfrm>
+            <a:off x="312467" y="6397500"/>
+            <a:ext cx="11644000" cy="394800"/>
+          </a:xfrm>
+          <a:prstGeom prst="rect">
+            <a:avLst/>
+          </a:prstGeom>
+          <a:solidFill>
+            <a:srgbClr val="FCE5CD"/>
+          </a:solidFill>
+          <a:ln>
+            <a:noFill/>
+          </a:ln>
+        </p:spPr>
+        <p:txBody>
+          <a:bodyPr spcFirstLastPara="1" wrap="square" lIns="121897" tIns="121897" rIns="121897" bIns="121897" anchor="t" anchorCtr="0">
+            <a:noAutofit/>
+          </a:bodyPr>
+          <a:lstStyle/>
+          <a:p>
+            <a:r>
+              <a:rPr lang="es"/>
+              <a:t>IFT, 2015  (</a:t>
+            </a:r>
+            <a:r>
+              <a:rPr lang="es" sz="1500" u="sng">
+                <a:solidFill>
+                  <a:schemeClr val="accent5"/>
+                </a:solidFill>
+                <a:hlinkClick r:id="rId4"/>
+              </a:rPr>
+              <a:t>http://www.ift.org.mx/sites/default/files/contenidogeneral/comunicacion-y-medios/estudiosninosfinalacc.pdf</a:t>
+            </a:r>
+            <a:r>
+              <a:rPr lang="es"/>
+              <a:t> )</a:t>
+            </a:r>
+            <a:endParaRPr sz="1700">
+              <a:solidFill>
+                <a:srgbClr val="444444"/>
+              </a:solidFill>
+              <a:highlight>
+                <a:srgbClr val="FFFFFF"/>
+              </a:highlight>
+            </a:endParaRPr>
+          </a:p>
+        </p:txBody>
+      </p:sp>
+    </p:spTree>
+    <p:extLst>
+      <p:ext uri="{BB962C8B-B14F-4D97-AF65-F5344CB8AC3E}">
+        <p14:creationId xmlns:p14="http://schemas.microsoft.com/office/powerpoint/2010/main" val="959813564"/>
+      </p:ext>
+    </p:extLst>
+  </p:cSld>
+  <p:clrMapOvr>
+    <a:masterClrMapping/>
+  </p:clrMapOvr>
+</p:sld>
+</file>
+
+<file path=ppt/slides/slide13.xml><?xml version="1.0" encoding="utf-8"?>
+<p:sld xmlns:a="http://schemas.openxmlformats.org/drawingml/2006/main" xmlns:r="http://schemas.openxmlformats.org/officeDocument/2006/relationships" xmlns:p="http://schemas.openxmlformats.org/presentationml/2006/main">
+  <p:cSld>
+    <p:spTree>
+      <p:nvGrpSpPr>
+        <p:cNvPr id="1" name="Shape 164"/>
+        <p:cNvGrpSpPr/>
+        <p:nvPr/>
+      </p:nvGrpSpPr>
+      <p:grpSpPr>
+        <a:xfrm>
+          <a:off x="0" y="0"/>
+          <a:ext cx="0" cy="0"/>
+          <a:chOff x="0" y="0"/>
+          <a:chExt cx="0" cy="0"/>
+        </a:xfrm>
+      </p:grpSpPr>
+      <p:sp>
+        <p:nvSpPr>
+          <p:cNvPr id="165" name="Google Shape;165;p26"/>
+          <p:cNvSpPr txBox="1">
+            <a:spLocks noGrp="1"/>
+          </p:cNvSpPr>
+          <p:nvPr>
+            <p:ph type="title"/>
+          </p:nvPr>
+        </p:nvSpPr>
+        <p:spPr>
+          <a:xfrm>
+            <a:off x="415600" y="496667"/>
+            <a:ext cx="11360800" cy="978000"/>
+          </a:xfrm>
+          <a:prstGeom prst="rect">
+            <a:avLst/>
+          </a:prstGeom>
+        </p:spPr>
+        <p:txBody>
+          <a:bodyPr spcFirstLastPara="1" wrap="square" lIns="121897" tIns="121897" rIns="121897" bIns="121897" anchor="b" anchorCtr="0">
+            <a:noAutofit/>
+          </a:bodyPr>
+          <a:lstStyle/>
+          <a:p>
+            <a:r>
+              <a:rPr lang="es"/>
+              <a:t>Gráficas de Barras vs Histogramas</a:t>
+            </a:r>
+            <a:endParaRPr/>
+          </a:p>
+        </p:txBody>
+      </p:sp>
+      <p:sp>
+        <p:nvSpPr>
+          <p:cNvPr id="166" name="Google Shape;166;p26"/>
+          <p:cNvSpPr txBox="1">
+            <a:spLocks noGrp="1"/>
+          </p:cNvSpPr>
+          <p:nvPr>
+            <p:ph type="body" idx="1"/>
+          </p:nvPr>
+        </p:nvSpPr>
+        <p:spPr>
+          <a:xfrm>
+            <a:off x="415600" y="1777533"/>
+            <a:ext cx="5333200" cy="4133200"/>
+          </a:xfrm>
+          <a:prstGeom prst="rect">
+            <a:avLst/>
+          </a:prstGeom>
+        </p:spPr>
+        <p:txBody>
+          <a:bodyPr spcFirstLastPara="1" wrap="square" lIns="121897" tIns="121897" rIns="121897" bIns="121897" anchor="t" anchorCtr="0">
+            <a:noAutofit/>
+          </a:bodyPr>
+          <a:lstStyle/>
+          <a:p>
+            <a:pPr marL="0" indent="0" algn="ctr">
+              <a:buNone/>
+            </a:pPr>
+            <a:r>
+              <a:rPr lang="es" b="1" dirty="0"/>
+              <a:t>Gráfica de Barras</a:t>
+            </a:r>
+            <a:endParaRPr b="1" dirty="0"/>
+          </a:p>
+          <a:p>
+            <a:pPr marL="0" indent="0">
+              <a:spcBef>
+                <a:spcPts val="2133"/>
+              </a:spcBef>
+              <a:buNone/>
+            </a:pPr>
+            <a:r>
+              <a:rPr lang="es" dirty="0"/>
+              <a:t>X = Variable categórica</a:t>
+            </a:r>
+            <a:endParaRPr dirty="0"/>
+          </a:p>
+          <a:p>
+            <a:pPr marL="0" indent="0">
+              <a:spcBef>
+                <a:spcPts val="2133"/>
+              </a:spcBef>
+              <a:spcAft>
+                <a:spcPts val="2133"/>
+              </a:spcAft>
+              <a:buNone/>
+            </a:pPr>
+            <a:r>
+              <a:rPr lang="es" dirty="0"/>
+              <a:t>Y = Variable contínua</a:t>
+            </a:r>
+            <a:endParaRPr dirty="0"/>
+          </a:p>
+        </p:txBody>
+      </p:sp>
+      <p:sp>
+        <p:nvSpPr>
+          <p:cNvPr id="167" name="Google Shape;167;p26"/>
+          <p:cNvSpPr txBox="1">
+            <a:spLocks noGrp="1"/>
+          </p:cNvSpPr>
+          <p:nvPr>
+            <p:ph type="body" idx="2"/>
+          </p:nvPr>
+        </p:nvSpPr>
+        <p:spPr>
+          <a:xfrm>
+            <a:off x="6443200" y="1678867"/>
+            <a:ext cx="5333200" cy="4133200"/>
+          </a:xfrm>
+          <a:prstGeom prst="rect">
+            <a:avLst/>
+          </a:prstGeom>
+        </p:spPr>
+        <p:txBody>
+          <a:bodyPr spcFirstLastPara="1" wrap="square" lIns="121897" tIns="121897" rIns="121897" bIns="121897" anchor="t" anchorCtr="0">
+            <a:noAutofit/>
+          </a:bodyPr>
+          <a:lstStyle/>
+          <a:p>
+            <a:pPr marL="0" indent="0" algn="ctr">
+              <a:buNone/>
+            </a:pPr>
+            <a:r>
+              <a:rPr lang="es" b="1"/>
+              <a:t>Histogramas</a:t>
+            </a:r>
+            <a:endParaRPr b="1"/>
+          </a:p>
+          <a:p>
+            <a:pPr marL="0" indent="0">
+              <a:spcBef>
+                <a:spcPts val="2133"/>
+              </a:spcBef>
+              <a:buNone/>
+            </a:pPr>
+            <a:r>
+              <a:rPr lang="es"/>
+              <a:t>X = Variable numérica (Continua)</a:t>
+            </a:r>
+            <a:endParaRPr/>
+          </a:p>
+          <a:p>
+            <a:pPr marL="0" indent="0">
+              <a:spcBef>
+                <a:spcPts val="2133"/>
+              </a:spcBef>
+              <a:spcAft>
+                <a:spcPts val="2133"/>
+              </a:spcAft>
+              <a:buNone/>
+            </a:pPr>
+            <a:r>
+              <a:rPr lang="es"/>
+              <a:t>Y = Frecuencias</a:t>
+            </a:r>
+            <a:endParaRPr/>
+          </a:p>
+        </p:txBody>
+      </p:sp>
+      <p:pic>
+        <p:nvPicPr>
+          <p:cNvPr id="168" name="Google Shape;168;p26"/>
+          <p:cNvPicPr preferRelativeResize="0"/>
+          <p:nvPr/>
+        </p:nvPicPr>
+        <p:blipFill>
+          <a:blip r:embed="rId3">
+            <a:alphaModFix/>
+          </a:blip>
+          <a:stretch>
+            <a:fillRect/>
+          </a:stretch>
+        </p:blipFill>
+        <p:spPr>
+          <a:xfrm>
+            <a:off x="1780567" y="3736867"/>
+            <a:ext cx="2462500" cy="2720667"/>
+          </a:xfrm>
+          <a:prstGeom prst="rect">
+            <a:avLst/>
+          </a:prstGeom>
+          <a:noFill/>
+          <a:ln>
+            <a:noFill/>
+          </a:ln>
+        </p:spPr>
+      </p:pic>
+      <p:pic>
+        <p:nvPicPr>
+          <p:cNvPr id="169" name="Google Shape;169;p26"/>
+          <p:cNvPicPr preferRelativeResize="0"/>
+          <p:nvPr/>
+        </p:nvPicPr>
+        <p:blipFill>
+          <a:blip r:embed="rId4">
+            <a:alphaModFix/>
+          </a:blip>
+          <a:stretch>
+            <a:fillRect/>
+          </a:stretch>
+        </p:blipFill>
+        <p:spPr>
+          <a:xfrm>
+            <a:off x="7746534" y="3539498"/>
+            <a:ext cx="2384233" cy="2842767"/>
+          </a:xfrm>
+          <a:prstGeom prst="rect">
+            <a:avLst/>
+          </a:prstGeom>
+          <a:noFill/>
+          <a:ln>
+            <a:noFill/>
+          </a:ln>
+        </p:spPr>
+      </p:pic>
+    </p:spTree>
+    <p:extLst>
+      <p:ext uri="{BB962C8B-B14F-4D97-AF65-F5344CB8AC3E}">
+        <p14:creationId xmlns:p14="http://schemas.microsoft.com/office/powerpoint/2010/main" val="2276260530"/>
+      </p:ext>
+    </p:extLst>
+  </p:cSld>
+  <p:clrMapOvr>
+    <a:masterClrMapping/>
+  </p:clrMapOvr>
+</p:sld>
+</file>
+
+<file path=ppt/slides/slide14.xml><?xml version="1.0" encoding="utf-8"?>
+<p:sld xmlns:a="http://schemas.openxmlformats.org/drawingml/2006/main" xmlns:r="http://schemas.openxmlformats.org/officeDocument/2006/relationships" xmlns:p="http://schemas.openxmlformats.org/presentationml/2006/main">
+  <p:cSld>
+    <p:spTree>
+      <p:nvGrpSpPr>
+        <p:cNvPr id="1" name="Shape 182"/>
+        <p:cNvGrpSpPr/>
+        <p:nvPr/>
+      </p:nvGrpSpPr>
+      <p:grpSpPr>
+        <a:xfrm>
+          <a:off x="0" y="0"/>
+          <a:ext cx="0" cy="0"/>
+          <a:chOff x="0" y="0"/>
+          <a:chExt cx="0" cy="0"/>
+        </a:xfrm>
+      </p:grpSpPr>
+      <p:sp>
+        <p:nvSpPr>
+          <p:cNvPr id="183" name="Google Shape;183;p28"/>
+          <p:cNvSpPr txBox="1">
+            <a:spLocks noGrp="1"/>
+          </p:cNvSpPr>
+          <p:nvPr>
+            <p:ph type="title"/>
+          </p:nvPr>
+        </p:nvSpPr>
+        <p:spPr>
+          <a:xfrm>
+            <a:off x="415600" y="496667"/>
+            <a:ext cx="11360800" cy="978000"/>
+          </a:xfrm>
+          <a:prstGeom prst="rect">
+            <a:avLst/>
+          </a:prstGeom>
+        </p:spPr>
+        <p:txBody>
+          <a:bodyPr spcFirstLastPara="1" wrap="square" lIns="121897" tIns="121897" rIns="121897" bIns="121897" anchor="b" anchorCtr="0">
+            <a:noAutofit/>
+          </a:bodyPr>
+          <a:lstStyle/>
+          <a:p>
+            <a:r>
+              <a:rPr lang="es"/>
+              <a:t>Gráficas Lineales</a:t>
+            </a:r>
+            <a:endParaRPr/>
+          </a:p>
+        </p:txBody>
+      </p:sp>
+      <p:sp>
+        <p:nvSpPr>
+          <p:cNvPr id="184" name="Google Shape;184;p28"/>
+          <p:cNvSpPr txBox="1">
+            <a:spLocks noGrp="1"/>
+          </p:cNvSpPr>
+          <p:nvPr>
+            <p:ph type="body" idx="1"/>
+          </p:nvPr>
+        </p:nvSpPr>
+        <p:spPr>
+          <a:xfrm>
+            <a:off x="117433" y="1754600"/>
+            <a:ext cx="3745200" cy="4133200"/>
+          </a:xfrm>
+          <a:prstGeom prst="rect">
+            <a:avLst/>
+          </a:prstGeom>
+        </p:spPr>
+        <p:txBody>
+          <a:bodyPr spcFirstLastPara="1" wrap="square" lIns="121897" tIns="121897" rIns="121897" bIns="121897" anchor="t" anchorCtr="0">
+            <a:noAutofit/>
+          </a:bodyPr>
+          <a:lstStyle/>
+          <a:p>
+            <a:pPr marL="0" indent="0">
+              <a:buNone/>
+            </a:pPr>
+            <a:r>
+              <a:rPr lang="es"/>
+              <a:t>Presentan los cambios en la variable dependiente (y) a lo largo de diferentes valores en (x).</a:t>
+            </a:r>
+            <a:endParaRPr/>
+          </a:p>
+          <a:p>
+            <a:pPr marL="0" indent="0">
+              <a:spcBef>
+                <a:spcPts val="2133"/>
+              </a:spcBef>
+              <a:buNone/>
+            </a:pPr>
+            <a:endParaRPr/>
+          </a:p>
+          <a:p>
+            <a:pPr marL="0" indent="0">
+              <a:spcBef>
+                <a:spcPts val="2133"/>
+              </a:spcBef>
+              <a:buNone/>
+            </a:pPr>
+            <a:r>
+              <a:rPr lang="es"/>
+              <a:t>X = Variable Numérica</a:t>
+            </a:r>
+            <a:endParaRPr/>
+          </a:p>
+          <a:p>
+            <a:pPr marL="0" indent="0">
+              <a:spcBef>
+                <a:spcPts val="2133"/>
+              </a:spcBef>
+              <a:spcAft>
+                <a:spcPts val="2133"/>
+              </a:spcAft>
+              <a:buNone/>
+            </a:pPr>
+            <a:r>
+              <a:rPr lang="es"/>
+              <a:t>Y = Variable Numérica</a:t>
+            </a:r>
+            <a:endParaRPr/>
+          </a:p>
+        </p:txBody>
+      </p:sp>
+      <p:sp>
+        <p:nvSpPr>
+          <p:cNvPr id="185" name="Google Shape;185;p28"/>
+          <p:cNvSpPr txBox="1">
+            <a:spLocks noGrp="1"/>
+          </p:cNvSpPr>
+          <p:nvPr>
+            <p:ph type="body" idx="2"/>
+          </p:nvPr>
+        </p:nvSpPr>
+        <p:spPr>
+          <a:xfrm>
+            <a:off x="6443200" y="1958433"/>
+            <a:ext cx="5333200" cy="4133200"/>
+          </a:xfrm>
+          <a:prstGeom prst="rect">
+            <a:avLst/>
+          </a:prstGeom>
+        </p:spPr>
+        <p:txBody>
+          <a:bodyPr spcFirstLastPara="1" wrap="square" lIns="121897" tIns="121897" rIns="121897" bIns="121897" anchor="t" anchorCtr="0">
+            <a:noAutofit/>
+          </a:bodyPr>
+          <a:lstStyle/>
+          <a:p>
+            <a:pPr marL="0" indent="0">
+              <a:buNone/>
+            </a:pPr>
+            <a:endParaRPr/>
+          </a:p>
+          <a:p>
+            <a:pPr marL="0" indent="0">
+              <a:spcBef>
+                <a:spcPts val="2133"/>
+              </a:spcBef>
+              <a:spcAft>
+                <a:spcPts val="2133"/>
+              </a:spcAft>
+              <a:buNone/>
+            </a:pPr>
+            <a:endParaRPr/>
+          </a:p>
+        </p:txBody>
+      </p:sp>
+      <p:pic>
+        <p:nvPicPr>
+          <p:cNvPr id="186" name="Google Shape;186;p28"/>
+          <p:cNvPicPr preferRelativeResize="0"/>
+          <p:nvPr/>
+        </p:nvPicPr>
+        <p:blipFill>
+          <a:blip r:embed="rId3">
+            <a:alphaModFix/>
+          </a:blip>
+          <a:stretch>
+            <a:fillRect/>
+          </a:stretch>
+        </p:blipFill>
+        <p:spPr>
+          <a:xfrm>
+            <a:off x="4329133" y="288685"/>
+            <a:ext cx="7359700" cy="5907900"/>
+          </a:xfrm>
+          <a:prstGeom prst="rect">
+            <a:avLst/>
+          </a:prstGeom>
+          <a:noFill/>
+          <a:ln>
+            <a:noFill/>
+          </a:ln>
+        </p:spPr>
+      </p:pic>
+    </p:spTree>
+    <p:extLst>
+      <p:ext uri="{BB962C8B-B14F-4D97-AF65-F5344CB8AC3E}">
+        <p14:creationId xmlns:p14="http://schemas.microsoft.com/office/powerpoint/2010/main" val="1727727122"/>
+      </p:ext>
+    </p:extLst>
+  </p:cSld>
+  <p:clrMapOvr>
+    <a:masterClrMapping/>
+  </p:clrMapOvr>
+</p:sld>
+</file>
+
+<file path=ppt/slides/slide15.xml><?xml version="1.0" encoding="utf-8"?>
+<p:sld xmlns:a="http://schemas.openxmlformats.org/drawingml/2006/main" xmlns:r="http://schemas.openxmlformats.org/officeDocument/2006/relationships" xmlns:p="http://schemas.openxmlformats.org/presentationml/2006/main">
+  <p:cSld>
+    <p:spTree>
+      <p:nvGrpSpPr>
         <p:cNvPr id="1" name="Shape 190"/>
         <p:cNvGrpSpPr/>
         <p:nvPr/>
@@ -10579,7 +11502,7 @@
 </p:sld>
 </file>
 
-<file path=ppt/slides/slide11.xml><?xml version="1.0" encoding="utf-8"?>
+<file path=ppt/slides/slide16.xml><?xml version="1.0" encoding="utf-8"?>
 <p:sld xmlns:a="http://schemas.openxmlformats.org/drawingml/2006/main" xmlns:r="http://schemas.openxmlformats.org/officeDocument/2006/relationships" xmlns:p="http://schemas.openxmlformats.org/presentationml/2006/main">
   <p:cSld>
     <p:spTree>
@@ -10898,7 +11821,7 @@
 </p:sld>
 </file>
 
-<file path=ppt/slides/slide12.xml><?xml version="1.0" encoding="utf-8"?>
+<file path=ppt/slides/slide17.xml><?xml version="1.0" encoding="utf-8"?>
 <p:sld xmlns:a="http://schemas.openxmlformats.org/drawingml/2006/main" xmlns:r="http://schemas.openxmlformats.org/officeDocument/2006/relationships" xmlns:p="http://schemas.openxmlformats.org/presentationml/2006/main">
   <p:cSld>
     <p:spTree>
@@ -11159,7 +12082,7 @@
 </p:sld>
 </file>
 
-<file path=ppt/slides/slide13.xml><?xml version="1.0" encoding="utf-8"?>
+<file path=ppt/slides/slide18.xml><?xml version="1.0" encoding="utf-8"?>
 <p:sld xmlns:a="http://schemas.openxmlformats.org/drawingml/2006/main" xmlns:r="http://schemas.openxmlformats.org/officeDocument/2006/relationships" xmlns:p="http://schemas.openxmlformats.org/presentationml/2006/main">
   <p:cSld>
     <p:spTree>
@@ -11222,7 +12145,7 @@
 </p:sld>
 </file>
 
-<file path=ppt/slides/slide14.xml><?xml version="1.0" encoding="utf-8"?>
+<file path=ppt/slides/slide19.xml><?xml version="1.0" encoding="utf-8"?>
 <p:sld xmlns:a="http://schemas.openxmlformats.org/drawingml/2006/main" xmlns:r="http://schemas.openxmlformats.org/officeDocument/2006/relationships" xmlns:p="http://schemas.openxmlformats.org/presentationml/2006/main">
   <p:cSld>
     <p:spTree>
@@ -11279,687 +12202,6 @@
     <p:extLst>
       <p:ext uri="{BB962C8B-B14F-4D97-AF65-F5344CB8AC3E}">
         <p14:creationId xmlns:p14="http://schemas.microsoft.com/office/powerpoint/2010/main" val="1566922062"/>
-      </p:ext>
-    </p:extLst>
-  </p:cSld>
-  <p:clrMapOvr>
-    <a:masterClrMapping/>
-  </p:clrMapOvr>
-</p:sld>
-</file>
-
-<file path=ppt/slides/slide15.xml><?xml version="1.0" encoding="utf-8"?>
-<p:sld xmlns:a="http://schemas.openxmlformats.org/drawingml/2006/main" xmlns:r="http://schemas.openxmlformats.org/officeDocument/2006/relationships" xmlns:p="http://schemas.openxmlformats.org/presentationml/2006/main">
-  <p:cSld>
-    <p:spTree>
-      <p:nvGrpSpPr>
-        <p:cNvPr id="1" name="Shape 225"/>
-        <p:cNvGrpSpPr/>
-        <p:nvPr/>
-      </p:nvGrpSpPr>
-      <p:grpSpPr>
-        <a:xfrm>
-          <a:off x="0" y="0"/>
-          <a:ext cx="0" cy="0"/>
-          <a:chOff x="0" y="0"/>
-          <a:chExt cx="0" cy="0"/>
-        </a:xfrm>
-      </p:grpSpPr>
-      <p:sp>
-        <p:nvSpPr>
-          <p:cNvPr id="226" name="Google Shape;226;p34"/>
-          <p:cNvSpPr txBox="1">
-            <a:spLocks noGrp="1"/>
-          </p:cNvSpPr>
-          <p:nvPr>
-            <p:ph type="title"/>
-          </p:nvPr>
-        </p:nvSpPr>
-        <p:spPr>
-          <a:xfrm>
-            <a:off x="415600" y="842400"/>
-            <a:ext cx="3744000" cy="1007600"/>
-          </a:xfrm>
-          <a:prstGeom prst="rect">
-            <a:avLst/>
-          </a:prstGeom>
-        </p:spPr>
-        <p:txBody>
-          <a:bodyPr spcFirstLastPara="1" wrap="square" lIns="121897" tIns="121897" rIns="121897" bIns="121897" anchor="b" anchorCtr="0">
-            <a:noAutofit/>
-          </a:bodyPr>
-          <a:lstStyle/>
-          <a:p>
-            <a:r>
-              <a:rPr lang="es" sz="4000" b="1" dirty="0"/>
-              <a:t>Ejemplo: </a:t>
-            </a:r>
-            <a:endParaRPr sz="4000" b="1" dirty="0"/>
-          </a:p>
-        </p:txBody>
-      </p:sp>
-      <p:sp>
-        <p:nvSpPr>
-          <p:cNvPr id="227" name="Google Shape;227;p34"/>
-          <p:cNvSpPr txBox="1">
-            <a:spLocks noGrp="1"/>
-          </p:cNvSpPr>
-          <p:nvPr>
-            <p:ph type="body" idx="1"/>
-          </p:nvPr>
-        </p:nvSpPr>
-        <p:spPr>
-          <a:xfrm>
-            <a:off x="415600" y="2157605"/>
-            <a:ext cx="3744000" cy="3934400"/>
-          </a:xfrm>
-          <a:prstGeom prst="rect">
-            <a:avLst/>
-          </a:prstGeom>
-        </p:spPr>
-        <p:txBody>
-          <a:bodyPr spcFirstLastPara="1" wrap="square" lIns="121897" tIns="121897" rIns="121897" bIns="121897" anchor="t" anchorCtr="0">
-            <a:noAutofit/>
-          </a:bodyPr>
-          <a:lstStyle/>
-          <a:p>
-            <a:pPr marL="0" indent="0" algn="ctr">
-              <a:spcBef>
-                <a:spcPts val="2133"/>
-              </a:spcBef>
-              <a:spcAft>
-                <a:spcPts val="2133"/>
-              </a:spcAft>
-              <a:buNone/>
-            </a:pPr>
-            <a:endParaRPr b="1" dirty="0"/>
-          </a:p>
-        </p:txBody>
-      </p:sp>
-      <p:pic>
-        <p:nvPicPr>
-          <p:cNvPr id="228" name="Google Shape;228;p34"/>
-          <p:cNvPicPr preferRelativeResize="0"/>
-          <p:nvPr/>
-        </p:nvPicPr>
-        <p:blipFill>
-          <a:blip>
-            <a:alphaModFix/>
-          </a:blip>
-          <a:stretch>
-            <a:fillRect/>
-          </a:stretch>
-        </p:blipFill>
-        <p:spPr>
-          <a:xfrm>
-            <a:off x="4905534" y="692467"/>
-            <a:ext cx="6845300" cy="5308600"/>
-          </a:xfrm>
-          <a:prstGeom prst="rect">
-            <a:avLst/>
-          </a:prstGeom>
-          <a:noFill/>
-          <a:ln>
-            <a:noFill/>
-          </a:ln>
-        </p:spPr>
-      </p:pic>
-    </p:spTree>
-    <p:extLst>
-      <p:ext uri="{BB962C8B-B14F-4D97-AF65-F5344CB8AC3E}">
-        <p14:creationId xmlns:p14="http://schemas.microsoft.com/office/powerpoint/2010/main" val="3639905030"/>
-      </p:ext>
-    </p:extLst>
-  </p:cSld>
-  <p:clrMapOvr>
-    <a:masterClrMapping/>
-  </p:clrMapOvr>
-</p:sld>
-</file>
-
-<file path=ppt/slides/slide16.xml><?xml version="1.0" encoding="utf-8"?>
-<p:sld xmlns:a="http://schemas.openxmlformats.org/drawingml/2006/main" xmlns:r="http://schemas.openxmlformats.org/officeDocument/2006/relationships" xmlns:p="http://schemas.openxmlformats.org/presentationml/2006/main">
-  <p:cSld>
-    <p:spTree>
-      <p:nvGrpSpPr>
-        <p:cNvPr id="1" name="Shape 232"/>
-        <p:cNvGrpSpPr/>
-        <p:nvPr/>
-      </p:nvGrpSpPr>
-      <p:grpSpPr>
-        <a:xfrm>
-          <a:off x="0" y="0"/>
-          <a:ext cx="0" cy="0"/>
-          <a:chOff x="0" y="0"/>
-          <a:chExt cx="0" cy="0"/>
-        </a:xfrm>
-      </p:grpSpPr>
-      <p:sp>
-        <p:nvSpPr>
-          <p:cNvPr id="233" name="Google Shape;233;p35"/>
-          <p:cNvSpPr txBox="1">
-            <a:spLocks noGrp="1"/>
-          </p:cNvSpPr>
-          <p:nvPr>
-            <p:ph type="title"/>
-          </p:nvPr>
-        </p:nvSpPr>
-        <p:spPr>
-          <a:xfrm>
-            <a:off x="415600" y="496667"/>
-            <a:ext cx="11360800" cy="978000"/>
-          </a:xfrm>
-          <a:prstGeom prst="rect">
-            <a:avLst/>
-          </a:prstGeom>
-        </p:spPr>
-        <p:txBody>
-          <a:bodyPr spcFirstLastPara="1" wrap="square" lIns="121897" tIns="121897" rIns="121897" bIns="121897" anchor="b" anchorCtr="0">
-            <a:noAutofit/>
-          </a:bodyPr>
-          <a:lstStyle/>
-          <a:p>
-            <a:pPr algn="ctr"/>
-            <a:r>
-              <a:rPr lang="es"/>
-              <a:t>¿“Las gráficas que no parten del valor 0 son *”?</a:t>
-            </a:r>
-            <a:endParaRPr/>
-          </a:p>
-        </p:txBody>
-      </p:sp>
-      <p:sp>
-        <p:nvSpPr>
-          <p:cNvPr id="234" name="Google Shape;234;p35"/>
-          <p:cNvSpPr txBox="1">
-            <a:spLocks noGrp="1"/>
-          </p:cNvSpPr>
-          <p:nvPr>
-            <p:ph type="body" idx="1"/>
-          </p:nvPr>
-        </p:nvSpPr>
-        <p:spPr>
-          <a:xfrm>
-            <a:off x="415600" y="1958433"/>
-            <a:ext cx="11360800" cy="4133200"/>
-          </a:xfrm>
-          <a:prstGeom prst="rect">
-            <a:avLst/>
-          </a:prstGeom>
-        </p:spPr>
-        <p:txBody>
-          <a:bodyPr spcFirstLastPara="1" wrap="square" lIns="121897" tIns="121897" rIns="121897" bIns="121897" anchor="t" anchorCtr="0">
-            <a:noAutofit/>
-          </a:bodyPr>
-          <a:lstStyle/>
-          <a:p>
-            <a:pPr marL="0" indent="0" algn="ctr">
-              <a:buNone/>
-            </a:pPr>
-            <a:endParaRPr b="1"/>
-          </a:p>
-          <a:p>
-            <a:pPr marL="0" indent="0" algn="ctr">
-              <a:spcBef>
-                <a:spcPts val="2133"/>
-              </a:spcBef>
-              <a:buNone/>
-            </a:pPr>
-            <a:endParaRPr b="1"/>
-          </a:p>
-          <a:p>
-            <a:pPr marL="0" indent="0" algn="ctr">
-              <a:spcBef>
-                <a:spcPts val="2133"/>
-              </a:spcBef>
-              <a:spcAft>
-                <a:spcPts val="2133"/>
-              </a:spcAft>
-              <a:buNone/>
-            </a:pPr>
-            <a:r>
-              <a:rPr lang="es" sz="4800" b="1" i="1" u="sng">
-                <a:latin typeface="Comic Sans MS"/>
-                <a:ea typeface="Comic Sans MS"/>
-                <a:cs typeface="Comic Sans MS"/>
-                <a:sym typeface="Comic Sans MS"/>
-              </a:rPr>
-              <a:t>No necesariamente</a:t>
-            </a:r>
-            <a:endParaRPr sz="4800" b="1" i="1" u="sng">
-              <a:latin typeface="Comic Sans MS"/>
-              <a:ea typeface="Comic Sans MS"/>
-              <a:cs typeface="Comic Sans MS"/>
-              <a:sym typeface="Comic Sans MS"/>
-            </a:endParaRPr>
-          </a:p>
-        </p:txBody>
-      </p:sp>
-    </p:spTree>
-    <p:extLst>
-      <p:ext uri="{BB962C8B-B14F-4D97-AF65-F5344CB8AC3E}">
-        <p14:creationId xmlns:p14="http://schemas.microsoft.com/office/powerpoint/2010/main" val="3725451149"/>
-      </p:ext>
-    </p:extLst>
-  </p:cSld>
-  <p:clrMapOvr>
-    <a:masterClrMapping/>
-  </p:clrMapOvr>
-</p:sld>
-</file>
-
-<file path=ppt/slides/slide17.xml><?xml version="1.0" encoding="utf-8"?>
-<p:sld xmlns:a="http://schemas.openxmlformats.org/drawingml/2006/main" xmlns:r="http://schemas.openxmlformats.org/officeDocument/2006/relationships" xmlns:p="http://schemas.openxmlformats.org/presentationml/2006/main">
-  <p:cSld>
-    <p:spTree>
-      <p:nvGrpSpPr>
-        <p:cNvPr id="1" name="Shape 238"/>
-        <p:cNvGrpSpPr/>
-        <p:nvPr/>
-      </p:nvGrpSpPr>
-      <p:grpSpPr>
-        <a:xfrm>
-          <a:off x="0" y="0"/>
-          <a:ext cx="0" cy="0"/>
-          <a:chOff x="0" y="0"/>
-          <a:chExt cx="0" cy="0"/>
-        </a:xfrm>
-      </p:grpSpPr>
-      <p:sp>
-        <p:nvSpPr>
-          <p:cNvPr id="239" name="Google Shape;239;p36"/>
-          <p:cNvSpPr txBox="1">
-            <a:spLocks noGrp="1"/>
-          </p:cNvSpPr>
-          <p:nvPr>
-            <p:ph type="title"/>
-          </p:nvPr>
-        </p:nvSpPr>
-        <p:spPr>
-          <a:xfrm>
-            <a:off x="415600" y="496667"/>
-            <a:ext cx="11360800" cy="978000"/>
-          </a:xfrm>
-          <a:prstGeom prst="rect">
-            <a:avLst/>
-          </a:prstGeom>
-        </p:spPr>
-        <p:txBody>
-          <a:bodyPr spcFirstLastPara="1" wrap="square" lIns="121897" tIns="121897" rIns="121897" bIns="121897" anchor="b" anchorCtr="0">
-            <a:noAutofit/>
-          </a:bodyPr>
-          <a:lstStyle/>
-          <a:p>
-            <a:endParaRPr/>
-          </a:p>
-          <a:p>
-            <a:endParaRPr/>
-          </a:p>
-        </p:txBody>
-      </p:sp>
-      <p:sp>
-        <p:nvSpPr>
-          <p:cNvPr id="240" name="Google Shape;240;p36"/>
-          <p:cNvSpPr txBox="1">
-            <a:spLocks noGrp="1"/>
-          </p:cNvSpPr>
-          <p:nvPr>
-            <p:ph type="body" idx="1"/>
-          </p:nvPr>
-        </p:nvSpPr>
-        <p:spPr>
-          <a:xfrm>
-            <a:off x="415600" y="1958433"/>
-            <a:ext cx="2725600" cy="4133200"/>
-          </a:xfrm>
-          <a:prstGeom prst="rect">
-            <a:avLst/>
-          </a:prstGeom>
-        </p:spPr>
-        <p:txBody>
-          <a:bodyPr spcFirstLastPara="1" wrap="square" lIns="121897" tIns="121897" rIns="121897" bIns="121897" anchor="t" anchorCtr="0">
-            <a:noAutofit/>
-          </a:bodyPr>
-          <a:lstStyle/>
-          <a:p>
-            <a:pPr marL="0" indent="0" algn="ctr">
-              <a:spcAft>
-                <a:spcPts val="2133"/>
-              </a:spcAft>
-              <a:buNone/>
-            </a:pPr>
-            <a:r>
-              <a:rPr lang="es" sz="1900"/>
-              <a:t>Omitir el valor 0 </a:t>
-            </a:r>
-            <a:r>
-              <a:rPr lang="es" sz="1900" b="1"/>
-              <a:t>tiene sentido cuando</a:t>
-            </a:r>
-            <a:r>
-              <a:rPr lang="es" sz="1900"/>
-              <a:t> lo que nos interesa observar es la </a:t>
-            </a:r>
-            <a:r>
-              <a:rPr lang="es" sz="1900" b="1"/>
-              <a:t>tendencia</a:t>
-            </a:r>
-            <a:r>
-              <a:rPr lang="es" sz="1900"/>
-              <a:t> de nuestra variable dependiente a cambiar conforme cambia la variable independiente.</a:t>
-            </a:r>
-            <a:endParaRPr sz="1900"/>
-          </a:p>
-        </p:txBody>
-      </p:sp>
-      <p:pic>
-        <p:nvPicPr>
-          <p:cNvPr id="241" name="Google Shape;241;p36"/>
-          <p:cNvPicPr preferRelativeResize="0"/>
-          <p:nvPr/>
-        </p:nvPicPr>
-        <p:blipFill>
-          <a:blip r:embed="rId3">
-            <a:alphaModFix/>
-          </a:blip>
-          <a:stretch>
-            <a:fillRect/>
-          </a:stretch>
-        </p:blipFill>
-        <p:spPr>
-          <a:xfrm>
-            <a:off x="3219751" y="44434"/>
-            <a:ext cx="8877300" cy="6769100"/>
-          </a:xfrm>
-          <a:prstGeom prst="rect">
-            <a:avLst/>
-          </a:prstGeom>
-          <a:noFill/>
-          <a:ln>
-            <a:noFill/>
-          </a:ln>
-        </p:spPr>
-      </p:pic>
-    </p:spTree>
-    <p:extLst>
-      <p:ext uri="{BB962C8B-B14F-4D97-AF65-F5344CB8AC3E}">
-        <p14:creationId xmlns:p14="http://schemas.microsoft.com/office/powerpoint/2010/main" val="3099882357"/>
-      </p:ext>
-    </p:extLst>
-  </p:cSld>
-  <p:clrMapOvr>
-    <a:masterClrMapping/>
-  </p:clrMapOvr>
-</p:sld>
-</file>
-
-<file path=ppt/slides/slide18.xml><?xml version="1.0" encoding="utf-8"?>
-<p:sld xmlns:a="http://schemas.openxmlformats.org/drawingml/2006/main" xmlns:r="http://schemas.openxmlformats.org/officeDocument/2006/relationships" xmlns:p="http://schemas.openxmlformats.org/presentationml/2006/main">
-  <p:cSld>
-    <p:spTree>
-      <p:nvGrpSpPr>
-        <p:cNvPr id="1" name="Shape 245"/>
-        <p:cNvGrpSpPr/>
-        <p:nvPr/>
-      </p:nvGrpSpPr>
-      <p:grpSpPr>
-        <a:xfrm>
-          <a:off x="0" y="0"/>
-          <a:ext cx="0" cy="0"/>
-          <a:chOff x="0" y="0"/>
-          <a:chExt cx="0" cy="0"/>
-        </a:xfrm>
-      </p:grpSpPr>
-      <p:sp>
-        <p:nvSpPr>
-          <p:cNvPr id="246" name="Google Shape;246;p37"/>
-          <p:cNvSpPr txBox="1">
-            <a:spLocks noGrp="1"/>
-          </p:cNvSpPr>
-          <p:nvPr>
-            <p:ph type="title"/>
-          </p:nvPr>
-        </p:nvSpPr>
-        <p:spPr>
-          <a:xfrm>
-            <a:off x="415600" y="496667"/>
-            <a:ext cx="11360800" cy="978000"/>
-          </a:xfrm>
-          <a:prstGeom prst="rect">
-            <a:avLst/>
-          </a:prstGeom>
-        </p:spPr>
-        <p:txBody>
-          <a:bodyPr spcFirstLastPara="1" wrap="square" lIns="121897" tIns="121897" rIns="121897" bIns="121897" anchor="b" anchorCtr="0">
-            <a:noAutofit/>
-          </a:bodyPr>
-          <a:lstStyle/>
-          <a:p>
-            <a:pPr algn="ctr"/>
-            <a:r>
-              <a:rPr lang="es"/>
-              <a:t>¿Omitir el valor 0 es bueno o malo? </a:t>
-            </a:r>
-            <a:endParaRPr/>
-          </a:p>
-        </p:txBody>
-      </p:sp>
-      <p:sp>
-        <p:nvSpPr>
-          <p:cNvPr id="247" name="Google Shape;247;p37"/>
-          <p:cNvSpPr txBox="1">
-            <a:spLocks noGrp="1"/>
-          </p:cNvSpPr>
-          <p:nvPr>
-            <p:ph type="body" idx="1"/>
-          </p:nvPr>
-        </p:nvSpPr>
-        <p:spPr>
-          <a:xfrm>
-            <a:off x="415600" y="1859733"/>
-            <a:ext cx="5333200" cy="4133200"/>
-          </a:xfrm>
-          <a:prstGeom prst="rect">
-            <a:avLst/>
-          </a:prstGeom>
-        </p:spPr>
-        <p:txBody>
-          <a:bodyPr spcFirstLastPara="1" wrap="square" lIns="121897" tIns="121897" rIns="121897" bIns="121897" anchor="t" anchorCtr="0">
-            <a:noAutofit/>
-          </a:bodyPr>
-          <a:lstStyle/>
-          <a:p>
-            <a:pPr marL="0" indent="0">
-              <a:buNone/>
-            </a:pPr>
-            <a:r>
-              <a:rPr lang="es"/>
-              <a:t>Es </a:t>
-            </a:r>
-            <a:r>
-              <a:rPr lang="es" b="1"/>
-              <a:t>malo</a:t>
-            </a:r>
-            <a:r>
-              <a:rPr lang="es"/>
-              <a:t> cuando…</a:t>
-            </a:r>
-            <a:endParaRPr/>
-          </a:p>
-          <a:p>
-            <a:pPr marL="0" indent="0">
-              <a:spcBef>
-                <a:spcPts val="2133"/>
-              </a:spcBef>
-              <a:buNone/>
-            </a:pPr>
-            <a:r>
-              <a:rPr lang="es"/>
-              <a:t>Se promueve que los lectores salten a las conclusiones erróneas acentuando injustificadamente la diferencia entre dos grupos a comparar (variables categóricas)</a:t>
-            </a:r>
-            <a:endParaRPr/>
-          </a:p>
-          <a:p>
-            <a:pPr marL="0" indent="0">
-              <a:spcBef>
-                <a:spcPts val="2133"/>
-              </a:spcBef>
-              <a:buNone/>
-            </a:pPr>
-            <a:r>
-              <a:rPr lang="es" b="1"/>
-              <a:t>En otras palabras, las Gráficas de Barras e Histogramas siempre </a:t>
-            </a:r>
-            <a:r>
-              <a:rPr lang="es" b="1" u="sng"/>
-              <a:t>deben partir de 0</a:t>
-            </a:r>
-            <a:endParaRPr b="1" u="sng"/>
-          </a:p>
-          <a:p>
-            <a:pPr indent="0">
-              <a:spcBef>
-                <a:spcPts val="2133"/>
-              </a:spcBef>
-              <a:spcAft>
-                <a:spcPts val="2133"/>
-              </a:spcAft>
-              <a:buNone/>
-            </a:pPr>
-            <a:endParaRPr/>
-          </a:p>
-        </p:txBody>
-      </p:sp>
-    </p:spTree>
-    <p:extLst>
-      <p:ext uri="{BB962C8B-B14F-4D97-AF65-F5344CB8AC3E}">
-        <p14:creationId xmlns:p14="http://schemas.microsoft.com/office/powerpoint/2010/main" val="3084643525"/>
-      </p:ext>
-    </p:extLst>
-  </p:cSld>
-  <p:clrMapOvr>
-    <a:masterClrMapping/>
-  </p:clrMapOvr>
-</p:sld>
-</file>
-
-<file path=ppt/slides/slide19.xml><?xml version="1.0" encoding="utf-8"?>
-<p:sld xmlns:a="http://schemas.openxmlformats.org/drawingml/2006/main" xmlns:r="http://schemas.openxmlformats.org/officeDocument/2006/relationships" xmlns:p="http://schemas.openxmlformats.org/presentationml/2006/main">
-  <p:cSld>
-    <p:spTree>
-      <p:nvGrpSpPr>
-        <p:cNvPr id="1" name="Shape 251"/>
-        <p:cNvGrpSpPr/>
-        <p:nvPr/>
-      </p:nvGrpSpPr>
-      <p:grpSpPr>
-        <a:xfrm>
-          <a:off x="0" y="0"/>
-          <a:ext cx="0" cy="0"/>
-          <a:chOff x="0" y="0"/>
-          <a:chExt cx="0" cy="0"/>
-        </a:xfrm>
-      </p:grpSpPr>
-      <p:sp>
-        <p:nvSpPr>
-          <p:cNvPr id="252" name="Google Shape;252;p38"/>
-          <p:cNvSpPr txBox="1">
-            <a:spLocks noGrp="1"/>
-          </p:cNvSpPr>
-          <p:nvPr>
-            <p:ph type="title"/>
-          </p:nvPr>
-        </p:nvSpPr>
-        <p:spPr>
-          <a:xfrm>
-            <a:off x="428126" y="956112"/>
-            <a:ext cx="3744000" cy="1007600"/>
-          </a:xfrm>
-          <a:prstGeom prst="rect">
-            <a:avLst/>
-          </a:prstGeom>
-        </p:spPr>
-        <p:txBody>
-          <a:bodyPr spcFirstLastPara="1" wrap="square" lIns="121897" tIns="121897" rIns="121897" bIns="121897" anchor="b" anchorCtr="0">
-            <a:noAutofit/>
-          </a:bodyPr>
-          <a:lstStyle/>
-          <a:p>
-            <a:r>
-              <a:rPr lang="es" b="1" dirty="0"/>
-              <a:t>Ejemplo: </a:t>
-            </a:r>
-            <a:endParaRPr b="1" dirty="0"/>
-          </a:p>
-        </p:txBody>
-      </p:sp>
-      <p:sp>
-        <p:nvSpPr>
-          <p:cNvPr id="253" name="Google Shape;253;p38"/>
-          <p:cNvSpPr txBox="1">
-            <a:spLocks noGrp="1"/>
-          </p:cNvSpPr>
-          <p:nvPr>
-            <p:ph type="body" idx="1"/>
-          </p:nvPr>
-        </p:nvSpPr>
-        <p:spPr>
-          <a:xfrm>
-            <a:off x="415600" y="2667439"/>
-            <a:ext cx="3744000" cy="3934400"/>
-          </a:xfrm>
-          <a:prstGeom prst="rect">
-            <a:avLst/>
-          </a:prstGeom>
-        </p:spPr>
-        <p:txBody>
-          <a:bodyPr spcFirstLastPara="1" wrap="square" lIns="121897" tIns="121897" rIns="121897" bIns="121897" anchor="t" anchorCtr="0">
-            <a:noAutofit/>
-          </a:bodyPr>
-          <a:lstStyle/>
-          <a:p>
-            <a:pPr marL="0" indent="0">
-              <a:spcAft>
-                <a:spcPts val="2133"/>
-              </a:spcAft>
-              <a:buNone/>
-            </a:pPr>
-            <a:endParaRPr dirty="0"/>
-          </a:p>
-        </p:txBody>
-      </p:sp>
-      <p:pic>
-        <p:nvPicPr>
-          <p:cNvPr id="254" name="Google Shape;254;p38"/>
-          <p:cNvPicPr preferRelativeResize="0"/>
-          <p:nvPr/>
-        </p:nvPicPr>
-        <p:blipFill>
-          <a:blip r:embed="rId3">
-            <a:alphaModFix/>
-          </a:blip>
-          <a:stretch>
-            <a:fillRect/>
-          </a:stretch>
-        </p:blipFill>
-        <p:spPr>
-          <a:xfrm>
-            <a:off x="4620734" y="1850000"/>
-            <a:ext cx="6992833" cy="3349867"/>
-          </a:xfrm>
-          <a:prstGeom prst="rect">
-            <a:avLst/>
-          </a:prstGeom>
-          <a:noFill/>
-          <a:ln>
-            <a:noFill/>
-          </a:ln>
-        </p:spPr>
-      </p:pic>
-    </p:spTree>
-    <p:extLst>
-      <p:ext uri="{BB962C8B-B14F-4D97-AF65-F5344CB8AC3E}">
-        <p14:creationId xmlns:p14="http://schemas.microsoft.com/office/powerpoint/2010/main" val="2278431514"/>
       </p:ext>
     </p:extLst>
   </p:cSld>
@@ -12098,141 +12340,6 @@
   <p:cSld>
     <p:spTree>
       <p:nvGrpSpPr>
-        <p:cNvPr id="1" name="Shape 258"/>
-        <p:cNvGrpSpPr/>
-        <p:nvPr/>
-      </p:nvGrpSpPr>
-      <p:grpSpPr>
-        <a:xfrm>
-          <a:off x="0" y="0"/>
-          <a:ext cx="0" cy="0"/>
-          <a:chOff x="0" y="0"/>
-          <a:chExt cx="0" cy="0"/>
-        </a:xfrm>
-      </p:grpSpPr>
-      <p:sp>
-        <p:nvSpPr>
-          <p:cNvPr id="259" name="Google Shape;259;p39"/>
-          <p:cNvSpPr txBox="1">
-            <a:spLocks noGrp="1"/>
-          </p:cNvSpPr>
-          <p:nvPr>
-            <p:ph type="title"/>
-          </p:nvPr>
-        </p:nvSpPr>
-        <p:spPr>
-          <a:xfrm>
-            <a:off x="415600" y="1714033"/>
-            <a:ext cx="3482000" cy="1007600"/>
-          </a:xfrm>
-          <a:prstGeom prst="rect">
-            <a:avLst/>
-          </a:prstGeom>
-        </p:spPr>
-        <p:txBody>
-          <a:bodyPr spcFirstLastPara="1" wrap="square" lIns="121897" tIns="121897" rIns="121897" bIns="121897" anchor="b" anchorCtr="0">
-            <a:noAutofit/>
-          </a:bodyPr>
-          <a:lstStyle/>
-          <a:p>
-            <a:r>
-              <a:rPr lang="es" b="1" dirty="0"/>
-              <a:t>Ejemplo: </a:t>
-            </a:r>
-            <a:endParaRPr b="1" dirty="0"/>
-          </a:p>
-        </p:txBody>
-      </p:sp>
-      <p:sp>
-        <p:nvSpPr>
-          <p:cNvPr id="260" name="Google Shape;260;p39"/>
-          <p:cNvSpPr txBox="1">
-            <a:spLocks noGrp="1"/>
-          </p:cNvSpPr>
-          <p:nvPr>
-            <p:ph type="body" idx="1"/>
-          </p:nvPr>
-        </p:nvSpPr>
-        <p:spPr>
-          <a:xfrm>
-            <a:off x="415600" y="3223435"/>
-            <a:ext cx="3744000" cy="3411200"/>
-          </a:xfrm>
-          <a:prstGeom prst="rect">
-            <a:avLst/>
-          </a:prstGeom>
-        </p:spPr>
-        <p:txBody>
-          <a:bodyPr spcFirstLastPara="1" wrap="square" lIns="121897" tIns="121897" rIns="121897" bIns="121897" anchor="t" anchorCtr="0">
-            <a:noAutofit/>
-          </a:bodyPr>
-          <a:lstStyle/>
-          <a:p>
-            <a:pPr marL="0" indent="0">
-              <a:buNone/>
-            </a:pPr>
-            <a:endParaRPr/>
-          </a:p>
-          <a:p>
-            <a:pPr marL="0" indent="0">
-              <a:spcBef>
-                <a:spcPts val="2133"/>
-              </a:spcBef>
-              <a:spcAft>
-                <a:spcPts val="2133"/>
-              </a:spcAft>
-              <a:buNone/>
-            </a:pPr>
-            <a:endParaRPr/>
-          </a:p>
-        </p:txBody>
-      </p:sp>
-      <p:pic>
-        <p:nvPicPr>
-          <p:cNvPr id="261" name="Google Shape;261;p39"/>
-          <p:cNvPicPr preferRelativeResize="0"/>
-          <p:nvPr/>
-        </p:nvPicPr>
-        <p:blipFill>
-          <a:blip r:embed="rId3">
-            <a:alphaModFix/>
-          </a:blip>
-          <a:stretch>
-            <a:fillRect/>
-          </a:stretch>
-        </p:blipFill>
-        <p:spPr>
-          <a:xfrm>
-            <a:off x="5579801" y="246501"/>
-            <a:ext cx="5669300" cy="6203033"/>
-          </a:xfrm>
-          <a:prstGeom prst="rect">
-            <a:avLst/>
-          </a:prstGeom>
-          <a:noFill/>
-          <a:ln>
-            <a:noFill/>
-          </a:ln>
-        </p:spPr>
-      </p:pic>
-    </p:spTree>
-    <p:extLst>
-      <p:ext uri="{BB962C8B-B14F-4D97-AF65-F5344CB8AC3E}">
-        <p14:creationId xmlns:p14="http://schemas.microsoft.com/office/powerpoint/2010/main" val="999209310"/>
-      </p:ext>
-    </p:extLst>
-  </p:cSld>
-  <p:clrMapOvr>
-    <a:masterClrMapping/>
-  </p:clrMapOvr>
-</p:sld>
-</file>
-
-<file path=ppt/slides/slide21.xml><?xml version="1.0" encoding="utf-8"?>
-<p:sld xmlns:a="http://schemas.openxmlformats.org/drawingml/2006/main" xmlns:r="http://schemas.openxmlformats.org/officeDocument/2006/relationships" xmlns:p="http://schemas.openxmlformats.org/presentationml/2006/main">
-  <p:cSld>
-    <p:spTree>
-      <p:nvGrpSpPr>
         <p:cNvPr id="1" name="Shape 265"/>
         <p:cNvGrpSpPr/>
         <p:nvPr/>
@@ -12344,7 +12451,7 @@
     </p:spTree>
     <p:extLst>
       <p:ext uri="{BB962C8B-B14F-4D97-AF65-F5344CB8AC3E}">
-        <p14:creationId xmlns:p14="http://schemas.microsoft.com/office/powerpoint/2010/main" val="2427498929"/>
+        <p14:creationId xmlns:p14="http://schemas.microsoft.com/office/powerpoint/2010/main" val="325023247"/>
       </p:ext>
     </p:extLst>
   </p:cSld>
@@ -12354,7 +12461,7 @@
 </p:sld>
 </file>
 
-<file path=ppt/slides/slide22.xml><?xml version="1.0" encoding="utf-8"?>
+<file path=ppt/slides/slide21.xml><?xml version="1.0" encoding="utf-8"?>
 <p:sld xmlns:a="http://schemas.openxmlformats.org/drawingml/2006/main" xmlns:r="http://schemas.openxmlformats.org/officeDocument/2006/relationships" xmlns:p="http://schemas.openxmlformats.org/presentationml/2006/main">
   <p:cSld>
     <p:spTree>
@@ -12454,7 +12561,138 @@
     </p:spTree>
     <p:extLst>
       <p:ext uri="{BB962C8B-B14F-4D97-AF65-F5344CB8AC3E}">
-        <p14:creationId xmlns:p14="http://schemas.microsoft.com/office/powerpoint/2010/main" val="2447218394"/>
+        <p14:creationId xmlns:p14="http://schemas.microsoft.com/office/powerpoint/2010/main" val="4254420113"/>
+      </p:ext>
+    </p:extLst>
+  </p:cSld>
+  <p:clrMapOvr>
+    <a:masterClrMapping/>
+  </p:clrMapOvr>
+</p:sld>
+</file>
+
+<file path=ppt/slides/slide22.xml><?xml version="1.0" encoding="utf-8"?>
+<p:sld xmlns:a="http://schemas.openxmlformats.org/drawingml/2006/main" xmlns:r="http://schemas.openxmlformats.org/officeDocument/2006/relationships" xmlns:p="http://schemas.openxmlformats.org/presentationml/2006/main">
+  <p:cSld>
+    <p:spTree>
+      <p:nvGrpSpPr>
+        <p:cNvPr id="1" name="Shape 232"/>
+        <p:cNvGrpSpPr/>
+        <p:nvPr/>
+      </p:nvGrpSpPr>
+      <p:grpSpPr>
+        <a:xfrm>
+          <a:off x="0" y="0"/>
+          <a:ext cx="0" cy="0"/>
+          <a:chOff x="0" y="0"/>
+          <a:chExt cx="0" cy="0"/>
+        </a:xfrm>
+      </p:grpSpPr>
+      <p:sp>
+        <p:nvSpPr>
+          <p:cNvPr id="233" name="Google Shape;233;p35"/>
+          <p:cNvSpPr txBox="1">
+            <a:spLocks noGrp="1"/>
+          </p:cNvSpPr>
+          <p:nvPr>
+            <p:ph type="title"/>
+          </p:nvPr>
+        </p:nvSpPr>
+        <p:spPr>
+          <a:xfrm>
+            <a:off x="415600" y="496667"/>
+            <a:ext cx="11360800" cy="978000"/>
+          </a:xfrm>
+          <a:prstGeom prst="rect">
+            <a:avLst/>
+          </a:prstGeom>
+        </p:spPr>
+        <p:txBody>
+          <a:bodyPr spcFirstLastPara="1" wrap="square" lIns="121897" tIns="121897" rIns="121897" bIns="121897" anchor="b" anchorCtr="0">
+            <a:noAutofit/>
+          </a:bodyPr>
+          <a:lstStyle/>
+          <a:p>
+            <a:pPr algn="ctr"/>
+            <a:r>
+              <a:rPr lang="es"/>
+              <a:t>¿“Las gráficas que no parten del valor 0 son *”?</a:t>
+            </a:r>
+            <a:endParaRPr/>
+          </a:p>
+        </p:txBody>
+      </p:sp>
+      <p:sp>
+        <p:nvSpPr>
+          <p:cNvPr id="234" name="Google Shape;234;p35"/>
+          <p:cNvSpPr txBox="1">
+            <a:spLocks noGrp="1"/>
+          </p:cNvSpPr>
+          <p:nvPr>
+            <p:ph type="body" idx="1"/>
+          </p:nvPr>
+        </p:nvSpPr>
+        <p:spPr>
+          <a:xfrm>
+            <a:off x="415600" y="1958433"/>
+            <a:ext cx="11360800" cy="4133200"/>
+          </a:xfrm>
+          <a:prstGeom prst="rect">
+            <a:avLst/>
+          </a:prstGeom>
+        </p:spPr>
+        <p:txBody>
+          <a:bodyPr spcFirstLastPara="1" wrap="square" lIns="121897" tIns="121897" rIns="121897" bIns="121897" anchor="t" anchorCtr="0">
+            <a:noAutofit/>
+          </a:bodyPr>
+          <a:lstStyle/>
+          <a:p>
+            <a:pPr marL="0" indent="0" algn="ctr">
+              <a:buNone/>
+            </a:pPr>
+            <a:endParaRPr b="1"/>
+          </a:p>
+          <a:p>
+            <a:pPr marL="0" indent="0" algn="ctr">
+              <a:spcBef>
+                <a:spcPts val="2133"/>
+              </a:spcBef>
+              <a:buNone/>
+            </a:pPr>
+            <a:endParaRPr b="1"/>
+          </a:p>
+          <a:p>
+            <a:pPr marL="0" indent="0" algn="ctr">
+              <a:spcBef>
+                <a:spcPts val="2133"/>
+              </a:spcBef>
+              <a:spcAft>
+                <a:spcPts val="2133"/>
+              </a:spcAft>
+              <a:buNone/>
+            </a:pPr>
+            <a:r>
+              <a:rPr lang="es" sz="4800" b="1" i="1" u="sng">
+                <a:latin typeface="Comic Sans MS"/>
+                <a:ea typeface="Comic Sans MS"/>
+                <a:cs typeface="Comic Sans MS"/>
+                <a:sym typeface="Comic Sans MS"/>
+              </a:rPr>
+              <a:t>No necesariamente</a:t>
+            </a:r>
+            <a:endParaRPr sz="4800" b="1" i="1" u="sng">
+              <a:latin typeface="Comic Sans MS"/>
+              <a:ea typeface="Comic Sans MS"/>
+              <a:cs typeface="Comic Sans MS"/>
+              <a:sym typeface="Comic Sans MS"/>
+            </a:endParaRPr>
+          </a:p>
+        </p:txBody>
+      </p:sp>
+    </p:spTree>
+    <p:extLst>
+      <p:ext uri="{BB962C8B-B14F-4D97-AF65-F5344CB8AC3E}">
+        <p14:creationId xmlns:p14="http://schemas.microsoft.com/office/powerpoint/2010/main" val="3725451149"/>
       </p:ext>
     </p:extLst>
   </p:cSld>
@@ -12465,6 +12703,562 @@
 </file>
 
 <file path=ppt/slides/slide23.xml><?xml version="1.0" encoding="utf-8"?>
+<p:sld xmlns:a="http://schemas.openxmlformats.org/drawingml/2006/main" xmlns:r="http://schemas.openxmlformats.org/officeDocument/2006/relationships" xmlns:p="http://schemas.openxmlformats.org/presentationml/2006/main">
+  <p:cSld>
+    <p:spTree>
+      <p:nvGrpSpPr>
+        <p:cNvPr id="1" name="Shape 238"/>
+        <p:cNvGrpSpPr/>
+        <p:nvPr/>
+      </p:nvGrpSpPr>
+      <p:grpSpPr>
+        <a:xfrm>
+          <a:off x="0" y="0"/>
+          <a:ext cx="0" cy="0"/>
+          <a:chOff x="0" y="0"/>
+          <a:chExt cx="0" cy="0"/>
+        </a:xfrm>
+      </p:grpSpPr>
+      <p:sp>
+        <p:nvSpPr>
+          <p:cNvPr id="239" name="Google Shape;239;p36"/>
+          <p:cNvSpPr txBox="1">
+            <a:spLocks noGrp="1"/>
+          </p:cNvSpPr>
+          <p:nvPr>
+            <p:ph type="title"/>
+          </p:nvPr>
+        </p:nvSpPr>
+        <p:spPr>
+          <a:xfrm>
+            <a:off x="415600" y="496667"/>
+            <a:ext cx="11360800" cy="978000"/>
+          </a:xfrm>
+          <a:prstGeom prst="rect">
+            <a:avLst/>
+          </a:prstGeom>
+        </p:spPr>
+        <p:txBody>
+          <a:bodyPr spcFirstLastPara="1" wrap="square" lIns="121897" tIns="121897" rIns="121897" bIns="121897" anchor="b" anchorCtr="0">
+            <a:noAutofit/>
+          </a:bodyPr>
+          <a:lstStyle/>
+          <a:p>
+            <a:endParaRPr/>
+          </a:p>
+          <a:p>
+            <a:endParaRPr/>
+          </a:p>
+        </p:txBody>
+      </p:sp>
+      <p:sp>
+        <p:nvSpPr>
+          <p:cNvPr id="240" name="Google Shape;240;p36"/>
+          <p:cNvSpPr txBox="1">
+            <a:spLocks noGrp="1"/>
+          </p:cNvSpPr>
+          <p:nvPr>
+            <p:ph type="body" idx="1"/>
+          </p:nvPr>
+        </p:nvSpPr>
+        <p:spPr>
+          <a:xfrm>
+            <a:off x="415600" y="1958433"/>
+            <a:ext cx="2725600" cy="4133200"/>
+          </a:xfrm>
+          <a:prstGeom prst="rect">
+            <a:avLst/>
+          </a:prstGeom>
+        </p:spPr>
+        <p:txBody>
+          <a:bodyPr spcFirstLastPara="1" wrap="square" lIns="121897" tIns="121897" rIns="121897" bIns="121897" anchor="t" anchorCtr="0">
+            <a:noAutofit/>
+          </a:bodyPr>
+          <a:lstStyle/>
+          <a:p>
+            <a:pPr marL="0" indent="0" algn="ctr">
+              <a:spcAft>
+                <a:spcPts val="2133"/>
+              </a:spcAft>
+              <a:buNone/>
+            </a:pPr>
+            <a:r>
+              <a:rPr lang="es" sz="1900"/>
+              <a:t>Omitir el valor 0 </a:t>
+            </a:r>
+            <a:r>
+              <a:rPr lang="es" sz="1900" b="1"/>
+              <a:t>tiene sentido cuando</a:t>
+            </a:r>
+            <a:r>
+              <a:rPr lang="es" sz="1900"/>
+              <a:t> lo que nos interesa observar es la </a:t>
+            </a:r>
+            <a:r>
+              <a:rPr lang="es" sz="1900" b="1"/>
+              <a:t>tendencia</a:t>
+            </a:r>
+            <a:r>
+              <a:rPr lang="es" sz="1900"/>
+              <a:t> de nuestra variable dependiente a cambiar conforme cambia la variable independiente.</a:t>
+            </a:r>
+            <a:endParaRPr sz="1900"/>
+          </a:p>
+        </p:txBody>
+      </p:sp>
+      <p:pic>
+        <p:nvPicPr>
+          <p:cNvPr id="241" name="Google Shape;241;p36"/>
+          <p:cNvPicPr preferRelativeResize="0"/>
+          <p:nvPr/>
+        </p:nvPicPr>
+        <p:blipFill>
+          <a:blip r:embed="rId3">
+            <a:alphaModFix/>
+          </a:blip>
+          <a:stretch>
+            <a:fillRect/>
+          </a:stretch>
+        </p:blipFill>
+        <p:spPr>
+          <a:xfrm>
+            <a:off x="3219751" y="44434"/>
+            <a:ext cx="8877300" cy="6769100"/>
+          </a:xfrm>
+          <a:prstGeom prst="rect">
+            <a:avLst/>
+          </a:prstGeom>
+          <a:noFill/>
+          <a:ln>
+            <a:noFill/>
+          </a:ln>
+        </p:spPr>
+      </p:pic>
+    </p:spTree>
+    <p:extLst>
+      <p:ext uri="{BB962C8B-B14F-4D97-AF65-F5344CB8AC3E}">
+        <p14:creationId xmlns:p14="http://schemas.microsoft.com/office/powerpoint/2010/main" val="3099882357"/>
+      </p:ext>
+    </p:extLst>
+  </p:cSld>
+  <p:clrMapOvr>
+    <a:masterClrMapping/>
+  </p:clrMapOvr>
+</p:sld>
+</file>
+
+<file path=ppt/slides/slide24.xml><?xml version="1.0" encoding="utf-8"?>
+<p:sld xmlns:a="http://schemas.openxmlformats.org/drawingml/2006/main" xmlns:r="http://schemas.openxmlformats.org/officeDocument/2006/relationships" xmlns:p="http://schemas.openxmlformats.org/presentationml/2006/main">
+  <p:cSld>
+    <p:spTree>
+      <p:nvGrpSpPr>
+        <p:cNvPr id="1" name="Shape 245"/>
+        <p:cNvGrpSpPr/>
+        <p:nvPr/>
+      </p:nvGrpSpPr>
+      <p:grpSpPr>
+        <a:xfrm>
+          <a:off x="0" y="0"/>
+          <a:ext cx="0" cy="0"/>
+          <a:chOff x="0" y="0"/>
+          <a:chExt cx="0" cy="0"/>
+        </a:xfrm>
+      </p:grpSpPr>
+      <p:sp>
+        <p:nvSpPr>
+          <p:cNvPr id="246" name="Google Shape;246;p37"/>
+          <p:cNvSpPr txBox="1">
+            <a:spLocks noGrp="1"/>
+          </p:cNvSpPr>
+          <p:nvPr>
+            <p:ph type="title"/>
+          </p:nvPr>
+        </p:nvSpPr>
+        <p:spPr>
+          <a:xfrm>
+            <a:off x="415600" y="496667"/>
+            <a:ext cx="11360800" cy="978000"/>
+          </a:xfrm>
+          <a:prstGeom prst="rect">
+            <a:avLst/>
+          </a:prstGeom>
+        </p:spPr>
+        <p:txBody>
+          <a:bodyPr spcFirstLastPara="1" wrap="square" lIns="121897" tIns="121897" rIns="121897" bIns="121897" anchor="b" anchorCtr="0">
+            <a:noAutofit/>
+          </a:bodyPr>
+          <a:lstStyle/>
+          <a:p>
+            <a:pPr algn="ctr"/>
+            <a:r>
+              <a:rPr lang="es"/>
+              <a:t>¿Omitir el valor 0 es bueno o malo? </a:t>
+            </a:r>
+            <a:endParaRPr/>
+          </a:p>
+        </p:txBody>
+      </p:sp>
+      <p:sp>
+        <p:nvSpPr>
+          <p:cNvPr id="247" name="Google Shape;247;p37"/>
+          <p:cNvSpPr txBox="1">
+            <a:spLocks noGrp="1"/>
+          </p:cNvSpPr>
+          <p:nvPr>
+            <p:ph type="body" idx="1"/>
+          </p:nvPr>
+        </p:nvSpPr>
+        <p:spPr>
+          <a:xfrm>
+            <a:off x="415600" y="1859733"/>
+            <a:ext cx="5333200" cy="4133200"/>
+          </a:xfrm>
+          <a:prstGeom prst="rect">
+            <a:avLst/>
+          </a:prstGeom>
+        </p:spPr>
+        <p:txBody>
+          <a:bodyPr spcFirstLastPara="1" wrap="square" lIns="121897" tIns="121897" rIns="121897" bIns="121897" anchor="t" anchorCtr="0">
+            <a:noAutofit/>
+          </a:bodyPr>
+          <a:lstStyle/>
+          <a:p>
+            <a:pPr marL="0" indent="0">
+              <a:buNone/>
+            </a:pPr>
+            <a:r>
+              <a:rPr lang="es"/>
+              <a:t>Es </a:t>
+            </a:r>
+            <a:r>
+              <a:rPr lang="es" b="1"/>
+              <a:t>malo</a:t>
+            </a:r>
+            <a:r>
+              <a:rPr lang="es"/>
+              <a:t> cuando…</a:t>
+            </a:r>
+            <a:endParaRPr/>
+          </a:p>
+          <a:p>
+            <a:pPr marL="0" indent="0">
+              <a:spcBef>
+                <a:spcPts val="2133"/>
+              </a:spcBef>
+              <a:buNone/>
+            </a:pPr>
+            <a:r>
+              <a:rPr lang="es"/>
+              <a:t>Se promueve que los lectores salten a las conclusiones erróneas acentuando injustificadamente la diferencia entre dos grupos a comparar (variables categóricas)</a:t>
+            </a:r>
+            <a:endParaRPr/>
+          </a:p>
+          <a:p>
+            <a:pPr marL="0" indent="0">
+              <a:spcBef>
+                <a:spcPts val="2133"/>
+              </a:spcBef>
+              <a:buNone/>
+            </a:pPr>
+            <a:r>
+              <a:rPr lang="es" b="1"/>
+              <a:t>En otras palabras, las Gráficas de Barras e Histogramas siempre </a:t>
+            </a:r>
+            <a:r>
+              <a:rPr lang="es" b="1" u="sng"/>
+              <a:t>deben partir de 0</a:t>
+            </a:r>
+            <a:endParaRPr b="1" u="sng"/>
+          </a:p>
+          <a:p>
+            <a:pPr indent="0">
+              <a:spcBef>
+                <a:spcPts val="2133"/>
+              </a:spcBef>
+              <a:spcAft>
+                <a:spcPts val="2133"/>
+              </a:spcAft>
+              <a:buNone/>
+            </a:pPr>
+            <a:endParaRPr/>
+          </a:p>
+        </p:txBody>
+      </p:sp>
+    </p:spTree>
+    <p:extLst>
+      <p:ext uri="{BB962C8B-B14F-4D97-AF65-F5344CB8AC3E}">
+        <p14:creationId xmlns:p14="http://schemas.microsoft.com/office/powerpoint/2010/main" val="3084643525"/>
+      </p:ext>
+    </p:extLst>
+  </p:cSld>
+  <p:clrMapOvr>
+    <a:masterClrMapping/>
+  </p:clrMapOvr>
+</p:sld>
+</file>
+
+<file path=ppt/slides/slide25.xml><?xml version="1.0" encoding="utf-8"?>
+<p:sld xmlns:a="http://schemas.openxmlformats.org/drawingml/2006/main" xmlns:r="http://schemas.openxmlformats.org/officeDocument/2006/relationships" xmlns:p="http://schemas.openxmlformats.org/presentationml/2006/main">
+  <p:cSld>
+    <p:spTree>
+      <p:nvGrpSpPr>
+        <p:cNvPr id="1" name="Shape 251"/>
+        <p:cNvGrpSpPr/>
+        <p:nvPr/>
+      </p:nvGrpSpPr>
+      <p:grpSpPr>
+        <a:xfrm>
+          <a:off x="0" y="0"/>
+          <a:ext cx="0" cy="0"/>
+          <a:chOff x="0" y="0"/>
+          <a:chExt cx="0" cy="0"/>
+        </a:xfrm>
+      </p:grpSpPr>
+      <p:sp>
+        <p:nvSpPr>
+          <p:cNvPr id="252" name="Google Shape;252;p38"/>
+          <p:cNvSpPr txBox="1">
+            <a:spLocks noGrp="1"/>
+          </p:cNvSpPr>
+          <p:nvPr>
+            <p:ph type="title"/>
+          </p:nvPr>
+        </p:nvSpPr>
+        <p:spPr>
+          <a:xfrm>
+            <a:off x="428126" y="956112"/>
+            <a:ext cx="3744000" cy="1007600"/>
+          </a:xfrm>
+          <a:prstGeom prst="rect">
+            <a:avLst/>
+          </a:prstGeom>
+        </p:spPr>
+        <p:txBody>
+          <a:bodyPr spcFirstLastPara="1" wrap="square" lIns="121897" tIns="121897" rIns="121897" bIns="121897" anchor="b" anchorCtr="0">
+            <a:noAutofit/>
+          </a:bodyPr>
+          <a:lstStyle/>
+          <a:p>
+            <a:r>
+              <a:rPr lang="es" b="1" dirty="0"/>
+              <a:t>Ejemplo: </a:t>
+            </a:r>
+            <a:endParaRPr b="1" dirty="0"/>
+          </a:p>
+        </p:txBody>
+      </p:sp>
+      <p:sp>
+        <p:nvSpPr>
+          <p:cNvPr id="253" name="Google Shape;253;p38"/>
+          <p:cNvSpPr txBox="1">
+            <a:spLocks noGrp="1"/>
+          </p:cNvSpPr>
+          <p:nvPr>
+            <p:ph type="body" idx="1"/>
+          </p:nvPr>
+        </p:nvSpPr>
+        <p:spPr>
+          <a:xfrm>
+            <a:off x="415600" y="2667439"/>
+            <a:ext cx="3744000" cy="3934400"/>
+          </a:xfrm>
+          <a:prstGeom prst="rect">
+            <a:avLst/>
+          </a:prstGeom>
+        </p:spPr>
+        <p:txBody>
+          <a:bodyPr spcFirstLastPara="1" wrap="square" lIns="121897" tIns="121897" rIns="121897" bIns="121897" anchor="t" anchorCtr="0">
+            <a:noAutofit/>
+          </a:bodyPr>
+          <a:lstStyle/>
+          <a:p>
+            <a:pPr marL="0" indent="0">
+              <a:spcAft>
+                <a:spcPts val="2133"/>
+              </a:spcAft>
+              <a:buNone/>
+            </a:pPr>
+            <a:endParaRPr dirty="0"/>
+          </a:p>
+        </p:txBody>
+      </p:sp>
+      <p:pic>
+        <p:nvPicPr>
+          <p:cNvPr id="254" name="Google Shape;254;p38"/>
+          <p:cNvPicPr preferRelativeResize="0"/>
+          <p:nvPr/>
+        </p:nvPicPr>
+        <p:blipFill>
+          <a:blip r:embed="rId3">
+            <a:alphaModFix/>
+          </a:blip>
+          <a:stretch>
+            <a:fillRect/>
+          </a:stretch>
+        </p:blipFill>
+        <p:spPr>
+          <a:xfrm>
+            <a:off x="4620734" y="1850000"/>
+            <a:ext cx="6992833" cy="3349867"/>
+          </a:xfrm>
+          <a:prstGeom prst="rect">
+            <a:avLst/>
+          </a:prstGeom>
+          <a:noFill/>
+          <a:ln>
+            <a:noFill/>
+          </a:ln>
+        </p:spPr>
+      </p:pic>
+    </p:spTree>
+    <p:extLst>
+      <p:ext uri="{BB962C8B-B14F-4D97-AF65-F5344CB8AC3E}">
+        <p14:creationId xmlns:p14="http://schemas.microsoft.com/office/powerpoint/2010/main" val="2278431514"/>
+      </p:ext>
+    </p:extLst>
+  </p:cSld>
+  <p:clrMapOvr>
+    <a:masterClrMapping/>
+  </p:clrMapOvr>
+</p:sld>
+</file>
+
+<file path=ppt/slides/slide26.xml><?xml version="1.0" encoding="utf-8"?>
+<p:sld xmlns:a="http://schemas.openxmlformats.org/drawingml/2006/main" xmlns:r="http://schemas.openxmlformats.org/officeDocument/2006/relationships" xmlns:p="http://schemas.openxmlformats.org/presentationml/2006/main">
+  <p:cSld>
+    <p:spTree>
+      <p:nvGrpSpPr>
+        <p:cNvPr id="1" name="Shape 258"/>
+        <p:cNvGrpSpPr/>
+        <p:nvPr/>
+      </p:nvGrpSpPr>
+      <p:grpSpPr>
+        <a:xfrm>
+          <a:off x="0" y="0"/>
+          <a:ext cx="0" cy="0"/>
+          <a:chOff x="0" y="0"/>
+          <a:chExt cx="0" cy="0"/>
+        </a:xfrm>
+      </p:grpSpPr>
+      <p:sp>
+        <p:nvSpPr>
+          <p:cNvPr id="259" name="Google Shape;259;p39"/>
+          <p:cNvSpPr txBox="1">
+            <a:spLocks noGrp="1"/>
+          </p:cNvSpPr>
+          <p:nvPr>
+            <p:ph type="title"/>
+          </p:nvPr>
+        </p:nvSpPr>
+        <p:spPr>
+          <a:xfrm>
+            <a:off x="415600" y="1714033"/>
+            <a:ext cx="3482000" cy="1007600"/>
+          </a:xfrm>
+          <a:prstGeom prst="rect">
+            <a:avLst/>
+          </a:prstGeom>
+        </p:spPr>
+        <p:txBody>
+          <a:bodyPr spcFirstLastPara="1" wrap="square" lIns="121897" tIns="121897" rIns="121897" bIns="121897" anchor="b" anchorCtr="0">
+            <a:noAutofit/>
+          </a:bodyPr>
+          <a:lstStyle/>
+          <a:p>
+            <a:r>
+              <a:rPr lang="es" b="1" dirty="0"/>
+              <a:t>Ejemplo: </a:t>
+            </a:r>
+            <a:endParaRPr b="1" dirty="0"/>
+          </a:p>
+        </p:txBody>
+      </p:sp>
+      <p:sp>
+        <p:nvSpPr>
+          <p:cNvPr id="260" name="Google Shape;260;p39"/>
+          <p:cNvSpPr txBox="1">
+            <a:spLocks noGrp="1"/>
+          </p:cNvSpPr>
+          <p:nvPr>
+            <p:ph type="body" idx="1"/>
+          </p:nvPr>
+        </p:nvSpPr>
+        <p:spPr>
+          <a:xfrm>
+            <a:off x="415600" y="3223435"/>
+            <a:ext cx="3744000" cy="3411200"/>
+          </a:xfrm>
+          <a:prstGeom prst="rect">
+            <a:avLst/>
+          </a:prstGeom>
+        </p:spPr>
+        <p:txBody>
+          <a:bodyPr spcFirstLastPara="1" wrap="square" lIns="121897" tIns="121897" rIns="121897" bIns="121897" anchor="t" anchorCtr="0">
+            <a:noAutofit/>
+          </a:bodyPr>
+          <a:lstStyle/>
+          <a:p>
+            <a:pPr marL="0" indent="0">
+              <a:buNone/>
+            </a:pPr>
+            <a:endParaRPr/>
+          </a:p>
+          <a:p>
+            <a:pPr marL="0" indent="0">
+              <a:spcBef>
+                <a:spcPts val="2133"/>
+              </a:spcBef>
+              <a:spcAft>
+                <a:spcPts val="2133"/>
+              </a:spcAft>
+              <a:buNone/>
+            </a:pPr>
+            <a:endParaRPr/>
+          </a:p>
+        </p:txBody>
+      </p:sp>
+      <p:pic>
+        <p:nvPicPr>
+          <p:cNvPr id="261" name="Google Shape;261;p39"/>
+          <p:cNvPicPr preferRelativeResize="0"/>
+          <p:nvPr/>
+        </p:nvPicPr>
+        <p:blipFill>
+          <a:blip r:embed="rId3">
+            <a:alphaModFix/>
+          </a:blip>
+          <a:stretch>
+            <a:fillRect/>
+          </a:stretch>
+        </p:blipFill>
+        <p:spPr>
+          <a:xfrm>
+            <a:off x="5579801" y="246501"/>
+            <a:ext cx="5669300" cy="6203033"/>
+          </a:xfrm>
+          <a:prstGeom prst="rect">
+            <a:avLst/>
+          </a:prstGeom>
+          <a:noFill/>
+          <a:ln>
+            <a:noFill/>
+          </a:ln>
+        </p:spPr>
+      </p:pic>
+    </p:spTree>
+    <p:extLst>
+      <p:ext uri="{BB962C8B-B14F-4D97-AF65-F5344CB8AC3E}">
+        <p14:creationId xmlns:p14="http://schemas.microsoft.com/office/powerpoint/2010/main" val="999209310"/>
+      </p:ext>
+    </p:extLst>
+  </p:cSld>
+  <p:clrMapOvr>
+    <a:masterClrMapping/>
+  </p:clrMapOvr>
+</p:sld>
+</file>
+
+<file path=ppt/slides/slide27.xml><?xml version="1.0" encoding="utf-8"?>
 <p:sld xmlns:a="http://schemas.openxmlformats.org/drawingml/2006/main" xmlns:r="http://schemas.openxmlformats.org/officeDocument/2006/relationships" xmlns:p="http://schemas.openxmlformats.org/presentationml/2006/main">
   <p:cSld>
     <p:spTree>
@@ -12655,7 +13449,7 @@
 </p:sld>
 </file>
 
-<file path=ppt/slides/slide24.xml><?xml version="1.0" encoding="utf-8"?>
+<file path=ppt/slides/slide28.xml><?xml version="1.0" encoding="utf-8"?>
 <p:sld xmlns:a="http://schemas.openxmlformats.org/drawingml/2006/main" xmlns:r="http://schemas.openxmlformats.org/officeDocument/2006/relationships" xmlns:p="http://schemas.openxmlformats.org/presentationml/2006/main">
   <p:cSld>
     <p:spTree>
@@ -12913,7 +13707,7 @@
 </p:sld>
 </file>
 
-<file path=ppt/slides/slide25.xml><?xml version="1.0" encoding="utf-8"?>
+<file path=ppt/slides/slide29.xml><?xml version="1.0" encoding="utf-8"?>
 <p:sld xmlns:a="http://schemas.openxmlformats.org/drawingml/2006/main" xmlns:r="http://schemas.openxmlformats.org/officeDocument/2006/relationships" xmlns:p="http://schemas.openxmlformats.org/presentationml/2006/main">
   <p:cSld>
     <p:spTree>
@@ -12976,7 +13770,215 @@
 </p:sld>
 </file>
 
-<file path=ppt/slides/slide26.xml><?xml version="1.0" encoding="utf-8"?>
+<file path=ppt/slides/slide3.xml><?xml version="1.0" encoding="utf-8"?>
+<p:sld xmlns:a="http://schemas.openxmlformats.org/drawingml/2006/main" xmlns:r="http://schemas.openxmlformats.org/officeDocument/2006/relationships" xmlns:p="http://schemas.openxmlformats.org/presentationml/2006/main">
+  <p:cSld>
+    <p:spTree>
+      <p:nvGrpSpPr>
+        <p:cNvPr id="1" name="Shape 95"/>
+        <p:cNvGrpSpPr/>
+        <p:nvPr/>
+      </p:nvGrpSpPr>
+      <p:grpSpPr>
+        <a:xfrm>
+          <a:off x="0" y="0"/>
+          <a:ext cx="0" cy="0"/>
+          <a:chOff x="0" y="0"/>
+          <a:chExt cx="0" cy="0"/>
+        </a:xfrm>
+      </p:grpSpPr>
+      <p:sp>
+        <p:nvSpPr>
+          <p:cNvPr id="96" name="Google Shape;96;p18"/>
+          <p:cNvSpPr txBox="1">
+            <a:spLocks noGrp="1"/>
+          </p:cNvSpPr>
+          <p:nvPr>
+            <p:ph type="title"/>
+          </p:nvPr>
+        </p:nvSpPr>
+        <p:spPr>
+          <a:xfrm>
+            <a:off x="415600" y="496667"/>
+            <a:ext cx="11360800" cy="978000"/>
+          </a:xfrm>
+          <a:prstGeom prst="rect">
+            <a:avLst/>
+          </a:prstGeom>
+        </p:spPr>
+        <p:txBody>
+          <a:bodyPr spcFirstLastPara="1" wrap="square" lIns="121897" tIns="121897" rIns="121897" bIns="121897" anchor="b" anchorCtr="0">
+            <a:noAutofit/>
+          </a:bodyPr>
+          <a:lstStyle/>
+          <a:p>
+            <a:pPr algn="ctr"/>
+            <a:r>
+              <a:rPr lang="es"/>
+              <a:t>Tipos de Variables</a:t>
+            </a:r>
+            <a:endParaRPr/>
+          </a:p>
+        </p:txBody>
+      </p:sp>
+      <p:sp>
+        <p:nvSpPr>
+          <p:cNvPr id="97" name="Google Shape;97;p18"/>
+          <p:cNvSpPr txBox="1">
+            <a:spLocks noGrp="1"/>
+          </p:cNvSpPr>
+          <p:nvPr>
+            <p:ph type="body" idx="1"/>
+          </p:nvPr>
+        </p:nvSpPr>
+        <p:spPr>
+          <a:xfrm>
+            <a:off x="415600" y="1958433"/>
+            <a:ext cx="5333200" cy="4133200"/>
+          </a:xfrm>
+          <a:prstGeom prst="rect">
+            <a:avLst/>
+          </a:prstGeom>
+        </p:spPr>
+        <p:txBody>
+          <a:bodyPr spcFirstLastPara="1" wrap="square" lIns="121897" tIns="121897" rIns="121897" bIns="121897" anchor="t" anchorCtr="0">
+            <a:noAutofit/>
+          </a:bodyPr>
+          <a:lstStyle/>
+          <a:p>
+            <a:pPr marL="0" indent="0" algn="ctr">
+              <a:buNone/>
+            </a:pPr>
+            <a:r>
+              <a:rPr lang="es" sz="2400" b="1"/>
+              <a:t>Variables Numéricas </a:t>
+            </a:r>
+            <a:br>
+              <a:rPr lang="es" sz="2400" b="1"/>
+            </a:br>
+            <a:r>
+              <a:rPr lang="es" sz="2400" b="1"/>
+              <a:t>(“Cuantitativas”)</a:t>
+            </a:r>
+            <a:endParaRPr sz="2400" b="1"/>
+          </a:p>
+          <a:p>
+            <a:pPr marL="0" indent="0">
+              <a:spcBef>
+                <a:spcPts val="2133"/>
+              </a:spcBef>
+              <a:buNone/>
+            </a:pPr>
+            <a:r>
+              <a:rPr lang="es"/>
+              <a:t>Se pueden expresar en términos de valores numéricos.</a:t>
+            </a:r>
+            <a:endParaRPr/>
+          </a:p>
+          <a:p>
+            <a:pPr marL="0" indent="0">
+              <a:spcBef>
+                <a:spcPts val="2133"/>
+              </a:spcBef>
+              <a:spcAft>
+                <a:spcPts val="2133"/>
+              </a:spcAft>
+              <a:buNone/>
+            </a:pPr>
+            <a:r>
+              <a:rPr lang="es"/>
+              <a:t>Se pueden medir y definir intervalos.</a:t>
+            </a:r>
+            <a:endParaRPr/>
+          </a:p>
+        </p:txBody>
+      </p:sp>
+      <p:sp>
+        <p:nvSpPr>
+          <p:cNvPr id="98" name="Google Shape;98;p18"/>
+          <p:cNvSpPr txBox="1">
+            <a:spLocks noGrp="1"/>
+          </p:cNvSpPr>
+          <p:nvPr>
+            <p:ph type="body" idx="2"/>
+          </p:nvPr>
+        </p:nvSpPr>
+        <p:spPr>
+          <a:xfrm>
+            <a:off x="6443200" y="1958433"/>
+            <a:ext cx="5496800" cy="4133200"/>
+          </a:xfrm>
+          <a:prstGeom prst="rect">
+            <a:avLst/>
+          </a:prstGeom>
+        </p:spPr>
+        <p:txBody>
+          <a:bodyPr spcFirstLastPara="1" wrap="square" lIns="121897" tIns="121897" rIns="121897" bIns="121897" anchor="t" anchorCtr="0">
+            <a:noAutofit/>
+          </a:bodyPr>
+          <a:lstStyle/>
+          <a:p>
+            <a:pPr marL="0" indent="0" algn="ctr">
+              <a:buNone/>
+            </a:pPr>
+            <a:r>
+              <a:rPr lang="es" sz="2400" b="1"/>
+              <a:t>Variables Categóricas </a:t>
+            </a:r>
+            <a:br>
+              <a:rPr lang="es" sz="2400" b="1"/>
+            </a:br>
+            <a:r>
+              <a:rPr lang="es" sz="2400" b="1"/>
+              <a:t>(“Cualitativas”)</a:t>
+            </a:r>
+            <a:endParaRPr sz="2400" b="1"/>
+          </a:p>
+          <a:p>
+            <a:pPr marL="0" indent="0">
+              <a:spcBef>
+                <a:spcPts val="2133"/>
+              </a:spcBef>
+              <a:buNone/>
+            </a:pPr>
+            <a:r>
+              <a:rPr lang="es"/>
+              <a:t>Se centran en las características o cualidades de los objetos.</a:t>
+            </a:r>
+            <a:endParaRPr/>
+          </a:p>
+          <a:p>
+            <a:pPr marL="0" indent="0">
+              <a:spcBef>
+                <a:spcPts val="2133"/>
+              </a:spcBef>
+              <a:spcAft>
+                <a:spcPts val="2133"/>
+              </a:spcAft>
+              <a:buNone/>
+            </a:pPr>
+            <a:r>
+              <a:rPr lang="es"/>
+              <a:t>En algunos casos, se pueden ordenar en una secuencia, pero no se pueden medir (no se les puede asignar un valor numérico)</a:t>
+            </a:r>
+            <a:endParaRPr/>
+          </a:p>
+        </p:txBody>
+      </p:sp>
+    </p:spTree>
+    <p:extLst>
+      <p:ext uri="{BB962C8B-B14F-4D97-AF65-F5344CB8AC3E}">
+        <p14:creationId xmlns:p14="http://schemas.microsoft.com/office/powerpoint/2010/main" val="2503374057"/>
+      </p:ext>
+    </p:extLst>
+  </p:cSld>
+  <p:clrMapOvr>
+    <a:masterClrMapping/>
+  </p:clrMapOvr>
+</p:sld>
+</file>
+
+<file path=ppt/slides/slide30.xml><?xml version="1.0" encoding="utf-8"?>
 <p:sld xmlns:a="http://schemas.openxmlformats.org/drawingml/2006/main" xmlns:r="http://schemas.openxmlformats.org/officeDocument/2006/relationships" xmlns:p="http://schemas.openxmlformats.org/presentationml/2006/main">
   <p:cSld>
     <p:spTree>
@@ -13034,7 +14036,7 @@
 </p:sld>
 </file>
 
-<file path=ppt/slides/slide27.xml><?xml version="1.0" encoding="utf-8"?>
+<file path=ppt/slides/slide31.xml><?xml version="1.0" encoding="utf-8"?>
 <p:sld xmlns:a="http://schemas.openxmlformats.org/drawingml/2006/main" xmlns:r="http://schemas.openxmlformats.org/officeDocument/2006/relationships" xmlns:p="http://schemas.openxmlformats.org/presentationml/2006/main">
   <p:cSld>
     <p:spTree>
@@ -13156,7 +14158,7 @@
 </p:sld>
 </file>
 
-<file path=ppt/slides/slide28.xml><?xml version="1.0" encoding="utf-8"?>
+<file path=ppt/slides/slide32.xml><?xml version="1.0" encoding="utf-8"?>
 <p:sld xmlns:a="http://schemas.openxmlformats.org/drawingml/2006/main" xmlns:r="http://schemas.openxmlformats.org/officeDocument/2006/relationships" xmlns:p="http://schemas.openxmlformats.org/presentationml/2006/main">
   <p:cSld>
     <p:spTree>
@@ -13199,10 +14201,14 @@
           <a:lstStyle/>
           <a:p>
             <a:r>
-              <a:rPr lang="es"/>
-              <a:t>3) Proporción en los ejes</a:t>
-            </a:r>
-            <a:endParaRPr/>
+              <a:rPr lang="es" dirty="0"/>
+              <a:t>3) Proporc</a:t>
+            </a:r>
+            <a:r>
+              <a:rPr lang="es-MX" dirty="0" err="1"/>
+              <a:t>ionalidad</a:t>
+            </a:r>
+            <a:endParaRPr dirty="0"/>
           </a:p>
         </p:txBody>
       </p:sp>
@@ -13219,7 +14225,7 @@
 </p:sld>
 </file>
 
-<file path=ppt/slides/slide29.xml><?xml version="1.0" encoding="utf-8"?>
+<file path=ppt/slides/slide33.xml><?xml version="1.0" encoding="utf-8"?>
 <p:sld xmlns:a="http://schemas.openxmlformats.org/drawingml/2006/main" xmlns:r="http://schemas.openxmlformats.org/officeDocument/2006/relationships" xmlns:p="http://schemas.openxmlformats.org/presentationml/2006/main">
   <p:cSld>
     <p:spTree>
@@ -13392,215 +14398,7 @@
 </p:sld>
 </file>
 
-<file path=ppt/slides/slide3.xml><?xml version="1.0" encoding="utf-8"?>
-<p:sld xmlns:a="http://schemas.openxmlformats.org/drawingml/2006/main" xmlns:r="http://schemas.openxmlformats.org/officeDocument/2006/relationships" xmlns:p="http://schemas.openxmlformats.org/presentationml/2006/main">
-  <p:cSld>
-    <p:spTree>
-      <p:nvGrpSpPr>
-        <p:cNvPr id="1" name="Shape 95"/>
-        <p:cNvGrpSpPr/>
-        <p:nvPr/>
-      </p:nvGrpSpPr>
-      <p:grpSpPr>
-        <a:xfrm>
-          <a:off x="0" y="0"/>
-          <a:ext cx="0" cy="0"/>
-          <a:chOff x="0" y="0"/>
-          <a:chExt cx="0" cy="0"/>
-        </a:xfrm>
-      </p:grpSpPr>
-      <p:sp>
-        <p:nvSpPr>
-          <p:cNvPr id="96" name="Google Shape;96;p18"/>
-          <p:cNvSpPr txBox="1">
-            <a:spLocks noGrp="1"/>
-          </p:cNvSpPr>
-          <p:nvPr>
-            <p:ph type="title"/>
-          </p:nvPr>
-        </p:nvSpPr>
-        <p:spPr>
-          <a:xfrm>
-            <a:off x="415600" y="496667"/>
-            <a:ext cx="11360800" cy="978000"/>
-          </a:xfrm>
-          <a:prstGeom prst="rect">
-            <a:avLst/>
-          </a:prstGeom>
-        </p:spPr>
-        <p:txBody>
-          <a:bodyPr spcFirstLastPara="1" wrap="square" lIns="121897" tIns="121897" rIns="121897" bIns="121897" anchor="b" anchorCtr="0">
-            <a:noAutofit/>
-          </a:bodyPr>
-          <a:lstStyle/>
-          <a:p>
-            <a:pPr algn="ctr"/>
-            <a:r>
-              <a:rPr lang="es"/>
-              <a:t>Tipos de Variables</a:t>
-            </a:r>
-            <a:endParaRPr/>
-          </a:p>
-        </p:txBody>
-      </p:sp>
-      <p:sp>
-        <p:nvSpPr>
-          <p:cNvPr id="97" name="Google Shape;97;p18"/>
-          <p:cNvSpPr txBox="1">
-            <a:spLocks noGrp="1"/>
-          </p:cNvSpPr>
-          <p:nvPr>
-            <p:ph type="body" idx="1"/>
-          </p:nvPr>
-        </p:nvSpPr>
-        <p:spPr>
-          <a:xfrm>
-            <a:off x="415600" y="1958433"/>
-            <a:ext cx="5333200" cy="4133200"/>
-          </a:xfrm>
-          <a:prstGeom prst="rect">
-            <a:avLst/>
-          </a:prstGeom>
-        </p:spPr>
-        <p:txBody>
-          <a:bodyPr spcFirstLastPara="1" wrap="square" lIns="121897" tIns="121897" rIns="121897" bIns="121897" anchor="t" anchorCtr="0">
-            <a:noAutofit/>
-          </a:bodyPr>
-          <a:lstStyle/>
-          <a:p>
-            <a:pPr marL="0" indent="0" algn="ctr">
-              <a:buNone/>
-            </a:pPr>
-            <a:r>
-              <a:rPr lang="es" sz="2400" b="1"/>
-              <a:t>Variables Numéricas </a:t>
-            </a:r>
-            <a:br>
-              <a:rPr lang="es" sz="2400" b="1"/>
-            </a:br>
-            <a:r>
-              <a:rPr lang="es" sz="2400" b="1"/>
-              <a:t>(“Cuantitativas”)</a:t>
-            </a:r>
-            <a:endParaRPr sz="2400" b="1"/>
-          </a:p>
-          <a:p>
-            <a:pPr marL="0" indent="0">
-              <a:spcBef>
-                <a:spcPts val="2133"/>
-              </a:spcBef>
-              <a:buNone/>
-            </a:pPr>
-            <a:r>
-              <a:rPr lang="es"/>
-              <a:t>Se pueden expresar en términos de valores numéricos.</a:t>
-            </a:r>
-            <a:endParaRPr/>
-          </a:p>
-          <a:p>
-            <a:pPr marL="0" indent="0">
-              <a:spcBef>
-                <a:spcPts val="2133"/>
-              </a:spcBef>
-              <a:spcAft>
-                <a:spcPts val="2133"/>
-              </a:spcAft>
-              <a:buNone/>
-            </a:pPr>
-            <a:r>
-              <a:rPr lang="es"/>
-              <a:t>Se pueden medir y definir intervalos.</a:t>
-            </a:r>
-            <a:endParaRPr/>
-          </a:p>
-        </p:txBody>
-      </p:sp>
-      <p:sp>
-        <p:nvSpPr>
-          <p:cNvPr id="98" name="Google Shape;98;p18"/>
-          <p:cNvSpPr txBox="1">
-            <a:spLocks noGrp="1"/>
-          </p:cNvSpPr>
-          <p:nvPr>
-            <p:ph type="body" idx="2"/>
-          </p:nvPr>
-        </p:nvSpPr>
-        <p:spPr>
-          <a:xfrm>
-            <a:off x="6443200" y="1958433"/>
-            <a:ext cx="5496800" cy="4133200"/>
-          </a:xfrm>
-          <a:prstGeom prst="rect">
-            <a:avLst/>
-          </a:prstGeom>
-        </p:spPr>
-        <p:txBody>
-          <a:bodyPr spcFirstLastPara="1" wrap="square" lIns="121897" tIns="121897" rIns="121897" bIns="121897" anchor="t" anchorCtr="0">
-            <a:noAutofit/>
-          </a:bodyPr>
-          <a:lstStyle/>
-          <a:p>
-            <a:pPr marL="0" indent="0" algn="ctr">
-              <a:buNone/>
-            </a:pPr>
-            <a:r>
-              <a:rPr lang="es" sz="2400" b="1"/>
-              <a:t>Variables Categóricas </a:t>
-            </a:r>
-            <a:br>
-              <a:rPr lang="es" sz="2400" b="1"/>
-            </a:br>
-            <a:r>
-              <a:rPr lang="es" sz="2400" b="1"/>
-              <a:t>(“Cualitativas”)</a:t>
-            </a:r>
-            <a:endParaRPr sz="2400" b="1"/>
-          </a:p>
-          <a:p>
-            <a:pPr marL="0" indent="0">
-              <a:spcBef>
-                <a:spcPts val="2133"/>
-              </a:spcBef>
-              <a:buNone/>
-            </a:pPr>
-            <a:r>
-              <a:rPr lang="es"/>
-              <a:t>Se centran en las características o cualidades de los objetos.</a:t>
-            </a:r>
-            <a:endParaRPr/>
-          </a:p>
-          <a:p>
-            <a:pPr marL="0" indent="0">
-              <a:spcBef>
-                <a:spcPts val="2133"/>
-              </a:spcBef>
-              <a:spcAft>
-                <a:spcPts val="2133"/>
-              </a:spcAft>
-              <a:buNone/>
-            </a:pPr>
-            <a:r>
-              <a:rPr lang="es"/>
-              <a:t>En algunos casos, se pueden ordenar en una secuencia, pero no se pueden medir (no se les puede asignar un valor numérico)</a:t>
-            </a:r>
-            <a:endParaRPr/>
-          </a:p>
-        </p:txBody>
-      </p:sp>
-    </p:spTree>
-    <p:extLst>
-      <p:ext uri="{BB962C8B-B14F-4D97-AF65-F5344CB8AC3E}">
-        <p14:creationId xmlns:p14="http://schemas.microsoft.com/office/powerpoint/2010/main" val="2503374057"/>
-      </p:ext>
-    </p:extLst>
-  </p:cSld>
-  <p:clrMapOvr>
-    <a:masterClrMapping/>
-  </p:clrMapOvr>
-</p:sld>
-</file>
-
-<file path=ppt/slides/slide30.xml><?xml version="1.0" encoding="utf-8"?>
+<file path=ppt/slides/slide34.xml><?xml version="1.0" encoding="utf-8"?>
 <p:sld xmlns:a="http://schemas.openxmlformats.org/drawingml/2006/main" xmlns:r="http://schemas.openxmlformats.org/officeDocument/2006/relationships" xmlns:p="http://schemas.openxmlformats.org/presentationml/2006/main">
   <p:cSld>
     <p:spTree>
@@ -13798,7 +14596,7 @@
 </p:sld>
 </file>
 
-<file path=ppt/slides/slide31.xml><?xml version="1.0" encoding="utf-8"?>
+<file path=ppt/slides/slide35.xml><?xml version="1.0" encoding="utf-8"?>
 <p:sld xmlns:a="http://schemas.openxmlformats.org/drawingml/2006/main" xmlns:r="http://schemas.openxmlformats.org/officeDocument/2006/relationships" xmlns:p="http://schemas.openxmlformats.org/presentationml/2006/main">
   <p:cSld>
     <p:spTree>
@@ -13861,7 +14659,7 @@
 </p:sld>
 </file>
 
-<file path=ppt/slides/slide32.xml><?xml version="1.0" encoding="utf-8"?>
+<file path=ppt/slides/slide36.xml><?xml version="1.0" encoding="utf-8"?>
 <p:sld xmlns:a="http://schemas.openxmlformats.org/drawingml/2006/main" xmlns:r="http://schemas.openxmlformats.org/officeDocument/2006/relationships" xmlns:p="http://schemas.openxmlformats.org/presentationml/2006/main">
   <p:cSld>
     <p:spTree>
@@ -13971,7 +14769,7 @@
 </p:sld>
 </file>
 
-<file path=ppt/slides/slide33.xml><?xml version="1.0" encoding="utf-8"?>
+<file path=ppt/slides/slide37.xml><?xml version="1.0" encoding="utf-8"?>
 <p:sld xmlns:a="http://schemas.openxmlformats.org/drawingml/2006/main" xmlns:r="http://schemas.openxmlformats.org/officeDocument/2006/relationships" xmlns:p="http://schemas.openxmlformats.org/presentationml/2006/main">
   <p:cSld>
     <p:spTree>
@@ -14034,7 +14832,7 @@
 </p:sld>
 </file>
 
-<file path=ppt/slides/slide34.xml><?xml version="1.0" encoding="utf-8"?>
+<file path=ppt/slides/slide38.xml><?xml version="1.0" encoding="utf-8"?>
 <p:sld xmlns:a="http://schemas.openxmlformats.org/drawingml/2006/main" xmlns:r="http://schemas.openxmlformats.org/officeDocument/2006/relationships" xmlns:p="http://schemas.openxmlformats.org/presentationml/2006/main">
   <p:cSld>
     <p:spTree>
@@ -14092,7 +14890,7 @@
 </p:sld>
 </file>
 
-<file path=ppt/slides/slide35.xml><?xml version="1.0" encoding="utf-8"?>
+<file path=ppt/slides/slide39.xml><?xml version="1.0" encoding="utf-8"?>
 <p:sld xmlns:a="http://schemas.openxmlformats.org/drawingml/2006/main" xmlns:r="http://schemas.openxmlformats.org/officeDocument/2006/relationships" xmlns:p="http://schemas.openxmlformats.org/presentationml/2006/main">
   <p:cSld>
     <p:spTree>
@@ -14205,329 +15003,6 @@
     <p:extLst>
       <p:ext uri="{BB962C8B-B14F-4D97-AF65-F5344CB8AC3E}">
         <p14:creationId xmlns:p14="http://schemas.microsoft.com/office/powerpoint/2010/main" val="4144914428"/>
-      </p:ext>
-    </p:extLst>
-  </p:cSld>
-  <p:clrMapOvr>
-    <a:masterClrMapping/>
-  </p:clrMapOvr>
-</p:sld>
-</file>
-
-<file path=ppt/slides/slide36.xml><?xml version="1.0" encoding="utf-8"?>
-<p:sld xmlns:a="http://schemas.openxmlformats.org/drawingml/2006/main" xmlns:r="http://schemas.openxmlformats.org/officeDocument/2006/relationships" xmlns:p="http://schemas.openxmlformats.org/presentationml/2006/main">
-  <p:cSld>
-    <p:spTree>
-      <p:nvGrpSpPr>
-        <p:cNvPr id="1" name="Shape 454"/>
-        <p:cNvGrpSpPr/>
-        <p:nvPr/>
-      </p:nvGrpSpPr>
-      <p:grpSpPr>
-        <a:xfrm>
-          <a:off x="0" y="0"/>
-          <a:ext cx="0" cy="0"/>
-          <a:chOff x="0" y="0"/>
-          <a:chExt cx="0" cy="0"/>
-        </a:xfrm>
-      </p:grpSpPr>
-      <p:sp>
-        <p:nvSpPr>
-          <p:cNvPr id="455" name="Google Shape;455;p69"/>
-          <p:cNvSpPr txBox="1">
-            <a:spLocks noGrp="1"/>
-          </p:cNvSpPr>
-          <p:nvPr>
-            <p:ph type="title"/>
-          </p:nvPr>
-        </p:nvSpPr>
-        <p:spPr>
-          <a:xfrm>
-            <a:off x="354000" y="1438333"/>
-            <a:ext cx="5393600" cy="2385600"/>
-          </a:xfrm>
-          <a:prstGeom prst="rect">
-            <a:avLst/>
-          </a:prstGeom>
-        </p:spPr>
-        <p:txBody>
-          <a:bodyPr spcFirstLastPara="1" wrap="square" lIns="121897" tIns="121897" rIns="121897" bIns="121897" anchor="b" anchorCtr="0">
-            <a:noAutofit/>
-          </a:bodyPr>
-          <a:lstStyle/>
-          <a:p>
-            <a:r>
-              <a:rPr lang="es"/>
-              <a:t>Conclusión</a:t>
-            </a:r>
-            <a:endParaRPr/>
-          </a:p>
-        </p:txBody>
-      </p:sp>
-      <p:sp>
-        <p:nvSpPr>
-          <p:cNvPr id="456" name="Google Shape;456;p69"/>
-          <p:cNvSpPr txBox="1">
-            <a:spLocks noGrp="1"/>
-          </p:cNvSpPr>
-          <p:nvPr>
-            <p:ph type="body" idx="2"/>
-          </p:nvPr>
-        </p:nvSpPr>
-        <p:spPr>
-          <a:xfrm>
-            <a:off x="6586000" y="460500"/>
-            <a:ext cx="5116000" cy="5432000"/>
-          </a:xfrm>
-          <a:prstGeom prst="rect">
-            <a:avLst/>
-          </a:prstGeom>
-        </p:spPr>
-        <p:txBody>
-          <a:bodyPr spcFirstLastPara="1" wrap="square" lIns="121897" tIns="121897" rIns="121897" bIns="121897" anchor="ctr" anchorCtr="0">
-            <a:noAutofit/>
-          </a:bodyPr>
-          <a:lstStyle/>
-          <a:p>
-            <a:pPr marL="0" indent="0" algn="just">
-              <a:buNone/>
-            </a:pPr>
-            <a:r>
-              <a:rPr lang="es" sz="2000">
-                <a:solidFill>
-                  <a:srgbClr val="333333"/>
-                </a:solidFill>
-                <a:highlight>
-                  <a:srgbClr val="FFFFFF"/>
-                </a:highlight>
-                <a:latin typeface="Times New Roman"/>
-                <a:ea typeface="Times New Roman"/>
-                <a:cs typeface="Times New Roman"/>
-                <a:sym typeface="Times New Roman"/>
-              </a:rPr>
-              <a:t>Los gráficos de datos son una ventana a los resultados encontrados e invita al lector a sacar </a:t>
-            </a:r>
-            <a:r>
-              <a:rPr lang="es" sz="2000" b="1">
-                <a:solidFill>
-                  <a:srgbClr val="333333"/>
-                </a:solidFill>
-                <a:highlight>
-                  <a:srgbClr val="FFFFFF"/>
-                </a:highlight>
-                <a:latin typeface="Times New Roman"/>
-                <a:ea typeface="Times New Roman"/>
-                <a:cs typeface="Times New Roman"/>
-                <a:sym typeface="Times New Roman"/>
-              </a:rPr>
-              <a:t>sus propias</a:t>
-            </a:r>
-            <a:r>
-              <a:rPr lang="es" sz="2000">
-                <a:solidFill>
-                  <a:srgbClr val="333333"/>
-                </a:solidFill>
-                <a:highlight>
-                  <a:srgbClr val="FFFFFF"/>
-                </a:highlight>
-                <a:latin typeface="Times New Roman"/>
-                <a:ea typeface="Times New Roman"/>
-                <a:cs typeface="Times New Roman"/>
-                <a:sym typeface="Times New Roman"/>
-              </a:rPr>
-              <a:t> conclusiones.. ¿o no?.</a:t>
-            </a:r>
-            <a:endParaRPr sz="2000">
-              <a:solidFill>
-                <a:srgbClr val="333333"/>
-              </a:solidFill>
-              <a:highlight>
-                <a:srgbClr val="FFFFFF"/>
-              </a:highlight>
-              <a:latin typeface="Times New Roman"/>
-              <a:ea typeface="Times New Roman"/>
-              <a:cs typeface="Times New Roman"/>
-              <a:sym typeface="Times New Roman"/>
-            </a:endParaRPr>
-          </a:p>
-          <a:p>
-            <a:pPr marL="0" indent="0" algn="just">
-              <a:spcBef>
-                <a:spcPts val="2133"/>
-              </a:spcBef>
-              <a:buNone/>
-            </a:pPr>
-            <a:r>
-              <a:rPr lang="es" sz="2000">
-                <a:solidFill>
-                  <a:srgbClr val="333333"/>
-                </a:solidFill>
-                <a:highlight>
-                  <a:srgbClr val="FFFFFF"/>
-                </a:highlight>
-                <a:latin typeface="Times New Roman"/>
-                <a:ea typeface="Times New Roman"/>
-                <a:cs typeface="Times New Roman"/>
-                <a:sym typeface="Times New Roman"/>
-              </a:rPr>
-              <a:t>Cambios aparentemente sutiles en la forma de presentar los datos pueden tener un impacto notorio en la forma en que se interpreta.</a:t>
-            </a:r>
-            <a:endParaRPr sz="2000">
-              <a:solidFill>
-                <a:srgbClr val="333333"/>
-              </a:solidFill>
-              <a:highlight>
-                <a:srgbClr val="FFFFFF"/>
-              </a:highlight>
-              <a:latin typeface="Times New Roman"/>
-              <a:ea typeface="Times New Roman"/>
-              <a:cs typeface="Times New Roman"/>
-              <a:sym typeface="Times New Roman"/>
-            </a:endParaRPr>
-          </a:p>
-          <a:p>
-            <a:pPr marL="0" indent="0" algn="just">
-              <a:spcBef>
-                <a:spcPts val="2133"/>
-              </a:spcBef>
-              <a:buNone/>
-            </a:pPr>
-            <a:r>
-              <a:rPr lang="es" sz="2000" b="1">
-                <a:solidFill>
-                  <a:srgbClr val="333333"/>
-                </a:solidFill>
-                <a:highlight>
-                  <a:srgbClr val="FFFFFF"/>
-                </a:highlight>
-                <a:latin typeface="Times New Roman"/>
-                <a:ea typeface="Times New Roman"/>
-                <a:cs typeface="Times New Roman"/>
-                <a:sym typeface="Times New Roman"/>
-              </a:rPr>
-              <a:t>Como lector</a:t>
-            </a:r>
-            <a:r>
-              <a:rPr lang="es" sz="2000">
-                <a:solidFill>
-                  <a:srgbClr val="333333"/>
-                </a:solidFill>
-                <a:highlight>
-                  <a:srgbClr val="FFFFFF"/>
-                </a:highlight>
-                <a:latin typeface="Times New Roman"/>
-                <a:ea typeface="Times New Roman"/>
-                <a:cs typeface="Times New Roman"/>
-                <a:sym typeface="Times New Roman"/>
-              </a:rPr>
-              <a:t>… hay que preguntarnos si la gráfica que se nos muestra refleja los datos obtenidos ó si fue diseñada para reflejar las expectativas de lo que se esperaba encontrar.</a:t>
-            </a:r>
-            <a:endParaRPr sz="2000">
-              <a:solidFill>
-                <a:srgbClr val="333333"/>
-              </a:solidFill>
-              <a:highlight>
-                <a:srgbClr val="FFFFFF"/>
-              </a:highlight>
-              <a:latin typeface="Times New Roman"/>
-              <a:ea typeface="Times New Roman"/>
-              <a:cs typeface="Times New Roman"/>
-              <a:sym typeface="Times New Roman"/>
-            </a:endParaRPr>
-          </a:p>
-          <a:p>
-            <a:pPr marL="0" indent="0" algn="just">
-              <a:spcBef>
-                <a:spcPts val="2133"/>
-              </a:spcBef>
-              <a:spcAft>
-                <a:spcPts val="2133"/>
-              </a:spcAft>
-              <a:buNone/>
-            </a:pPr>
-            <a:r>
-              <a:rPr lang="es" sz="2000" b="1">
-                <a:solidFill>
-                  <a:srgbClr val="333333"/>
-                </a:solidFill>
-                <a:highlight>
-                  <a:schemeClr val="lt1"/>
-                </a:highlight>
-                <a:latin typeface="Times New Roman"/>
-                <a:ea typeface="Times New Roman"/>
-                <a:cs typeface="Times New Roman"/>
-                <a:sym typeface="Times New Roman"/>
-              </a:rPr>
-              <a:t>Como investigador</a:t>
-            </a:r>
-            <a:r>
-              <a:rPr lang="es" sz="2000">
-                <a:solidFill>
-                  <a:srgbClr val="333333"/>
-                </a:solidFill>
-                <a:highlight>
-                  <a:schemeClr val="lt1"/>
-                </a:highlight>
-                <a:latin typeface="Times New Roman"/>
-                <a:ea typeface="Times New Roman"/>
-                <a:cs typeface="Times New Roman"/>
-                <a:sym typeface="Times New Roman"/>
-              </a:rPr>
-              <a:t>… </a:t>
-            </a:r>
-            <a:endParaRPr sz="2000">
-              <a:solidFill>
-                <a:srgbClr val="333333"/>
-              </a:solidFill>
-              <a:highlight>
-                <a:srgbClr val="FFFFFF"/>
-              </a:highlight>
-              <a:latin typeface="Times New Roman"/>
-              <a:ea typeface="Times New Roman"/>
-              <a:cs typeface="Times New Roman"/>
-              <a:sym typeface="Times New Roman"/>
-            </a:endParaRPr>
-          </a:p>
-        </p:txBody>
-      </p:sp>
-      <p:sp>
-        <p:nvSpPr>
-          <p:cNvPr id="457" name="Google Shape;457;p69"/>
-          <p:cNvSpPr txBox="1">
-            <a:spLocks noGrp="1"/>
-          </p:cNvSpPr>
-          <p:nvPr>
-            <p:ph type="subTitle" idx="1"/>
-          </p:nvPr>
-        </p:nvSpPr>
-        <p:spPr>
-          <a:xfrm>
-            <a:off x="354000" y="3895201"/>
-            <a:ext cx="5393600" cy="1794000"/>
-          </a:xfrm>
-          <a:prstGeom prst="rect">
-            <a:avLst/>
-          </a:prstGeom>
-        </p:spPr>
-        <p:txBody>
-          <a:bodyPr spcFirstLastPara="1" wrap="square" lIns="121897" tIns="121897" rIns="121897" bIns="121897" anchor="t" anchorCtr="0">
-            <a:noAutofit/>
-          </a:bodyPr>
-          <a:lstStyle/>
-          <a:p>
-            <a:pPr marL="0" indent="0" algn="l"/>
-            <a:endParaRPr/>
-          </a:p>
-          <a:p>
-            <a:pPr marL="0" indent="0" algn="l"/>
-            <a:endParaRPr/>
-          </a:p>
-        </p:txBody>
-      </p:sp>
-    </p:spTree>
-    <p:extLst>
-      <p:ext uri="{BB962C8B-B14F-4D97-AF65-F5344CB8AC3E}">
-        <p14:creationId xmlns:p14="http://schemas.microsoft.com/office/powerpoint/2010/main" val="936684693"/>
       </p:ext>
     </p:extLst>
   </p:cSld>
@@ -14791,12 +15266,12 @@
 </p:sld>
 </file>
 
-<file path=ppt/slides/slide5.xml><?xml version="1.0" encoding="utf-8"?>
+<file path=ppt/slides/slide40.xml><?xml version="1.0" encoding="utf-8"?>
 <p:sld xmlns:a="http://schemas.openxmlformats.org/drawingml/2006/main" xmlns:r="http://schemas.openxmlformats.org/officeDocument/2006/relationships" xmlns:p="http://schemas.openxmlformats.org/presentationml/2006/main">
   <p:cSld>
     <p:spTree>
       <p:nvGrpSpPr>
-        <p:cNvPr id="1" name="Shape 89"/>
+        <p:cNvPr id="1" name="Shape 454"/>
         <p:cNvGrpSpPr/>
         <p:nvPr/>
       </p:nvGrpSpPr>
@@ -14810,7 +15285,7 @@
       </p:grpSpPr>
       <p:sp>
         <p:nvSpPr>
-          <p:cNvPr id="90" name="Google Shape;90;p17"/>
+          <p:cNvPr id="455" name="Google Shape;455;p69"/>
           <p:cNvSpPr txBox="1">
             <a:spLocks noGrp="1"/>
           </p:cNvSpPr>
@@ -14820,8 +15295,8 @@
         </p:nvSpPr>
         <p:spPr>
           <a:xfrm>
-            <a:off x="415600" y="496667"/>
-            <a:ext cx="11360800" cy="978000"/>
+            <a:off x="354000" y="1438333"/>
+            <a:ext cx="5393600" cy="2385600"/>
           </a:xfrm>
           <a:prstGeom prst="rect">
             <a:avLst/>
@@ -14835,7 +15310,7 @@
           <a:p>
             <a:r>
               <a:rPr lang="es"/>
-              <a:t>Tipos de Gráficas</a:t>
+              <a:t>Conclusión</a:t>
             </a:r>
             <a:endParaRPr/>
           </a:p>
@@ -14843,18 +15318,244 @@
       </p:sp>
       <p:sp>
         <p:nvSpPr>
-          <p:cNvPr id="91" name="Google Shape;91;p17"/>
+          <p:cNvPr id="456" name="Google Shape;456;p69"/>
           <p:cNvSpPr txBox="1">
             <a:spLocks noGrp="1"/>
           </p:cNvSpPr>
           <p:nvPr>
-            <p:ph type="body" idx="1"/>
-          </p:nvPr>
-        </p:nvSpPr>
-        <p:spPr>
-          <a:xfrm>
-            <a:off x="415600" y="1728167"/>
-            <a:ext cx="11360800" cy="4133200"/>
+            <p:ph type="body" idx="2"/>
+          </p:nvPr>
+        </p:nvSpPr>
+        <p:spPr>
+          <a:xfrm>
+            <a:off x="6586000" y="460500"/>
+            <a:ext cx="5116000" cy="5432000"/>
+          </a:xfrm>
+          <a:prstGeom prst="rect">
+            <a:avLst/>
+          </a:prstGeom>
+        </p:spPr>
+        <p:txBody>
+          <a:bodyPr spcFirstLastPara="1" wrap="square" lIns="121897" tIns="121897" rIns="121897" bIns="121897" anchor="ctr" anchorCtr="0">
+            <a:noAutofit/>
+          </a:bodyPr>
+          <a:lstStyle/>
+          <a:p>
+            <a:pPr marL="0" indent="0" algn="just">
+              <a:buNone/>
+            </a:pPr>
+            <a:r>
+              <a:rPr lang="es" sz="2000">
+                <a:solidFill>
+                  <a:srgbClr val="333333"/>
+                </a:solidFill>
+                <a:highlight>
+                  <a:srgbClr val="FFFFFF"/>
+                </a:highlight>
+                <a:latin typeface="Times New Roman"/>
+                <a:ea typeface="Times New Roman"/>
+                <a:cs typeface="Times New Roman"/>
+                <a:sym typeface="Times New Roman"/>
+              </a:rPr>
+              <a:t>Los gráficos de datos son una ventana a los resultados encontrados e invita al lector a sacar </a:t>
+            </a:r>
+            <a:r>
+              <a:rPr lang="es" sz="2000" b="1">
+                <a:solidFill>
+                  <a:srgbClr val="333333"/>
+                </a:solidFill>
+                <a:highlight>
+                  <a:srgbClr val="FFFFFF"/>
+                </a:highlight>
+                <a:latin typeface="Times New Roman"/>
+                <a:ea typeface="Times New Roman"/>
+                <a:cs typeface="Times New Roman"/>
+                <a:sym typeface="Times New Roman"/>
+              </a:rPr>
+              <a:t>sus propias</a:t>
+            </a:r>
+            <a:r>
+              <a:rPr lang="es" sz="2000">
+                <a:solidFill>
+                  <a:srgbClr val="333333"/>
+                </a:solidFill>
+                <a:highlight>
+                  <a:srgbClr val="FFFFFF"/>
+                </a:highlight>
+                <a:latin typeface="Times New Roman"/>
+                <a:ea typeface="Times New Roman"/>
+                <a:cs typeface="Times New Roman"/>
+                <a:sym typeface="Times New Roman"/>
+              </a:rPr>
+              <a:t> conclusiones.. ¿o no?.</a:t>
+            </a:r>
+            <a:endParaRPr sz="2000">
+              <a:solidFill>
+                <a:srgbClr val="333333"/>
+              </a:solidFill>
+              <a:highlight>
+                <a:srgbClr val="FFFFFF"/>
+              </a:highlight>
+              <a:latin typeface="Times New Roman"/>
+              <a:ea typeface="Times New Roman"/>
+              <a:cs typeface="Times New Roman"/>
+              <a:sym typeface="Times New Roman"/>
+            </a:endParaRPr>
+          </a:p>
+          <a:p>
+            <a:pPr marL="0" indent="0" algn="just">
+              <a:spcBef>
+                <a:spcPts val="2133"/>
+              </a:spcBef>
+              <a:buNone/>
+            </a:pPr>
+            <a:r>
+              <a:rPr lang="es" sz="2000">
+                <a:solidFill>
+                  <a:srgbClr val="333333"/>
+                </a:solidFill>
+                <a:highlight>
+                  <a:srgbClr val="FFFFFF"/>
+                </a:highlight>
+                <a:latin typeface="Times New Roman"/>
+                <a:ea typeface="Times New Roman"/>
+                <a:cs typeface="Times New Roman"/>
+                <a:sym typeface="Times New Roman"/>
+              </a:rPr>
+              <a:t>Cambios aparentemente sutiles en la forma de presentar los datos pueden tener un impacto notorio en la forma en que se interpreta.</a:t>
+            </a:r>
+            <a:endParaRPr sz="2000">
+              <a:solidFill>
+                <a:srgbClr val="333333"/>
+              </a:solidFill>
+              <a:highlight>
+                <a:srgbClr val="FFFFFF"/>
+              </a:highlight>
+              <a:latin typeface="Times New Roman"/>
+              <a:ea typeface="Times New Roman"/>
+              <a:cs typeface="Times New Roman"/>
+              <a:sym typeface="Times New Roman"/>
+            </a:endParaRPr>
+          </a:p>
+          <a:p>
+            <a:pPr marL="0" indent="0" algn="just">
+              <a:spcBef>
+                <a:spcPts val="2133"/>
+              </a:spcBef>
+              <a:buNone/>
+            </a:pPr>
+            <a:r>
+              <a:rPr lang="es" sz="2000" b="1">
+                <a:solidFill>
+                  <a:srgbClr val="333333"/>
+                </a:solidFill>
+                <a:highlight>
+                  <a:srgbClr val="FFFFFF"/>
+                </a:highlight>
+                <a:latin typeface="Times New Roman"/>
+                <a:ea typeface="Times New Roman"/>
+                <a:cs typeface="Times New Roman"/>
+                <a:sym typeface="Times New Roman"/>
+              </a:rPr>
+              <a:t>Como lector</a:t>
+            </a:r>
+            <a:r>
+              <a:rPr lang="es" sz="2000">
+                <a:solidFill>
+                  <a:srgbClr val="333333"/>
+                </a:solidFill>
+                <a:highlight>
+                  <a:srgbClr val="FFFFFF"/>
+                </a:highlight>
+                <a:latin typeface="Times New Roman"/>
+                <a:ea typeface="Times New Roman"/>
+                <a:cs typeface="Times New Roman"/>
+                <a:sym typeface="Times New Roman"/>
+              </a:rPr>
+              <a:t>… hay que preguntarnos si la gráfica que se nos muestra refleja los datos obtenidos ó si fue diseñada para reflejar las expectativas de lo que se esperaba encontrar.</a:t>
+            </a:r>
+            <a:endParaRPr sz="2000">
+              <a:solidFill>
+                <a:srgbClr val="333333"/>
+              </a:solidFill>
+              <a:highlight>
+                <a:srgbClr val="FFFFFF"/>
+              </a:highlight>
+              <a:latin typeface="Times New Roman"/>
+              <a:ea typeface="Times New Roman"/>
+              <a:cs typeface="Times New Roman"/>
+              <a:sym typeface="Times New Roman"/>
+            </a:endParaRPr>
+          </a:p>
+          <a:p>
+            <a:pPr marL="0" indent="0" algn="just">
+              <a:spcBef>
+                <a:spcPts val="2133"/>
+              </a:spcBef>
+              <a:spcAft>
+                <a:spcPts val="2133"/>
+              </a:spcAft>
+              <a:buNone/>
+            </a:pPr>
+            <a:r>
+              <a:rPr lang="es" sz="2000" b="1">
+                <a:solidFill>
+                  <a:srgbClr val="333333"/>
+                </a:solidFill>
+                <a:highlight>
+                  <a:schemeClr val="lt1"/>
+                </a:highlight>
+                <a:latin typeface="Times New Roman"/>
+                <a:ea typeface="Times New Roman"/>
+                <a:cs typeface="Times New Roman"/>
+                <a:sym typeface="Times New Roman"/>
+              </a:rPr>
+              <a:t>Como investigador</a:t>
+            </a:r>
+            <a:r>
+              <a:rPr lang="es" sz="2000">
+                <a:solidFill>
+                  <a:srgbClr val="333333"/>
+                </a:solidFill>
+                <a:highlight>
+                  <a:schemeClr val="lt1"/>
+                </a:highlight>
+                <a:latin typeface="Times New Roman"/>
+                <a:ea typeface="Times New Roman"/>
+                <a:cs typeface="Times New Roman"/>
+                <a:sym typeface="Times New Roman"/>
+              </a:rPr>
+              <a:t>… </a:t>
+            </a:r>
+            <a:endParaRPr sz="2000">
+              <a:solidFill>
+                <a:srgbClr val="333333"/>
+              </a:solidFill>
+              <a:highlight>
+                <a:srgbClr val="FFFFFF"/>
+              </a:highlight>
+              <a:latin typeface="Times New Roman"/>
+              <a:ea typeface="Times New Roman"/>
+              <a:cs typeface="Times New Roman"/>
+              <a:sym typeface="Times New Roman"/>
+            </a:endParaRPr>
+          </a:p>
+        </p:txBody>
+      </p:sp>
+      <p:sp>
+        <p:nvSpPr>
+          <p:cNvPr id="457" name="Google Shape;457;p69"/>
+          <p:cNvSpPr txBox="1">
+            <a:spLocks noGrp="1"/>
+          </p:cNvSpPr>
+          <p:nvPr>
+            <p:ph type="subTitle" idx="1"/>
+          </p:nvPr>
+        </p:nvSpPr>
+        <p:spPr>
+          <a:xfrm>
+            <a:off x="354000" y="3895201"/>
+            <a:ext cx="5393600" cy="1794000"/>
           </a:xfrm>
           <a:prstGeom prst="rect">
             <a:avLst/>
@@ -14866,62 +15567,11 @@
           </a:bodyPr>
           <a:lstStyle/>
           <a:p>
-            <a:r>
-              <a:rPr lang="es"/>
-              <a:t>Gráfica de Pastel</a:t>
-            </a:r>
-            <a:br>
-              <a:rPr lang="es"/>
-            </a:br>
+            <a:pPr marL="0" indent="0" algn="l"/>
             <a:endParaRPr/>
           </a:p>
           <a:p>
-            <a:r>
-              <a:rPr lang="es"/>
-              <a:t>Gráfica de Barras</a:t>
-            </a:r>
-            <a:br>
-              <a:rPr lang="es"/>
-            </a:br>
-            <a:endParaRPr/>
-          </a:p>
-          <a:p>
-            <a:r>
-              <a:rPr lang="es"/>
-              <a:t>Histograma</a:t>
-            </a:r>
-            <a:br>
-              <a:rPr lang="es"/>
-            </a:br>
-            <a:endParaRPr/>
-          </a:p>
-          <a:p>
-            <a:r>
-              <a:rPr lang="es"/>
-              <a:t>Gráficas lineales</a:t>
-            </a:r>
-            <a:br>
-              <a:rPr lang="es"/>
-            </a:br>
-            <a:endParaRPr/>
-          </a:p>
-          <a:p>
-            <a:r>
-              <a:rPr lang="es"/>
-              <a:t>Polígono de frecuencia</a:t>
-            </a:r>
-            <a:endParaRPr/>
-          </a:p>
-          <a:p>
-            <a:pPr marL="0" indent="0">
-              <a:spcBef>
-                <a:spcPts val="2133"/>
-              </a:spcBef>
-              <a:spcAft>
-                <a:spcPts val="2133"/>
-              </a:spcAft>
-              <a:buNone/>
-            </a:pPr>
+            <a:pPr marL="0" indent="0" algn="l"/>
             <a:endParaRPr/>
           </a:p>
         </p:txBody>
@@ -14929,7 +15579,117 @@
     </p:spTree>
     <p:extLst>
       <p:ext uri="{BB962C8B-B14F-4D97-AF65-F5344CB8AC3E}">
-        <p14:creationId xmlns:p14="http://schemas.microsoft.com/office/powerpoint/2010/main" val="3574841340"/>
+        <p14:creationId xmlns:p14="http://schemas.microsoft.com/office/powerpoint/2010/main" val="936684693"/>
+      </p:ext>
+    </p:extLst>
+  </p:cSld>
+  <p:clrMapOvr>
+    <a:masterClrMapping/>
+  </p:clrMapOvr>
+</p:sld>
+</file>
+
+<file path=ppt/slides/slide5.xml><?xml version="1.0" encoding="utf-8"?>
+<p:sld xmlns:a="http://schemas.openxmlformats.org/drawingml/2006/main" xmlns:r="http://schemas.openxmlformats.org/officeDocument/2006/relationships" xmlns:p="http://schemas.openxmlformats.org/presentationml/2006/main">
+  <p:cSld>
+    <p:spTree>
+      <p:nvGrpSpPr>
+        <p:cNvPr id="1" name=""/>
+        <p:cNvGrpSpPr/>
+        <p:nvPr/>
+      </p:nvGrpSpPr>
+      <p:grpSpPr>
+        <a:xfrm>
+          <a:off x="0" y="0"/>
+          <a:ext cx="0" cy="0"/>
+          <a:chOff x="0" y="0"/>
+          <a:chExt cx="0" cy="0"/>
+        </a:xfrm>
+      </p:grpSpPr>
+      <p:sp>
+        <p:nvSpPr>
+          <p:cNvPr id="2" name="Título 1">
+            <a:extLst>
+              <a:ext uri="{FF2B5EF4-FFF2-40B4-BE49-F238E27FC236}">
+                <a16:creationId xmlns:a16="http://schemas.microsoft.com/office/drawing/2014/main" id="{ACC68E52-B8FD-47EE-8C5B-8F192CE50655}"/>
+              </a:ext>
+            </a:extLst>
+          </p:cNvPr>
+          <p:cNvSpPr>
+            <a:spLocks noGrp="1"/>
+          </p:cNvSpPr>
+          <p:nvPr>
+            <p:ph type="title"/>
+          </p:nvPr>
+        </p:nvSpPr>
+        <p:spPr/>
+        <p:txBody>
+          <a:bodyPr/>
+          <a:lstStyle/>
+          <a:p>
+            <a:endParaRPr lang="es-MX"/>
+          </a:p>
+        </p:txBody>
+      </p:sp>
+      <p:sp>
+        <p:nvSpPr>
+          <p:cNvPr id="3" name="Marcador de contenido 2">
+            <a:extLst>
+              <a:ext uri="{FF2B5EF4-FFF2-40B4-BE49-F238E27FC236}">
+                <a16:creationId xmlns:a16="http://schemas.microsoft.com/office/drawing/2014/main" id="{EFED141D-FDB1-4610-8A3E-E5FFF79A55BF}"/>
+              </a:ext>
+            </a:extLst>
+          </p:cNvPr>
+          <p:cNvSpPr>
+            <a:spLocks noGrp="1"/>
+          </p:cNvSpPr>
+          <p:nvPr>
+            <p:ph idx="1"/>
+          </p:nvPr>
+        </p:nvSpPr>
+        <p:spPr/>
+        <p:txBody>
+          <a:bodyPr/>
+          <a:lstStyle/>
+          <a:p>
+            <a:endParaRPr lang="es-MX"/>
+          </a:p>
+        </p:txBody>
+      </p:sp>
+      <p:pic>
+        <p:nvPicPr>
+          <p:cNvPr id="4" name="Imagen 3">
+            <a:extLst>
+              <a:ext uri="{FF2B5EF4-FFF2-40B4-BE49-F238E27FC236}">
+                <a16:creationId xmlns:a16="http://schemas.microsoft.com/office/drawing/2014/main" id="{AF230C21-9E11-4018-8ABA-D2094868C6A0}"/>
+              </a:ext>
+            </a:extLst>
+          </p:cNvPr>
+          <p:cNvPicPr>
+            <a:picLocks noChangeAspect="1"/>
+          </p:cNvPicPr>
+          <p:nvPr/>
+        </p:nvPicPr>
+        <p:blipFill>
+          <a:blip r:embed="rId2"/>
+          <a:stretch>
+            <a:fillRect/>
+          </a:stretch>
+        </p:blipFill>
+        <p:spPr>
+          <a:xfrm>
+            <a:off x="665962" y="149599"/>
+            <a:ext cx="10323616" cy="6250997"/>
+          </a:xfrm>
+          <a:prstGeom prst="rect">
+            <a:avLst/>
+          </a:prstGeom>
+        </p:spPr>
+      </p:pic>
+    </p:spTree>
+    <p:extLst>
+      <p:ext uri="{BB962C8B-B14F-4D97-AF65-F5344CB8AC3E}">
+        <p14:creationId xmlns:p14="http://schemas.microsoft.com/office/powerpoint/2010/main" val="1763324150"/>
       </p:ext>
     </p:extLst>
   </p:cSld>
@@ -14944,7 +15704,7 @@
   <p:cSld>
     <p:spTree>
       <p:nvGrpSpPr>
-        <p:cNvPr id="1" name="Shape 129"/>
+        <p:cNvPr id="1" name=""/>
         <p:cNvGrpSpPr/>
         <p:nvPr/>
       </p:nvGrpSpPr>
@@ -14958,169 +15718,140 @@
       </p:grpSpPr>
       <p:sp>
         <p:nvSpPr>
-          <p:cNvPr id="130" name="Google Shape;130;p22"/>
-          <p:cNvSpPr txBox="1">
+          <p:cNvPr id="2" name="Título 1">
+            <a:extLst>
+              <a:ext uri="{FF2B5EF4-FFF2-40B4-BE49-F238E27FC236}">
+                <a16:creationId xmlns:a16="http://schemas.microsoft.com/office/drawing/2014/main" id="{ACC68E52-B8FD-47EE-8C5B-8F192CE50655}"/>
+              </a:ext>
+            </a:extLst>
+          </p:cNvPr>
+          <p:cNvSpPr>
             <a:spLocks noGrp="1"/>
           </p:cNvSpPr>
           <p:nvPr>
             <p:ph type="title"/>
           </p:nvPr>
         </p:nvSpPr>
-        <p:spPr>
-          <a:xfrm>
-            <a:off x="415600" y="496667"/>
-            <a:ext cx="11360800" cy="978000"/>
-          </a:xfrm>
-          <a:prstGeom prst="rect">
-            <a:avLst/>
-          </a:prstGeom>
-        </p:spPr>
-        <p:txBody>
-          <a:bodyPr spcFirstLastPara="1" wrap="square" lIns="121897" tIns="121897" rIns="121897" bIns="121897" anchor="b" anchorCtr="0">
-            <a:noAutofit/>
-          </a:bodyPr>
-          <a:lstStyle/>
-          <a:p>
-            <a:r>
-              <a:rPr lang="es"/>
-              <a:t>Gráficas de Pastel</a:t>
-            </a:r>
-            <a:endParaRPr/>
-          </a:p>
-        </p:txBody>
-      </p:sp>
-      <p:sp>
-        <p:nvSpPr>
-          <p:cNvPr id="131" name="Google Shape;131;p22"/>
-          <p:cNvSpPr txBox="1">
-            <a:spLocks noGrp="1"/>
-          </p:cNvSpPr>
-          <p:nvPr>
-            <p:ph type="body" idx="1"/>
-          </p:nvPr>
-        </p:nvSpPr>
-        <p:spPr>
-          <a:xfrm>
-            <a:off x="415600" y="1958433"/>
-            <a:ext cx="5333200" cy="4133200"/>
-          </a:xfrm>
-          <a:prstGeom prst="rect">
-            <a:avLst/>
-          </a:prstGeom>
-        </p:spPr>
-        <p:txBody>
-          <a:bodyPr spcFirstLastPara="1" wrap="square" lIns="121897" tIns="121897" rIns="121897" bIns="121897" anchor="t" anchorCtr="0">
-            <a:noAutofit/>
-          </a:bodyPr>
-          <a:lstStyle/>
-          <a:p>
-            <a:pPr indent="-457189" algn="just">
-              <a:buSzPts val="1800"/>
-            </a:pPr>
-            <a:r>
-              <a:rPr lang="es" sz="2400" dirty="0"/>
-              <a:t>Se utilizan para representar </a:t>
-            </a:r>
-            <a:r>
-              <a:rPr lang="es" sz="2400" b="1" dirty="0"/>
-              <a:t>porcentajes (proporciones).</a:t>
-            </a:r>
-            <a:br>
-              <a:rPr lang="es" sz="2400" b="1" dirty="0"/>
-            </a:br>
-            <a:endParaRPr sz="2400" b="1" dirty="0"/>
-          </a:p>
-          <a:p>
-            <a:pPr indent="-457189" algn="just">
-              <a:buSzPts val="1800"/>
-            </a:pPr>
-            <a:r>
-              <a:rPr lang="es" sz="2400" dirty="0"/>
-              <a:t>Deben sumar 1.</a:t>
-            </a:r>
-            <a:endParaRPr sz="2400" dirty="0"/>
-          </a:p>
-          <a:p>
-            <a:pPr lvl="1" algn="just">
-              <a:spcBef>
-                <a:spcPts val="0"/>
-              </a:spcBef>
-            </a:pPr>
-            <a:r>
-              <a:rPr lang="es" dirty="0"/>
-              <a:t>La suma de las partes no puede ser más ni menos que el TOTAL.</a:t>
-            </a:r>
-            <a:endParaRPr dirty="0"/>
-          </a:p>
-        </p:txBody>
-      </p:sp>
-      <p:sp>
-        <p:nvSpPr>
-          <p:cNvPr id="132" name="Google Shape;132;p22"/>
-          <p:cNvSpPr txBox="1">
-            <a:spLocks noGrp="1"/>
-          </p:cNvSpPr>
-          <p:nvPr>
-            <p:ph type="body" idx="2"/>
-          </p:nvPr>
-        </p:nvSpPr>
-        <p:spPr>
-          <a:xfrm>
-            <a:off x="6443200" y="1958433"/>
-            <a:ext cx="5333200" cy="4133200"/>
-          </a:xfrm>
-          <a:prstGeom prst="rect">
-            <a:avLst/>
-          </a:prstGeom>
-        </p:spPr>
-        <p:txBody>
-          <a:bodyPr spcFirstLastPara="1" wrap="square" lIns="121897" tIns="121897" rIns="121897" bIns="121897" anchor="t" anchorCtr="0">
-            <a:noAutofit/>
-          </a:bodyPr>
-          <a:lstStyle/>
-          <a:p>
-            <a:pPr marL="0" indent="0">
-              <a:spcAft>
-                <a:spcPts val="2133"/>
-              </a:spcAft>
-              <a:buNone/>
-            </a:pPr>
-            <a:endParaRPr/>
+        <p:spPr/>
+        <p:txBody>
+          <a:bodyPr/>
+          <a:lstStyle/>
+          <a:p>
+            <a:endParaRPr lang="es-MX"/>
+          </a:p>
+        </p:txBody>
+      </p:sp>
+      <p:sp>
+        <p:nvSpPr>
+          <p:cNvPr id="3" name="Marcador de contenido 2">
+            <a:extLst>
+              <a:ext uri="{FF2B5EF4-FFF2-40B4-BE49-F238E27FC236}">
+                <a16:creationId xmlns:a16="http://schemas.microsoft.com/office/drawing/2014/main" id="{EFED141D-FDB1-4610-8A3E-E5FFF79A55BF}"/>
+              </a:ext>
+            </a:extLst>
+          </p:cNvPr>
+          <p:cNvSpPr>
+            <a:spLocks noGrp="1"/>
+          </p:cNvSpPr>
+          <p:nvPr>
+            <p:ph idx="1"/>
+          </p:nvPr>
+        </p:nvSpPr>
+        <p:spPr/>
+        <p:txBody>
+          <a:bodyPr/>
+          <a:lstStyle/>
+          <a:p>
+            <a:endParaRPr lang="es-MX"/>
           </a:p>
         </p:txBody>
       </p:sp>
       <p:pic>
         <p:nvPicPr>
-          <p:cNvPr id="133" name="Google Shape;133;p22"/>
-          <p:cNvPicPr preferRelativeResize="0"/>
+          <p:cNvPr id="4" name="Imagen 3">
+            <a:extLst>
+              <a:ext uri="{FF2B5EF4-FFF2-40B4-BE49-F238E27FC236}">
+                <a16:creationId xmlns:a16="http://schemas.microsoft.com/office/drawing/2014/main" id="{AF230C21-9E11-4018-8ABA-D2094868C6A0}"/>
+              </a:ext>
+            </a:extLst>
+          </p:cNvPr>
+          <p:cNvPicPr>
+            <a:picLocks noChangeAspect="1"/>
+          </p:cNvPicPr>
           <p:nvPr/>
         </p:nvPicPr>
         <p:blipFill>
-          <a:blip r:embed="rId3">
-            <a:alphaModFix/>
-          </a:blip>
+          <a:blip r:embed="rId2"/>
           <a:stretch>
             <a:fillRect/>
           </a:stretch>
         </p:blipFill>
         <p:spPr>
           <a:xfrm>
-            <a:off x="6315467" y="496670"/>
-            <a:ext cx="5277695" cy="5798033"/>
+            <a:off x="665962" y="149599"/>
+            <a:ext cx="10323616" cy="6250997"/>
           </a:xfrm>
           <a:prstGeom prst="rect">
             <a:avLst/>
           </a:prstGeom>
+        </p:spPr>
+      </p:pic>
+      <p:sp>
+        <p:nvSpPr>
+          <p:cNvPr id="6" name="Rectángulo: esquinas redondeadas 5">
+            <a:extLst>
+              <a:ext uri="{FF2B5EF4-FFF2-40B4-BE49-F238E27FC236}">
+                <a16:creationId xmlns:a16="http://schemas.microsoft.com/office/drawing/2014/main" id="{66461CFE-A4F2-4F8B-A8D4-F43EFD29A094}"/>
+              </a:ext>
+            </a:extLst>
+          </p:cNvPr>
+          <p:cNvSpPr/>
+          <p:nvPr/>
+        </p:nvSpPr>
+        <p:spPr>
+          <a:xfrm>
+            <a:off x="1057011" y="5519752"/>
+            <a:ext cx="10586907" cy="880844"/>
+          </a:xfrm>
+          <a:prstGeom prst="roundRect">
+            <a:avLst/>
+          </a:prstGeom>
           <a:noFill/>
-          <a:ln>
-            <a:noFill/>
+          <a:ln w="76200">
+            <a:solidFill>
+              <a:srgbClr val="FF0000"/>
+            </a:solidFill>
           </a:ln>
         </p:spPr>
-      </p:pic>
+        <p:style>
+          <a:lnRef idx="2">
+            <a:schemeClr val="accent1">
+              <a:shade val="50000"/>
+            </a:schemeClr>
+          </a:lnRef>
+          <a:fillRef idx="1">
+            <a:schemeClr val="accent1"/>
+          </a:fillRef>
+          <a:effectRef idx="0">
+            <a:schemeClr val="accent1"/>
+          </a:effectRef>
+          <a:fontRef idx="minor">
+            <a:schemeClr val="lt1"/>
+          </a:fontRef>
+        </p:style>
+        <p:txBody>
+          <a:bodyPr rtlCol="0" anchor="ctr"/>
+          <a:lstStyle/>
+          <a:p>
+            <a:pPr algn="ctr"/>
+            <a:endParaRPr lang="es-MX"/>
+          </a:p>
+        </p:txBody>
+      </p:sp>
     </p:spTree>
     <p:extLst>
       <p:ext uri="{BB962C8B-B14F-4D97-AF65-F5344CB8AC3E}">
-        <p14:creationId xmlns:p14="http://schemas.microsoft.com/office/powerpoint/2010/main" val="249720532"/>
+        <p14:creationId xmlns:p14="http://schemas.microsoft.com/office/powerpoint/2010/main" val="3530518726"/>
       </p:ext>
     </p:extLst>
   </p:cSld>
@@ -15135,7 +15866,7 @@
   <p:cSld>
     <p:spTree>
       <p:nvGrpSpPr>
-        <p:cNvPr id="1" name="Shape 120"/>
+        <p:cNvPr id="1" name=""/>
         <p:cNvGrpSpPr/>
         <p:nvPr/>
       </p:nvGrpSpPr>
@@ -15149,324 +15880,140 @@
       </p:grpSpPr>
       <p:sp>
         <p:nvSpPr>
-          <p:cNvPr id="121" name="Google Shape;121;p21"/>
-          <p:cNvSpPr txBox="1">
+          <p:cNvPr id="2" name="Título 1">
+            <a:extLst>
+              <a:ext uri="{FF2B5EF4-FFF2-40B4-BE49-F238E27FC236}">
+                <a16:creationId xmlns:a16="http://schemas.microsoft.com/office/drawing/2014/main" id="{ACC68E52-B8FD-47EE-8C5B-8F192CE50655}"/>
+              </a:ext>
+            </a:extLst>
+          </p:cNvPr>
+          <p:cNvSpPr>
             <a:spLocks noGrp="1"/>
           </p:cNvSpPr>
           <p:nvPr>
             <p:ph type="title"/>
           </p:nvPr>
         </p:nvSpPr>
-        <p:spPr>
-          <a:xfrm>
-            <a:off x="454067" y="65700"/>
-            <a:ext cx="11360800" cy="978000"/>
-          </a:xfrm>
-          <a:prstGeom prst="rect">
-            <a:avLst/>
-          </a:prstGeom>
-        </p:spPr>
-        <p:txBody>
-          <a:bodyPr spcFirstLastPara="1" wrap="square" lIns="121897" tIns="121897" rIns="121897" bIns="121897" anchor="b" anchorCtr="0">
-            <a:noAutofit/>
-          </a:bodyPr>
-          <a:lstStyle/>
-          <a:p>
-            <a:r>
-              <a:rPr lang="es" dirty="0"/>
-              <a:t>Gráficas de Barras </a:t>
-            </a:r>
-            <a:endParaRPr dirty="0"/>
-          </a:p>
-        </p:txBody>
-      </p:sp>
-      <p:sp>
-        <p:nvSpPr>
-          <p:cNvPr id="122" name="Google Shape;122;p21"/>
-          <p:cNvSpPr txBox="1">
-            <a:spLocks noGrp="1"/>
-          </p:cNvSpPr>
-          <p:nvPr>
-            <p:ph type="body" idx="1"/>
-          </p:nvPr>
-        </p:nvSpPr>
-        <p:spPr>
-          <a:xfrm>
-            <a:off x="415600" y="1958433"/>
-            <a:ext cx="3696000" cy="4133200"/>
-          </a:xfrm>
-          <a:prstGeom prst="rect">
-            <a:avLst/>
-          </a:prstGeom>
-        </p:spPr>
-        <p:txBody>
-          <a:bodyPr spcFirstLastPara="1" wrap="square" lIns="121897" tIns="121897" rIns="121897" bIns="121897" anchor="t" anchorCtr="0">
-            <a:noAutofit/>
-          </a:bodyPr>
-          <a:lstStyle/>
-          <a:p>
-            <a:pPr marL="0" indent="0" algn="just">
-              <a:buNone/>
-            </a:pPr>
-            <a:r>
-              <a:rPr lang="es" sz="2400">
-                <a:solidFill>
-                  <a:srgbClr val="000000"/>
-                </a:solidFill>
-                <a:highlight>
-                  <a:srgbClr val="FFFFFF"/>
-                </a:highlight>
-                <a:latin typeface="Calibri"/>
-                <a:ea typeface="Calibri"/>
-                <a:cs typeface="Calibri"/>
-                <a:sym typeface="Calibri"/>
-              </a:rPr>
-              <a:t>Presenta los valores absolutos de cierta variable (y) en diferentes grupos o categorías (x).</a:t>
-            </a:r>
-            <a:endParaRPr sz="2400">
-              <a:solidFill>
-                <a:srgbClr val="000000"/>
-              </a:solidFill>
-              <a:highlight>
-                <a:srgbClr val="FFFFFF"/>
-              </a:highlight>
-              <a:latin typeface="Calibri"/>
-              <a:ea typeface="Calibri"/>
-              <a:cs typeface="Calibri"/>
-              <a:sym typeface="Calibri"/>
-            </a:endParaRPr>
-          </a:p>
-          <a:p>
-            <a:pPr marL="0" indent="0">
-              <a:spcBef>
-                <a:spcPts val="2133"/>
-              </a:spcBef>
-              <a:buNone/>
-            </a:pPr>
-            <a:br>
-              <a:rPr lang="es" sz="2400">
-                <a:solidFill>
-                  <a:srgbClr val="000000"/>
-                </a:solidFill>
-                <a:highlight>
-                  <a:srgbClr val="FFFFFF"/>
-                </a:highlight>
-                <a:latin typeface="Calibri"/>
-                <a:ea typeface="Calibri"/>
-                <a:cs typeface="Calibri"/>
-                <a:sym typeface="Calibri"/>
-              </a:rPr>
-            </a:br>
-            <a:endParaRPr sz="2400">
-              <a:solidFill>
-                <a:srgbClr val="000000"/>
-              </a:solidFill>
-              <a:highlight>
-                <a:srgbClr val="FFFFFF"/>
-              </a:highlight>
-              <a:latin typeface="Calibri"/>
-              <a:ea typeface="Calibri"/>
-              <a:cs typeface="Calibri"/>
-              <a:sym typeface="Calibri"/>
-            </a:endParaRPr>
-          </a:p>
-          <a:p>
-            <a:pPr marL="0" indent="0">
-              <a:spcBef>
-                <a:spcPts val="2133"/>
-              </a:spcBef>
-              <a:buNone/>
-            </a:pPr>
-            <a:r>
-              <a:rPr lang="es" sz="2400">
-                <a:solidFill>
-                  <a:srgbClr val="000000"/>
-                </a:solidFill>
-                <a:highlight>
-                  <a:srgbClr val="FFFFFF"/>
-                </a:highlight>
-                <a:latin typeface="Calibri"/>
-                <a:ea typeface="Calibri"/>
-                <a:cs typeface="Calibri"/>
-                <a:sym typeface="Calibri"/>
-              </a:rPr>
-              <a:t>X = Variable categórica</a:t>
-            </a:r>
-            <a:endParaRPr sz="2400">
-              <a:solidFill>
-                <a:srgbClr val="000000"/>
-              </a:solidFill>
-              <a:highlight>
-                <a:srgbClr val="FFFFFF"/>
-              </a:highlight>
-              <a:latin typeface="Calibri"/>
-              <a:ea typeface="Calibri"/>
-              <a:cs typeface="Calibri"/>
-              <a:sym typeface="Calibri"/>
-            </a:endParaRPr>
-          </a:p>
-          <a:p>
-            <a:pPr marL="0" indent="0">
-              <a:spcBef>
-                <a:spcPts val="2133"/>
-              </a:spcBef>
-              <a:spcAft>
-                <a:spcPts val="2133"/>
-              </a:spcAft>
-              <a:buNone/>
-            </a:pPr>
-            <a:r>
-              <a:rPr lang="es" sz="2400">
-                <a:solidFill>
-                  <a:srgbClr val="000000"/>
-                </a:solidFill>
-                <a:highlight>
-                  <a:srgbClr val="FFFFFF"/>
-                </a:highlight>
-                <a:latin typeface="Calibri"/>
-                <a:ea typeface="Calibri"/>
-                <a:cs typeface="Calibri"/>
-                <a:sym typeface="Calibri"/>
-              </a:rPr>
-              <a:t>Y = Variable numérica</a:t>
-            </a:r>
-            <a:endParaRPr sz="2400">
-              <a:solidFill>
-                <a:srgbClr val="000000"/>
-              </a:solidFill>
-              <a:highlight>
-                <a:srgbClr val="FFFFFF"/>
-              </a:highlight>
-              <a:latin typeface="Calibri"/>
-              <a:ea typeface="Calibri"/>
-              <a:cs typeface="Calibri"/>
-              <a:sym typeface="Calibri"/>
-            </a:endParaRPr>
-          </a:p>
-        </p:txBody>
-      </p:sp>
-      <p:sp>
-        <p:nvSpPr>
-          <p:cNvPr id="123" name="Google Shape;123;p21"/>
-          <p:cNvSpPr txBox="1">
-            <a:spLocks noGrp="1"/>
-          </p:cNvSpPr>
-          <p:nvPr>
-            <p:ph type="body" idx="2"/>
-          </p:nvPr>
-        </p:nvSpPr>
-        <p:spPr>
-          <a:xfrm>
-            <a:off x="6443200" y="1958433"/>
-            <a:ext cx="5333200" cy="4133200"/>
-          </a:xfrm>
-          <a:prstGeom prst="rect">
-            <a:avLst/>
-          </a:prstGeom>
-        </p:spPr>
-        <p:txBody>
-          <a:bodyPr spcFirstLastPara="1" wrap="square" lIns="121897" tIns="121897" rIns="121897" bIns="121897" anchor="t" anchorCtr="0">
-            <a:noAutofit/>
-          </a:bodyPr>
-          <a:lstStyle/>
-          <a:p>
-            <a:pPr marL="0" indent="0">
-              <a:spcAft>
-                <a:spcPts val="2133"/>
-              </a:spcAft>
-              <a:buNone/>
-            </a:pPr>
-            <a:endParaRPr/>
+        <p:spPr/>
+        <p:txBody>
+          <a:bodyPr/>
+          <a:lstStyle/>
+          <a:p>
+            <a:endParaRPr lang="es-MX"/>
+          </a:p>
+        </p:txBody>
+      </p:sp>
+      <p:sp>
+        <p:nvSpPr>
+          <p:cNvPr id="3" name="Marcador de contenido 2">
+            <a:extLst>
+              <a:ext uri="{FF2B5EF4-FFF2-40B4-BE49-F238E27FC236}">
+                <a16:creationId xmlns:a16="http://schemas.microsoft.com/office/drawing/2014/main" id="{EFED141D-FDB1-4610-8A3E-E5FFF79A55BF}"/>
+              </a:ext>
+            </a:extLst>
+          </p:cNvPr>
+          <p:cNvSpPr>
+            <a:spLocks noGrp="1"/>
+          </p:cNvSpPr>
+          <p:nvPr>
+            <p:ph idx="1"/>
+          </p:nvPr>
+        </p:nvSpPr>
+        <p:spPr/>
+        <p:txBody>
+          <a:bodyPr/>
+          <a:lstStyle/>
+          <a:p>
+            <a:endParaRPr lang="es-MX"/>
           </a:p>
         </p:txBody>
       </p:sp>
       <p:pic>
         <p:nvPicPr>
-          <p:cNvPr id="124" name="Google Shape;124;p21"/>
-          <p:cNvPicPr preferRelativeResize="0"/>
+          <p:cNvPr id="4" name="Imagen 3">
+            <a:extLst>
+              <a:ext uri="{FF2B5EF4-FFF2-40B4-BE49-F238E27FC236}">
+                <a16:creationId xmlns:a16="http://schemas.microsoft.com/office/drawing/2014/main" id="{AF230C21-9E11-4018-8ABA-D2094868C6A0}"/>
+              </a:ext>
+            </a:extLst>
+          </p:cNvPr>
+          <p:cNvPicPr>
+            <a:picLocks noChangeAspect="1"/>
+          </p:cNvPicPr>
           <p:nvPr/>
         </p:nvPicPr>
         <p:blipFill>
-          <a:blip r:embed="rId3">
-            <a:alphaModFix/>
-          </a:blip>
+          <a:blip r:embed="rId2"/>
           <a:stretch>
             <a:fillRect/>
           </a:stretch>
         </p:blipFill>
         <p:spPr>
           <a:xfrm>
-            <a:off x="4111600" y="988928"/>
-            <a:ext cx="7907400" cy="5102689"/>
+            <a:off x="665962" y="149599"/>
+            <a:ext cx="10323616" cy="6250997"/>
           </a:xfrm>
           <a:prstGeom prst="rect">
             <a:avLst/>
           </a:prstGeom>
+        </p:spPr>
+      </p:pic>
+      <p:sp>
+        <p:nvSpPr>
+          <p:cNvPr id="5" name="Rectángulo: esquinas redondeadas 4">
+            <a:extLst>
+              <a:ext uri="{FF2B5EF4-FFF2-40B4-BE49-F238E27FC236}">
+                <a16:creationId xmlns:a16="http://schemas.microsoft.com/office/drawing/2014/main" id="{8E83416C-D37C-46DE-89B0-6913C47C95E6}"/>
+              </a:ext>
+            </a:extLst>
+          </p:cNvPr>
+          <p:cNvSpPr/>
+          <p:nvPr/>
+        </p:nvSpPr>
+        <p:spPr>
+          <a:xfrm>
+            <a:off x="461394" y="1385202"/>
+            <a:ext cx="889234" cy="4351337"/>
+          </a:xfrm>
+          <a:prstGeom prst="roundRect">
+            <a:avLst/>
+          </a:prstGeom>
           <a:noFill/>
-          <a:ln>
-            <a:noFill/>
+          <a:ln w="76200">
+            <a:solidFill>
+              <a:srgbClr val="FF0000"/>
+            </a:solidFill>
           </a:ln>
         </p:spPr>
-      </p:pic>
-      <p:sp>
-        <p:nvSpPr>
-          <p:cNvPr id="125" name="Google Shape;125;p21"/>
-          <p:cNvSpPr txBox="1"/>
-          <p:nvPr/>
-        </p:nvSpPr>
-        <p:spPr>
-          <a:xfrm>
-            <a:off x="312467" y="6397500"/>
-            <a:ext cx="11644000" cy="394800"/>
-          </a:xfrm>
-          <a:prstGeom prst="rect">
-            <a:avLst/>
-          </a:prstGeom>
-          <a:solidFill>
-            <a:srgbClr val="FCE5CD"/>
-          </a:solidFill>
-          <a:ln>
-            <a:noFill/>
-          </a:ln>
-        </p:spPr>
-        <p:txBody>
-          <a:bodyPr spcFirstLastPara="1" wrap="square" lIns="121897" tIns="121897" rIns="121897" bIns="121897" anchor="t" anchorCtr="0">
-            <a:noAutofit/>
-          </a:bodyPr>
-          <a:lstStyle/>
-          <a:p>
-            <a:r>
-              <a:rPr lang="es"/>
-              <a:t>IFT, 2015  (</a:t>
-            </a:r>
-            <a:r>
-              <a:rPr lang="es" sz="1500" u="sng">
-                <a:solidFill>
-                  <a:schemeClr val="accent5"/>
-                </a:solidFill>
-                <a:hlinkClick r:id="rId4"/>
-              </a:rPr>
-              <a:t>http://www.ift.org.mx/sites/default/files/contenidogeneral/comunicacion-y-medios/estudiosninosfinalacc.pdf</a:t>
-            </a:r>
-            <a:r>
-              <a:rPr lang="es"/>
-              <a:t> )</a:t>
-            </a:r>
-            <a:endParaRPr sz="1700">
-              <a:solidFill>
-                <a:srgbClr val="444444"/>
-              </a:solidFill>
-              <a:highlight>
-                <a:srgbClr val="FFFFFF"/>
-              </a:highlight>
-            </a:endParaRPr>
+        <p:style>
+          <a:lnRef idx="2">
+            <a:schemeClr val="accent1">
+              <a:shade val="50000"/>
+            </a:schemeClr>
+          </a:lnRef>
+          <a:fillRef idx="1">
+            <a:schemeClr val="accent1"/>
+          </a:fillRef>
+          <a:effectRef idx="0">
+            <a:schemeClr val="accent1"/>
+          </a:effectRef>
+          <a:fontRef idx="minor">
+            <a:schemeClr val="lt1"/>
+          </a:fontRef>
+        </p:style>
+        <p:txBody>
+          <a:bodyPr rtlCol="0" anchor="ctr"/>
+          <a:lstStyle/>
+          <a:p>
+            <a:pPr algn="ctr"/>
+            <a:endParaRPr lang="es-MX"/>
           </a:p>
         </p:txBody>
       </p:sp>
     </p:spTree>
     <p:extLst>
       <p:ext uri="{BB962C8B-B14F-4D97-AF65-F5344CB8AC3E}">
-        <p14:creationId xmlns:p14="http://schemas.microsoft.com/office/powerpoint/2010/main" val="959813564"/>
+        <p14:creationId xmlns:p14="http://schemas.microsoft.com/office/powerpoint/2010/main" val="1705687358"/>
       </p:ext>
     </p:extLst>
   </p:cSld>
@@ -15481,7 +16028,7 @@
   <p:cSld>
     <p:spTree>
       <p:nvGrpSpPr>
-        <p:cNvPr id="1" name="Shape 164"/>
+        <p:cNvPr id="1" name=""/>
         <p:cNvGrpSpPr/>
         <p:nvPr/>
       </p:nvGrpSpPr>
@@ -15495,227 +16042,140 @@
       </p:grpSpPr>
       <p:sp>
         <p:nvSpPr>
-          <p:cNvPr id="165" name="Google Shape;165;p26"/>
-          <p:cNvSpPr txBox="1">
+          <p:cNvPr id="2" name="Título 1">
+            <a:extLst>
+              <a:ext uri="{FF2B5EF4-FFF2-40B4-BE49-F238E27FC236}">
+                <a16:creationId xmlns:a16="http://schemas.microsoft.com/office/drawing/2014/main" id="{ACC68E52-B8FD-47EE-8C5B-8F192CE50655}"/>
+              </a:ext>
+            </a:extLst>
+          </p:cNvPr>
+          <p:cNvSpPr>
             <a:spLocks noGrp="1"/>
           </p:cNvSpPr>
           <p:nvPr>
             <p:ph type="title"/>
           </p:nvPr>
         </p:nvSpPr>
-        <p:spPr>
-          <a:xfrm>
-            <a:off x="415600" y="496667"/>
-            <a:ext cx="11360800" cy="978000"/>
-          </a:xfrm>
-          <a:prstGeom prst="rect">
-            <a:avLst/>
-          </a:prstGeom>
-        </p:spPr>
-        <p:txBody>
-          <a:bodyPr spcFirstLastPara="1" wrap="square" lIns="121897" tIns="121897" rIns="121897" bIns="121897" anchor="b" anchorCtr="0">
-            <a:noAutofit/>
-          </a:bodyPr>
-          <a:lstStyle/>
-          <a:p>
-            <a:r>
-              <a:rPr lang="es"/>
-              <a:t>Gráficas de Barras vs Histogramas</a:t>
-            </a:r>
-            <a:endParaRPr/>
-          </a:p>
-        </p:txBody>
-      </p:sp>
-      <p:sp>
-        <p:nvSpPr>
-          <p:cNvPr id="166" name="Google Shape;166;p26"/>
-          <p:cNvSpPr txBox="1">
-            <a:spLocks noGrp="1"/>
-          </p:cNvSpPr>
-          <p:nvPr>
-            <p:ph type="body" idx="1"/>
-          </p:nvPr>
-        </p:nvSpPr>
-        <p:spPr>
-          <a:xfrm>
-            <a:off x="415600" y="1777533"/>
-            <a:ext cx="5333200" cy="4133200"/>
-          </a:xfrm>
-          <a:prstGeom prst="rect">
-            <a:avLst/>
-          </a:prstGeom>
-        </p:spPr>
-        <p:txBody>
-          <a:bodyPr spcFirstLastPara="1" wrap="square" lIns="121897" tIns="121897" rIns="121897" bIns="121897" anchor="t" anchorCtr="0">
-            <a:noAutofit/>
-          </a:bodyPr>
-          <a:lstStyle/>
-          <a:p>
-            <a:pPr marL="0" indent="0" algn="ctr">
-              <a:buNone/>
-            </a:pPr>
-            <a:r>
-              <a:rPr lang="es" b="1" dirty="0"/>
-              <a:t>Gráfica de Barras</a:t>
-            </a:r>
-            <a:endParaRPr b="1" dirty="0"/>
-          </a:p>
-          <a:p>
-            <a:pPr marL="0" indent="0">
-              <a:spcBef>
-                <a:spcPts val="2133"/>
-              </a:spcBef>
-              <a:buNone/>
-            </a:pPr>
-            <a:r>
-              <a:rPr lang="es" dirty="0"/>
-              <a:t>X = Variable categórica</a:t>
-            </a:r>
-            <a:endParaRPr dirty="0"/>
-          </a:p>
-          <a:p>
-            <a:pPr marL="0" indent="0">
-              <a:spcBef>
-                <a:spcPts val="2133"/>
-              </a:spcBef>
-              <a:spcAft>
-                <a:spcPts val="2133"/>
-              </a:spcAft>
-              <a:buNone/>
-            </a:pPr>
-            <a:r>
-              <a:rPr lang="es" dirty="0"/>
-              <a:t>Y = Variable contínua</a:t>
-            </a:r>
-            <a:endParaRPr dirty="0"/>
-          </a:p>
-        </p:txBody>
-      </p:sp>
-      <p:sp>
-        <p:nvSpPr>
-          <p:cNvPr id="167" name="Google Shape;167;p26"/>
-          <p:cNvSpPr txBox="1">
-            <a:spLocks noGrp="1"/>
-          </p:cNvSpPr>
-          <p:nvPr>
-            <p:ph type="body" idx="2"/>
-          </p:nvPr>
-        </p:nvSpPr>
-        <p:spPr>
-          <a:xfrm>
-            <a:off x="6443200" y="1678867"/>
-            <a:ext cx="5333200" cy="4133200"/>
-          </a:xfrm>
-          <a:prstGeom prst="rect">
-            <a:avLst/>
-          </a:prstGeom>
-        </p:spPr>
-        <p:txBody>
-          <a:bodyPr spcFirstLastPara="1" wrap="square" lIns="121897" tIns="121897" rIns="121897" bIns="121897" anchor="t" anchorCtr="0">
-            <a:noAutofit/>
-          </a:bodyPr>
-          <a:lstStyle/>
-          <a:p>
-            <a:pPr marL="0" indent="0" algn="ctr">
-              <a:buNone/>
-            </a:pPr>
-            <a:r>
-              <a:rPr lang="es" b="1"/>
-              <a:t>Histogramas</a:t>
-            </a:r>
-            <a:endParaRPr b="1"/>
-          </a:p>
-          <a:p>
-            <a:pPr marL="0" indent="0">
-              <a:spcBef>
-                <a:spcPts val="2133"/>
-              </a:spcBef>
-              <a:buNone/>
-            </a:pPr>
-            <a:r>
-              <a:rPr lang="es"/>
-              <a:t>X = Variable numérica (Continua)</a:t>
-            </a:r>
-            <a:endParaRPr/>
-          </a:p>
-          <a:p>
-            <a:pPr marL="0" indent="0">
-              <a:spcBef>
-                <a:spcPts val="2133"/>
-              </a:spcBef>
-              <a:spcAft>
-                <a:spcPts val="2133"/>
-              </a:spcAft>
-              <a:buNone/>
-            </a:pPr>
-            <a:r>
-              <a:rPr lang="es"/>
-              <a:t>Y = Frecuencias</a:t>
-            </a:r>
-            <a:endParaRPr/>
+        <p:spPr/>
+        <p:txBody>
+          <a:bodyPr/>
+          <a:lstStyle/>
+          <a:p>
+            <a:endParaRPr lang="es-MX"/>
+          </a:p>
+        </p:txBody>
+      </p:sp>
+      <p:sp>
+        <p:nvSpPr>
+          <p:cNvPr id="3" name="Marcador de contenido 2">
+            <a:extLst>
+              <a:ext uri="{FF2B5EF4-FFF2-40B4-BE49-F238E27FC236}">
+                <a16:creationId xmlns:a16="http://schemas.microsoft.com/office/drawing/2014/main" id="{EFED141D-FDB1-4610-8A3E-E5FFF79A55BF}"/>
+              </a:ext>
+            </a:extLst>
+          </p:cNvPr>
+          <p:cNvSpPr>
+            <a:spLocks noGrp="1"/>
+          </p:cNvSpPr>
+          <p:nvPr>
+            <p:ph idx="1"/>
+          </p:nvPr>
+        </p:nvSpPr>
+        <p:spPr/>
+        <p:txBody>
+          <a:bodyPr/>
+          <a:lstStyle/>
+          <a:p>
+            <a:endParaRPr lang="es-MX"/>
           </a:p>
         </p:txBody>
       </p:sp>
       <p:pic>
         <p:nvPicPr>
-          <p:cNvPr id="168" name="Google Shape;168;p26"/>
-          <p:cNvPicPr preferRelativeResize="0"/>
+          <p:cNvPr id="4" name="Imagen 3">
+            <a:extLst>
+              <a:ext uri="{FF2B5EF4-FFF2-40B4-BE49-F238E27FC236}">
+                <a16:creationId xmlns:a16="http://schemas.microsoft.com/office/drawing/2014/main" id="{AF230C21-9E11-4018-8ABA-D2094868C6A0}"/>
+              </a:ext>
+            </a:extLst>
+          </p:cNvPr>
+          <p:cNvPicPr>
+            <a:picLocks noChangeAspect="1"/>
+          </p:cNvPicPr>
           <p:nvPr/>
         </p:nvPicPr>
         <p:blipFill>
-          <a:blip r:embed="rId3">
-            <a:alphaModFix/>
-          </a:blip>
+          <a:blip r:embed="rId2"/>
           <a:stretch>
             <a:fillRect/>
           </a:stretch>
         </p:blipFill>
         <p:spPr>
           <a:xfrm>
-            <a:off x="1780567" y="3736867"/>
-            <a:ext cx="2462500" cy="2720667"/>
+            <a:off x="665962" y="149599"/>
+            <a:ext cx="10323616" cy="6250997"/>
           </a:xfrm>
           <a:prstGeom prst="rect">
             <a:avLst/>
           </a:prstGeom>
+        </p:spPr>
+      </p:pic>
+      <p:sp>
+        <p:nvSpPr>
+          <p:cNvPr id="6" name="Rectángulo: esquinas redondeadas 5">
+            <a:extLst>
+              <a:ext uri="{FF2B5EF4-FFF2-40B4-BE49-F238E27FC236}">
+                <a16:creationId xmlns:a16="http://schemas.microsoft.com/office/drawing/2014/main" id="{B6FF3484-63E6-4906-BAC3-B22F365A53CC}"/>
+              </a:ext>
+            </a:extLst>
+          </p:cNvPr>
+          <p:cNvSpPr/>
+          <p:nvPr/>
+        </p:nvSpPr>
+        <p:spPr>
+          <a:xfrm>
+            <a:off x="1711354" y="83890"/>
+            <a:ext cx="8246378" cy="880844"/>
+          </a:xfrm>
+          <a:prstGeom prst="roundRect">
+            <a:avLst/>
+          </a:prstGeom>
           <a:noFill/>
-          <a:ln>
-            <a:noFill/>
+          <a:ln w="76200">
+            <a:solidFill>
+              <a:srgbClr val="FF0000"/>
+            </a:solidFill>
           </a:ln>
         </p:spPr>
-      </p:pic>
-      <p:pic>
-        <p:nvPicPr>
-          <p:cNvPr id="169" name="Google Shape;169;p26"/>
-          <p:cNvPicPr preferRelativeResize="0"/>
-          <p:nvPr/>
-        </p:nvPicPr>
-        <p:blipFill>
-          <a:blip r:embed="rId4">
-            <a:alphaModFix/>
-          </a:blip>
-          <a:stretch>
-            <a:fillRect/>
-          </a:stretch>
-        </p:blipFill>
-        <p:spPr>
-          <a:xfrm>
-            <a:off x="7746534" y="3539498"/>
-            <a:ext cx="2384233" cy="2842767"/>
-          </a:xfrm>
-          <a:prstGeom prst="rect">
-            <a:avLst/>
-          </a:prstGeom>
-          <a:noFill/>
-          <a:ln>
-            <a:noFill/>
-          </a:ln>
-        </p:spPr>
-      </p:pic>
+        <p:style>
+          <a:lnRef idx="2">
+            <a:schemeClr val="accent1">
+              <a:shade val="50000"/>
+            </a:schemeClr>
+          </a:lnRef>
+          <a:fillRef idx="1">
+            <a:schemeClr val="accent1"/>
+          </a:fillRef>
+          <a:effectRef idx="0">
+            <a:schemeClr val="accent1"/>
+          </a:effectRef>
+          <a:fontRef idx="minor">
+            <a:schemeClr val="lt1"/>
+          </a:fontRef>
+        </p:style>
+        <p:txBody>
+          <a:bodyPr rtlCol="0" anchor="ctr"/>
+          <a:lstStyle/>
+          <a:p>
+            <a:pPr algn="ctr"/>
+            <a:endParaRPr lang="es-MX"/>
+          </a:p>
+        </p:txBody>
+      </p:sp>
     </p:spTree>
     <p:extLst>
       <p:ext uri="{BB962C8B-B14F-4D97-AF65-F5344CB8AC3E}">
-        <p14:creationId xmlns:p14="http://schemas.microsoft.com/office/powerpoint/2010/main" val="2276260530"/>
+        <p14:creationId xmlns:p14="http://schemas.microsoft.com/office/powerpoint/2010/main" val="2800652064"/>
       </p:ext>
     </p:extLst>
   </p:cSld>
@@ -15730,7 +16190,7 @@
   <p:cSld>
     <p:spTree>
       <p:nvGrpSpPr>
-        <p:cNvPr id="1" name="Shape 182"/>
+        <p:cNvPr id="1" name=""/>
         <p:cNvGrpSpPr/>
         <p:nvPr/>
       </p:nvGrpSpPr>
@@ -15744,187 +16204,192 @@
       </p:grpSpPr>
       <p:sp>
         <p:nvSpPr>
-          <p:cNvPr id="183" name="Google Shape;183;p28"/>
-          <p:cNvSpPr txBox="1">
+          <p:cNvPr id="2" name="Título 1">
+            <a:extLst>
+              <a:ext uri="{FF2B5EF4-FFF2-40B4-BE49-F238E27FC236}">
+                <a16:creationId xmlns:a16="http://schemas.microsoft.com/office/drawing/2014/main" id="{ACC68E52-B8FD-47EE-8C5B-8F192CE50655}"/>
+              </a:ext>
+            </a:extLst>
+          </p:cNvPr>
+          <p:cNvSpPr>
             <a:spLocks noGrp="1"/>
           </p:cNvSpPr>
           <p:nvPr>
             <p:ph type="title"/>
           </p:nvPr>
         </p:nvSpPr>
-        <p:spPr>
-          <a:xfrm>
-            <a:off x="415600" y="496667"/>
-            <a:ext cx="11360800" cy="978000"/>
-          </a:xfrm>
-          <a:prstGeom prst="rect">
-            <a:avLst/>
-          </a:prstGeom>
-        </p:spPr>
-        <p:txBody>
-          <a:bodyPr spcFirstLastPara="1" wrap="square" lIns="121897" tIns="121897" rIns="121897" bIns="121897" anchor="b" anchorCtr="0">
-            <a:noAutofit/>
-          </a:bodyPr>
-          <a:lstStyle/>
-          <a:p>
-            <a:r>
-              <a:rPr lang="es"/>
-              <a:t>Gráficas Lineales</a:t>
-            </a:r>
-            <a:endParaRPr/>
-          </a:p>
-        </p:txBody>
-      </p:sp>
-      <p:sp>
-        <p:nvSpPr>
-          <p:cNvPr id="184" name="Google Shape;184;p28"/>
-          <p:cNvSpPr txBox="1">
-            <a:spLocks noGrp="1"/>
-          </p:cNvSpPr>
-          <p:nvPr>
-            <p:ph type="body" idx="1"/>
-          </p:nvPr>
-        </p:nvSpPr>
-        <p:spPr>
-          <a:xfrm>
-            <a:off x="117433" y="1754600"/>
-            <a:ext cx="3745200" cy="4133200"/>
-          </a:xfrm>
-          <a:prstGeom prst="rect">
-            <a:avLst/>
-          </a:prstGeom>
-        </p:spPr>
-        <p:txBody>
-          <a:bodyPr spcFirstLastPara="1" wrap="square" lIns="121897" tIns="121897" rIns="121897" bIns="121897" anchor="t" anchorCtr="0">
-            <a:noAutofit/>
-          </a:bodyPr>
-          <a:lstStyle/>
-          <a:p>
-            <a:pPr marL="0" indent="0">
-              <a:buNone/>
-            </a:pPr>
-            <a:r>
-              <a:rPr lang="es"/>
-              <a:t>Presentan los cambios en la variable dependiente (y) a lo largo de diferentes valores en (x).</a:t>
-            </a:r>
-            <a:endParaRPr/>
-          </a:p>
-          <a:p>
-            <a:pPr marL="0" indent="0">
-              <a:spcBef>
-                <a:spcPts val="2133"/>
-              </a:spcBef>
-              <a:buNone/>
-            </a:pPr>
-            <a:endParaRPr/>
-          </a:p>
-          <a:p>
-            <a:pPr marL="0" indent="0">
-              <a:spcBef>
-                <a:spcPts val="2133"/>
-              </a:spcBef>
-              <a:buNone/>
-            </a:pPr>
-            <a:r>
-              <a:rPr lang="es"/>
-              <a:t>X = Variable Numérica</a:t>
-            </a:r>
-            <a:endParaRPr/>
-          </a:p>
-          <a:p>
-            <a:pPr marL="0" indent="0">
-              <a:spcBef>
-                <a:spcPts val="2133"/>
-              </a:spcBef>
-              <a:spcAft>
-                <a:spcPts val="2133"/>
-              </a:spcAft>
-              <a:buNone/>
-            </a:pPr>
-            <a:r>
-              <a:rPr lang="es"/>
-              <a:t>Y = Variable Numérica</a:t>
-            </a:r>
-            <a:endParaRPr/>
-          </a:p>
-        </p:txBody>
-      </p:sp>
-      <p:sp>
-        <p:nvSpPr>
-          <p:cNvPr id="185" name="Google Shape;185;p28"/>
-          <p:cNvSpPr txBox="1">
-            <a:spLocks noGrp="1"/>
-          </p:cNvSpPr>
-          <p:nvPr>
-            <p:ph type="body" idx="2"/>
-          </p:nvPr>
-        </p:nvSpPr>
-        <p:spPr>
-          <a:xfrm>
-            <a:off x="6443200" y="1958433"/>
-            <a:ext cx="5333200" cy="4133200"/>
-          </a:xfrm>
-          <a:prstGeom prst="rect">
-            <a:avLst/>
-          </a:prstGeom>
-        </p:spPr>
-        <p:txBody>
-          <a:bodyPr spcFirstLastPara="1" wrap="square" lIns="121897" tIns="121897" rIns="121897" bIns="121897" anchor="t" anchorCtr="0">
-            <a:noAutofit/>
-          </a:bodyPr>
-          <a:lstStyle/>
-          <a:p>
-            <a:pPr marL="0" indent="0">
-              <a:buNone/>
-            </a:pPr>
-            <a:endParaRPr/>
-          </a:p>
-          <a:p>
-            <a:pPr marL="0" indent="0">
-              <a:spcBef>
-                <a:spcPts val="2133"/>
-              </a:spcBef>
-              <a:spcAft>
-                <a:spcPts val="2133"/>
-              </a:spcAft>
-              <a:buNone/>
-            </a:pPr>
-            <a:endParaRPr/>
+        <p:spPr/>
+        <p:txBody>
+          <a:bodyPr/>
+          <a:lstStyle/>
+          <a:p>
+            <a:endParaRPr lang="es-MX"/>
+          </a:p>
+        </p:txBody>
+      </p:sp>
+      <p:sp>
+        <p:nvSpPr>
+          <p:cNvPr id="3" name="Marcador de contenido 2">
+            <a:extLst>
+              <a:ext uri="{FF2B5EF4-FFF2-40B4-BE49-F238E27FC236}">
+                <a16:creationId xmlns:a16="http://schemas.microsoft.com/office/drawing/2014/main" id="{EFED141D-FDB1-4610-8A3E-E5FFF79A55BF}"/>
+              </a:ext>
+            </a:extLst>
+          </p:cNvPr>
+          <p:cNvSpPr>
+            <a:spLocks noGrp="1"/>
+          </p:cNvSpPr>
+          <p:nvPr>
+            <p:ph idx="1"/>
+          </p:nvPr>
+        </p:nvSpPr>
+        <p:spPr/>
+        <p:txBody>
+          <a:bodyPr/>
+          <a:lstStyle/>
+          <a:p>
+            <a:endParaRPr lang="es-MX"/>
           </a:p>
         </p:txBody>
       </p:sp>
       <p:pic>
         <p:nvPicPr>
-          <p:cNvPr id="186" name="Google Shape;186;p28"/>
-          <p:cNvPicPr preferRelativeResize="0"/>
+          <p:cNvPr id="4" name="Imagen 3">
+            <a:extLst>
+              <a:ext uri="{FF2B5EF4-FFF2-40B4-BE49-F238E27FC236}">
+                <a16:creationId xmlns:a16="http://schemas.microsoft.com/office/drawing/2014/main" id="{AF230C21-9E11-4018-8ABA-D2094868C6A0}"/>
+              </a:ext>
+            </a:extLst>
+          </p:cNvPr>
+          <p:cNvPicPr>
+            <a:picLocks noChangeAspect="1"/>
+          </p:cNvPicPr>
           <p:nvPr/>
         </p:nvPicPr>
         <p:blipFill>
-          <a:blip r:embed="rId3">
-            <a:alphaModFix/>
-          </a:blip>
+          <a:blip r:embed="rId2"/>
           <a:stretch>
             <a:fillRect/>
           </a:stretch>
         </p:blipFill>
         <p:spPr>
           <a:xfrm>
-            <a:off x="4329133" y="288685"/>
-            <a:ext cx="7359700" cy="5907900"/>
+            <a:off x="665962" y="149599"/>
+            <a:ext cx="10323616" cy="6250997"/>
           </a:xfrm>
           <a:prstGeom prst="rect">
+            <a:avLst/>
+          </a:prstGeom>
+        </p:spPr>
+      </p:pic>
+      <p:sp>
+        <p:nvSpPr>
+          <p:cNvPr id="5" name="Elipse 4">
+            <a:extLst>
+              <a:ext uri="{FF2B5EF4-FFF2-40B4-BE49-F238E27FC236}">
+                <a16:creationId xmlns:a16="http://schemas.microsoft.com/office/drawing/2014/main" id="{969A81FF-EC70-41E9-966A-F721821B966D}"/>
+              </a:ext>
+            </a:extLst>
+          </p:cNvPr>
+          <p:cNvSpPr/>
+          <p:nvPr/>
+        </p:nvSpPr>
+        <p:spPr>
+          <a:xfrm>
+            <a:off x="1719743" y="3607266"/>
+            <a:ext cx="3120705" cy="1300294"/>
+          </a:xfrm>
+          <a:prstGeom prst="ellipse">
             <a:avLst/>
           </a:prstGeom>
           <a:noFill/>
           <a:ln>
-            <a:noFill/>
+            <a:solidFill>
+              <a:srgbClr val="FF0000"/>
+            </a:solidFill>
           </a:ln>
         </p:spPr>
-      </p:pic>
+        <p:style>
+          <a:lnRef idx="2">
+            <a:schemeClr val="accent1">
+              <a:shade val="50000"/>
+            </a:schemeClr>
+          </a:lnRef>
+          <a:fillRef idx="1">
+            <a:schemeClr val="accent1"/>
+          </a:fillRef>
+          <a:effectRef idx="0">
+            <a:schemeClr val="accent1"/>
+          </a:effectRef>
+          <a:fontRef idx="minor">
+            <a:schemeClr val="lt1"/>
+          </a:fontRef>
+        </p:style>
+        <p:txBody>
+          <a:bodyPr rtlCol="0" anchor="ctr"/>
+          <a:lstStyle/>
+          <a:p>
+            <a:pPr algn="ctr"/>
+            <a:endParaRPr lang="es-MX"/>
+          </a:p>
+        </p:txBody>
+      </p:sp>
+      <p:sp>
+        <p:nvSpPr>
+          <p:cNvPr id="7" name="Elipse 6">
+            <a:extLst>
+              <a:ext uri="{FF2B5EF4-FFF2-40B4-BE49-F238E27FC236}">
+                <a16:creationId xmlns:a16="http://schemas.microsoft.com/office/drawing/2014/main" id="{29516E9A-FBA1-4081-9265-EB0265C0C1C9}"/>
+              </a:ext>
+            </a:extLst>
+          </p:cNvPr>
+          <p:cNvSpPr/>
+          <p:nvPr/>
+        </p:nvSpPr>
+        <p:spPr>
+          <a:xfrm>
+            <a:off x="7868873" y="2701000"/>
+            <a:ext cx="3120705" cy="1300294"/>
+          </a:xfrm>
+          <a:prstGeom prst="ellipse">
+            <a:avLst/>
+          </a:prstGeom>
+          <a:noFill/>
+          <a:ln>
+            <a:solidFill>
+              <a:srgbClr val="FF0000"/>
+            </a:solidFill>
+          </a:ln>
+        </p:spPr>
+        <p:style>
+          <a:lnRef idx="2">
+            <a:schemeClr val="accent1">
+              <a:shade val="50000"/>
+            </a:schemeClr>
+          </a:lnRef>
+          <a:fillRef idx="1">
+            <a:schemeClr val="accent1"/>
+          </a:fillRef>
+          <a:effectRef idx="0">
+            <a:schemeClr val="accent1"/>
+          </a:effectRef>
+          <a:fontRef idx="minor">
+            <a:schemeClr val="lt1"/>
+          </a:fontRef>
+        </p:style>
+        <p:txBody>
+          <a:bodyPr rtlCol="0" anchor="ctr"/>
+          <a:lstStyle/>
+          <a:p>
+            <a:pPr algn="ctr"/>
+            <a:endParaRPr lang="es-MX"/>
+          </a:p>
+        </p:txBody>
+      </p:sp>
     </p:spTree>
     <p:extLst>
       <p:ext uri="{BB962C8B-B14F-4D97-AF65-F5344CB8AC3E}">
-        <p14:creationId xmlns:p14="http://schemas.microsoft.com/office/powerpoint/2010/main" val="1727727122"/>
+        <p14:creationId xmlns:p14="http://schemas.microsoft.com/office/powerpoint/2010/main" val="2659124236"/>
       </p:ext>
     </p:extLst>
   </p:cSld>
